--- a/Презентация1.pptx
+++ b/Презентация1.pptx
@@ -7,6 +7,7 @@
   <p:sldIdLst>
     <p:sldId id="256" r:id="rId2"/>
     <p:sldId id="257" r:id="rId3"/>
+    <p:sldId id="258" r:id="rId4"/>
   </p:sldIdLst>
   <p:sldSz cx="12192000" cy="6858000"/>
   <p:notesSz cx="6858000" cy="9144000"/>
@@ -105,6 +106,11 @@
       </a:defRPr>
     </a:lvl9pPr>
   </p:defaultTextStyle>
+  <p:extLst>
+    <p:ext uri="{EFAFB233-063F-42B5-8137-9DF3F51BA10A}">
+      <p15:sldGuideLst xmlns:p15="http://schemas.microsoft.com/office/powerpoint/2012/main"/>
+    </p:ext>
+  </p:extLst>
 </p:presentation>
 </file>
 
@@ -2323,7 +2329,6 @@
             <a:rPr lang="kk-KZ" dirty="0" smtClean="0"/>
             <a:t>Спецификация</a:t>
           </a:r>
-          <a:endParaRPr lang="kk-KZ" dirty="0" smtClean="0"/>
         </a:p>
       </dgm:t>
     </dgm:pt>
@@ -2434,7 +2439,6 @@
             <a:rPr lang="kk-KZ" dirty="0" smtClean="0"/>
             <a:t>Жоба тобы</a:t>
           </a:r>
-          <a:endParaRPr lang="kk-KZ" dirty="0" smtClean="0"/>
         </a:p>
       </dgm:t>
     </dgm:pt>
@@ -2469,6 +2473,13 @@
         </dgm:presLayoutVars>
       </dgm:prSet>
       <dgm:spPr/>
+      <dgm:t>
+        <a:bodyPr/>
+        <a:lstStyle/>
+        <a:p>
+          <a:endParaRPr lang="ru-RU"/>
+        </a:p>
+      </dgm:t>
     </dgm:pt>
     <dgm:pt modelId="{ED45D4E3-9413-4D40-986E-702F5F6B1F1B}" type="pres">
       <dgm:prSet presAssocID="{B21C3D2F-08C9-449F-9D57-DC8335FB076F}" presName="composite" presStyleCnt="0"/>
@@ -2563,6 +2574,13 @@
         </dgm:presLayoutVars>
       </dgm:prSet>
       <dgm:spPr/>
+      <dgm:t>
+        <a:bodyPr/>
+        <a:lstStyle/>
+        <a:p>
+          <a:endParaRPr lang="ru-RU"/>
+        </a:p>
+      </dgm:t>
     </dgm:pt>
     <dgm:pt modelId="{044BCA5F-4D35-412B-8F61-917CC098E18A}" type="pres">
       <dgm:prSet presAssocID="{28D8A686-2B60-4C9A-B8C6-024A6D760DE2}" presName="desTx" presStyleLbl="alignAccFollowNode1" presStyleIdx="2" presStyleCnt="4">
@@ -2621,51 +2639,51 @@
     </dgm:pt>
   </dgm:ptLst>
   <dgm:cxnLst>
+    <dgm:cxn modelId="{3B8D1436-D801-42EF-9A29-621F175A258F}" srcId="{7157E82D-6FDE-4719-AC8B-BA6626EA5A3C}" destId="{28D8A686-2B60-4C9A-B8C6-024A6D760DE2}" srcOrd="2" destOrd="0" parTransId="{90BC5D60-1D02-4628-A317-23FAAD5109E4}" sibTransId="{D10BCF56-3547-459E-BB9C-A80D6B2E771E}"/>
+    <dgm:cxn modelId="{138CE042-1767-4D3A-B0BB-97B6EF87C0D2}" srcId="{CB01E9E5-62F3-410C-9938-FD7CE644EE3B}" destId="{61ED63F0-C5F9-4626-A42C-CACECC645F5C}" srcOrd="1" destOrd="0" parTransId="{DB0B1F81-C381-4998-A6D3-DFD0EABC4E56}" sibTransId="{54C2DF53-0564-4189-A36E-C81ED3DEB4B7}"/>
+    <dgm:cxn modelId="{3681110D-477B-42A8-9225-62752E114467}" type="presOf" srcId="{DB8928EA-D56E-4110-B7E3-9634FCE4F326}" destId="{B7D51FE0-11FD-4167-9609-33459A5CF1F3}" srcOrd="0" destOrd="4" presId="urn:microsoft.com/office/officeart/2005/8/layout/hList1"/>
+    <dgm:cxn modelId="{4599E18B-AC04-4B3B-897B-7EDF76FE4027}" type="presOf" srcId="{CBD64214-CDC1-472D-BF9D-66633772031C}" destId="{044BCA5F-4D35-412B-8F61-917CC098E18A}" srcOrd="0" destOrd="0" presId="urn:microsoft.com/office/officeart/2005/8/layout/hList1"/>
+    <dgm:cxn modelId="{17F5B2DE-92F6-4C4C-9048-BEBCD772F52E}" type="presOf" srcId="{1FDF46E6-8092-44E9-8E91-5A0E260A15C1}" destId="{4982F73A-BF57-4CDF-8768-A08C246B445E}" srcOrd="0" destOrd="3" presId="urn:microsoft.com/office/officeart/2005/8/layout/hList1"/>
+    <dgm:cxn modelId="{DB99C756-C39D-4F6E-9B48-DD0AFA134D18}" srcId="{B21C3D2F-08C9-449F-9D57-DC8335FB076F}" destId="{EF2135F4-C953-4DB0-B92C-37C16B8F7F30}" srcOrd="1" destOrd="0" parTransId="{21C57ED1-153D-4DB7-9BB9-EAD985273B16}" sibTransId="{E5D7B980-68EA-40B0-90C9-55951B76AE52}"/>
+    <dgm:cxn modelId="{AA6A3A2E-3D28-434B-97C0-EB4F3266FCE2}" srcId="{CB01E9E5-62F3-410C-9938-FD7CE644EE3B}" destId="{DD552D85-5E3A-415C-9CF9-C8CC389496B8}" srcOrd="0" destOrd="0" parTransId="{0BBDE2C3-484A-4905-8097-BEC14146E8C2}" sibTransId="{D5EBB63B-D764-4507-A92A-076506F22CF5}"/>
+    <dgm:cxn modelId="{671EF82F-C42A-4FDD-A429-78F19B6E5625}" srcId="{CB01E9E5-62F3-410C-9938-FD7CE644EE3B}" destId="{3E3E7159-86D6-476A-8478-367C2874A199}" srcOrd="4" destOrd="0" parTransId="{5A68FE99-0EBE-494D-8EFE-2C55632E50E7}" sibTransId="{ED950E7A-87EE-4AEF-8E5C-5EB5A15096D1}"/>
+    <dgm:cxn modelId="{40A35A2D-CD56-4D73-BE78-EB76370AA264}" srcId="{B21C3D2F-08C9-449F-9D57-DC8335FB076F}" destId="{E7666353-B27A-4C10-B061-E644D98B8D46}" srcOrd="2" destOrd="0" parTransId="{10A69FD4-0A63-4A61-8704-9419269D2F6F}" sibTransId="{2CF6E175-E527-43CD-A89A-CEA2A48275F1}"/>
+    <dgm:cxn modelId="{65E1A8B5-1367-4BCC-A12A-B34D9E9E80DA}" srcId="{E5F4F842-118D-46F0-ADEF-F16BAAA9CD16}" destId="{45A0AA27-EEF9-4822-93C7-4F3220496327}" srcOrd="3" destOrd="0" parTransId="{A4FB4AA6-2F8A-4833-87AD-C28C8C2F18C3}" sibTransId="{AE73D26D-94DB-4CD4-B686-494A876A1F63}"/>
     <dgm:cxn modelId="{ABBAC63E-02A6-4B0C-BC39-2648F60D36A1}" srcId="{28D8A686-2B60-4C9A-B8C6-024A6D760DE2}" destId="{CBD64214-CDC1-472D-BF9D-66633772031C}" srcOrd="0" destOrd="0" parTransId="{17FB0B8C-2997-491F-938C-82A4A68DD44A}" sibTransId="{D1CEB556-CC99-4314-B900-D1AE49B2B007}"/>
-    <dgm:cxn modelId="{A96F32D1-2D07-45E4-A25C-7DC25D867072}" type="presOf" srcId="{EF2135F4-C953-4DB0-B92C-37C16B8F7F30}" destId="{B7D51FE0-11FD-4167-9609-33459A5CF1F3}" srcOrd="0" destOrd="1" presId="urn:microsoft.com/office/officeart/2005/8/layout/hList1"/>
+    <dgm:cxn modelId="{FA523998-5B84-455D-A313-D4F04E60F141}" type="presOf" srcId="{28D8A686-2B60-4C9A-B8C6-024A6D760DE2}" destId="{DC235842-CFB0-448B-8F07-2B32E2CF3327}" srcOrd="0" destOrd="0" presId="urn:microsoft.com/office/officeart/2005/8/layout/hList1"/>
+    <dgm:cxn modelId="{7A7ECA03-9CC9-41A9-BC8E-461C88F5C37E}" type="presOf" srcId="{3E3E7159-86D6-476A-8478-367C2874A199}" destId="{4982F73A-BF57-4CDF-8768-A08C246B445E}" srcOrd="0" destOrd="4" presId="urn:microsoft.com/office/officeart/2005/8/layout/hList1"/>
+    <dgm:cxn modelId="{CDCD8697-C7CE-46DD-A887-A7C7AE82B925}" type="presOf" srcId="{61ED63F0-C5F9-4626-A42C-CACECC645F5C}" destId="{4982F73A-BF57-4CDF-8768-A08C246B445E}" srcOrd="0" destOrd="1" presId="urn:microsoft.com/office/officeart/2005/8/layout/hList1"/>
+    <dgm:cxn modelId="{B1A7E622-94F8-437E-8864-2C3CC110BD59}" type="presOf" srcId="{8C39CBEE-7752-4CCF-904F-9494E1549916}" destId="{B7D51FE0-11FD-4167-9609-33459A5CF1F3}" srcOrd="0" destOrd="0" presId="urn:microsoft.com/office/officeart/2005/8/layout/hList1"/>
+    <dgm:cxn modelId="{50E2733F-6E78-40C9-AF16-4B6815532D2F}" type="presOf" srcId="{6BE08FB6-609D-4464-94A7-4CA439B15E54}" destId="{B7D51FE0-11FD-4167-9609-33459A5CF1F3}" srcOrd="0" destOrd="3" presId="urn:microsoft.com/office/officeart/2005/8/layout/hList1"/>
+    <dgm:cxn modelId="{B0856087-EC0E-4AF8-89FE-C7C20E275179}" srcId="{B21C3D2F-08C9-449F-9D57-DC8335FB076F}" destId="{8C39CBEE-7752-4CCF-904F-9494E1549916}" srcOrd="0" destOrd="0" parTransId="{A985AE18-2A0C-4A9A-BA23-E88236D2FDB7}" sibTransId="{2360B979-BC6B-4289-A6AD-9871B28B6E7D}"/>
+    <dgm:cxn modelId="{C0A90B39-9214-4F08-A8E3-26ABE669B447}" srcId="{7157E82D-6FDE-4719-AC8B-BA6626EA5A3C}" destId="{B21C3D2F-08C9-449F-9D57-DC8335FB076F}" srcOrd="0" destOrd="0" parTransId="{E1A17349-C0A7-43B2-8A5C-C46385DCAAEA}" sibTransId="{4FC5E77D-B4FA-437B-996D-A1B70E956774}"/>
+    <dgm:cxn modelId="{1787B751-97FC-4F01-9F9A-D590F6B84274}" type="presOf" srcId="{8B61CB61-791A-4C9D-A618-30F3247C4180}" destId="{3A2A2D77-5F88-4A5D-837A-900CEF34AFFE}" srcOrd="0" destOrd="0" presId="urn:microsoft.com/office/officeart/2005/8/layout/hList1"/>
+    <dgm:cxn modelId="{92A74A1A-B8B5-464D-900F-998E9FC7C332}" srcId="{B21C3D2F-08C9-449F-9D57-DC8335FB076F}" destId="{6BE08FB6-609D-4464-94A7-4CA439B15E54}" srcOrd="3" destOrd="0" parTransId="{AFCC0351-1F91-4FE1-B4BD-C08D45F47517}" sibTransId="{20155149-CB48-4FEC-93A0-6D9D5032B7F7}"/>
+    <dgm:cxn modelId="{8E083784-24F1-4D6C-B5E5-36BC3142CBA5}" srcId="{CB01E9E5-62F3-410C-9938-FD7CE644EE3B}" destId="{4418C0B6-C941-480D-BEF1-9AF5804F3677}" srcOrd="2" destOrd="0" parTransId="{33ABE779-52D6-495D-B3BA-610A86881706}" sibTransId="{49128A92-3B9D-4D6F-B307-C5EC5FE3DD91}"/>
+    <dgm:cxn modelId="{721F2194-04C2-43B9-A5AC-2A4C50588697}" srcId="{28D8A686-2B60-4C9A-B8C6-024A6D760DE2}" destId="{327933E7-550F-4B9D-9C00-9EE1E1618AA8}" srcOrd="1" destOrd="0" parTransId="{A4D37955-3C2F-4DFD-A7A4-2F1E74794AF4}" sibTransId="{06E91887-6914-4F14-B78B-F2C530A1685D}"/>
+    <dgm:cxn modelId="{6606A548-9AED-453B-9185-FB7EE1DFC37F}" type="presOf" srcId="{DD552D85-5E3A-415C-9CF9-C8CC389496B8}" destId="{4982F73A-BF57-4CDF-8768-A08C246B445E}" srcOrd="0" destOrd="0" presId="urn:microsoft.com/office/officeart/2005/8/layout/hList1"/>
+    <dgm:cxn modelId="{6F5D9769-862C-4C66-8B6A-279EC43AA4EA}" srcId="{CB01E9E5-62F3-410C-9938-FD7CE644EE3B}" destId="{1FDF46E6-8092-44E9-8E91-5A0E260A15C1}" srcOrd="3" destOrd="0" parTransId="{6F5131D1-0217-4301-9C41-1CBA9B53EB46}" sibTransId="{78E66252-1D78-4434-8CB9-F9FEDB81F694}"/>
+    <dgm:cxn modelId="{6F9C52BA-B989-4F46-BFE8-7379D5AC5C3A}" type="presOf" srcId="{4418C0B6-C941-480D-BEF1-9AF5804F3677}" destId="{4982F73A-BF57-4CDF-8768-A08C246B445E}" srcOrd="0" destOrd="2" presId="urn:microsoft.com/office/officeart/2005/8/layout/hList1"/>
+    <dgm:cxn modelId="{299A2437-CDC6-4F65-9A07-AC60C5B3520C}" type="presOf" srcId="{E5F4F842-118D-46F0-ADEF-F16BAAA9CD16}" destId="{70D59FC0-8B09-486A-A442-590523B93818}" srcOrd="0" destOrd="0" presId="urn:microsoft.com/office/officeart/2005/8/layout/hList1"/>
+    <dgm:cxn modelId="{A1E56A58-3C2B-4117-998D-E8DE3B6BE310}" srcId="{B21C3D2F-08C9-449F-9D57-DC8335FB076F}" destId="{DB8928EA-D56E-4110-B7E3-9634FCE4F326}" srcOrd="4" destOrd="0" parTransId="{A19DF4E5-80DC-45C0-A228-FEB56415243F}" sibTransId="{F9B8FC79-96E9-46AF-ADE9-FCC436AF8F76}"/>
+    <dgm:cxn modelId="{F3F1A73A-04E2-4FBB-9F1D-29C7FE0B7487}" type="presOf" srcId="{8504DC6C-F50D-4610-85F8-AED71EA0C310}" destId="{3A2A2D77-5F88-4A5D-837A-900CEF34AFFE}" srcOrd="0" destOrd="1" presId="urn:microsoft.com/office/officeart/2005/8/layout/hList1"/>
+    <dgm:cxn modelId="{27E66000-F86C-4B34-A8DE-B9CC45528376}" type="presOf" srcId="{B21C3D2F-08C9-449F-9D57-DC8335FB076F}" destId="{0A3F036D-D952-403F-B631-04BE45F1E6CB}" srcOrd="0" destOrd="0" presId="urn:microsoft.com/office/officeart/2005/8/layout/hList1"/>
+    <dgm:cxn modelId="{BA103EB7-DCDC-4DC2-8263-5F6FBB8958F2}" srcId="{E5F4F842-118D-46F0-ADEF-F16BAAA9CD16}" destId="{8B61CB61-791A-4C9D-A618-30F3247C4180}" srcOrd="0" destOrd="0" parTransId="{9C5E6BD2-9839-4CB3-9FED-CF824ED5CB13}" sibTransId="{1FE0C738-8E87-49A6-A4EB-5B2C19883CFC}"/>
+    <dgm:cxn modelId="{BDF9A4B2-05E1-404F-8C75-E27708EE6D7E}" type="presOf" srcId="{036F2EE1-2681-45F3-8C46-68F79E9B4184}" destId="{044BCA5F-4D35-412B-8F61-917CC098E18A}" srcOrd="0" destOrd="3" presId="urn:microsoft.com/office/officeart/2005/8/layout/hList1"/>
+    <dgm:cxn modelId="{BBD6A5D8-DAA6-4DDB-A138-FEC8AFF126D6}" type="presOf" srcId="{7157E82D-6FDE-4719-AC8B-BA6626EA5A3C}" destId="{BEC6C75F-C5D9-4758-A9C6-DA4C41650B52}" srcOrd="0" destOrd="0" presId="urn:microsoft.com/office/officeart/2005/8/layout/hList1"/>
+    <dgm:cxn modelId="{1AEF4FFF-B356-4949-A05D-F78420FD84A9}" type="presOf" srcId="{E4455614-9A51-4B00-A355-0C0AD223618A}" destId="{3A2A2D77-5F88-4A5D-837A-900CEF34AFFE}" srcOrd="0" destOrd="2" presId="urn:microsoft.com/office/officeart/2005/8/layout/hList1"/>
+    <dgm:cxn modelId="{1935A62B-254D-45B0-843E-6D0739124710}" srcId="{28D8A686-2B60-4C9A-B8C6-024A6D760DE2}" destId="{DF007606-F2D7-4354-AF9B-1B613F8E04C8}" srcOrd="2" destOrd="0" parTransId="{88B50E75-765A-403E-A8B5-60085573F714}" sibTransId="{151F3ED6-C43B-4831-AAFE-0E7153AF43A6}"/>
+    <dgm:cxn modelId="{B0F9B893-6E32-4761-980E-9EC79D06D567}" type="presOf" srcId="{CB01E9E5-62F3-410C-9938-FD7CE644EE3B}" destId="{1926E86F-91E7-4298-A43E-99B6F005D95D}" srcOrd="0" destOrd="0" presId="urn:microsoft.com/office/officeart/2005/8/layout/hList1"/>
+    <dgm:cxn modelId="{FFE8A88B-085F-4AF9-B958-8AB99FDA16DA}" srcId="{7157E82D-6FDE-4719-AC8B-BA6626EA5A3C}" destId="{E5F4F842-118D-46F0-ADEF-F16BAAA9CD16}" srcOrd="3" destOrd="0" parTransId="{249F5CD0-BAEC-4834-9EAC-BF74C8E1E68D}" sibTransId="{E3BBE194-E348-4A5D-802E-5C4AA4C7F990}"/>
+    <dgm:cxn modelId="{31510C0A-942B-4A36-8231-C08E91925DBB}" type="presOf" srcId="{E7666353-B27A-4C10-B061-E644D98B8D46}" destId="{B7D51FE0-11FD-4167-9609-33459A5CF1F3}" srcOrd="0" destOrd="2" presId="urn:microsoft.com/office/officeart/2005/8/layout/hList1"/>
+    <dgm:cxn modelId="{F2BB24F8-3AB3-4537-ADE8-079F4CA29132}" srcId="{E5F4F842-118D-46F0-ADEF-F16BAAA9CD16}" destId="{8504DC6C-F50D-4610-85F8-AED71EA0C310}" srcOrd="1" destOrd="0" parTransId="{AE82B259-BADD-4569-8F4C-249F2FB4EE5A}" sibTransId="{A313B7A6-ABC0-486F-AF51-3D78E1F9E114}"/>
     <dgm:cxn modelId="{CDFBA0D1-7D92-40F3-A1C9-F41F1B1523A7}" type="presOf" srcId="{327933E7-550F-4B9D-9C00-9EE1E1618AA8}" destId="{044BCA5F-4D35-412B-8F61-917CC098E18A}" srcOrd="0" destOrd="1" presId="urn:microsoft.com/office/officeart/2005/8/layout/hList1"/>
-    <dgm:cxn modelId="{6F5D9769-862C-4C66-8B6A-279EC43AA4EA}" srcId="{CB01E9E5-62F3-410C-9938-FD7CE644EE3B}" destId="{1FDF46E6-8092-44E9-8E91-5A0E260A15C1}" srcOrd="3" destOrd="0" parTransId="{6F5131D1-0217-4301-9C41-1CBA9B53EB46}" sibTransId="{78E66252-1D78-4434-8CB9-F9FEDB81F694}"/>
-    <dgm:cxn modelId="{8E083784-24F1-4D6C-B5E5-36BC3142CBA5}" srcId="{CB01E9E5-62F3-410C-9938-FD7CE644EE3B}" destId="{4418C0B6-C941-480D-BEF1-9AF5804F3677}" srcOrd="2" destOrd="0" parTransId="{33ABE779-52D6-495D-B3BA-610A86881706}" sibTransId="{49128A92-3B9D-4D6F-B307-C5EC5FE3DD91}"/>
-    <dgm:cxn modelId="{3B8D1436-D801-42EF-9A29-621F175A258F}" srcId="{7157E82D-6FDE-4719-AC8B-BA6626EA5A3C}" destId="{28D8A686-2B60-4C9A-B8C6-024A6D760DE2}" srcOrd="2" destOrd="0" parTransId="{90BC5D60-1D02-4628-A317-23FAAD5109E4}" sibTransId="{D10BCF56-3547-459E-BB9C-A80D6B2E771E}"/>
-    <dgm:cxn modelId="{F3F1A73A-04E2-4FBB-9F1D-29C7FE0B7487}" type="presOf" srcId="{8504DC6C-F50D-4610-85F8-AED71EA0C310}" destId="{3A2A2D77-5F88-4A5D-837A-900CEF34AFFE}" srcOrd="0" destOrd="1" presId="urn:microsoft.com/office/officeart/2005/8/layout/hList1"/>
+    <dgm:cxn modelId="{FB9AC0DB-3BFC-442A-8277-5EFF3DAB7401}" srcId="{28D8A686-2B60-4C9A-B8C6-024A6D760DE2}" destId="{036F2EE1-2681-45F3-8C46-68F79E9B4184}" srcOrd="3" destOrd="0" parTransId="{F93FB83B-0EC1-4ACE-A4C2-B691815B9A9C}" sibTransId="{9CB7E547-CFFB-4C5C-9509-ADE6C4FF9482}"/>
+    <dgm:cxn modelId="{3DF9F439-AF04-4A50-9D5B-ADE51D51E7F9}" srcId="{7157E82D-6FDE-4719-AC8B-BA6626EA5A3C}" destId="{CB01E9E5-62F3-410C-9938-FD7CE644EE3B}" srcOrd="1" destOrd="0" parTransId="{D8CC192F-BE06-4182-A9D3-476035BD52DD}" sibTransId="{917C56D8-C7EE-40E9-8D06-D0F8EBEEDA30}"/>
     <dgm:cxn modelId="{9B8341F4-7A7D-49F5-8B71-DDF34A6927AA}" srcId="{E5F4F842-118D-46F0-ADEF-F16BAAA9CD16}" destId="{E4455614-9A51-4B00-A355-0C0AD223618A}" srcOrd="2" destOrd="0" parTransId="{54608778-89F4-439F-9154-F9914C377A24}" sibTransId="{CFE7AD90-91E5-47B3-A418-1EFD04A7402B}"/>
     <dgm:cxn modelId="{6E3273A6-AEE9-4A17-8FC6-E579E86770C9}" type="presOf" srcId="{DF007606-F2D7-4354-AF9B-1B613F8E04C8}" destId="{044BCA5F-4D35-412B-8F61-917CC098E18A}" srcOrd="0" destOrd="2" presId="urn:microsoft.com/office/officeart/2005/8/layout/hList1"/>
-    <dgm:cxn modelId="{1AEF4FFF-B356-4949-A05D-F78420FD84A9}" type="presOf" srcId="{E4455614-9A51-4B00-A355-0C0AD223618A}" destId="{3A2A2D77-5F88-4A5D-837A-900CEF34AFFE}" srcOrd="0" destOrd="2" presId="urn:microsoft.com/office/officeart/2005/8/layout/hList1"/>
-    <dgm:cxn modelId="{40A35A2D-CD56-4D73-BE78-EB76370AA264}" srcId="{B21C3D2F-08C9-449F-9D57-DC8335FB076F}" destId="{E7666353-B27A-4C10-B061-E644D98B8D46}" srcOrd="2" destOrd="0" parTransId="{10A69FD4-0A63-4A61-8704-9419269D2F6F}" sibTransId="{2CF6E175-E527-43CD-A89A-CEA2A48275F1}"/>
-    <dgm:cxn modelId="{721F2194-04C2-43B9-A5AC-2A4C50588697}" srcId="{28D8A686-2B60-4C9A-B8C6-024A6D760DE2}" destId="{327933E7-550F-4B9D-9C00-9EE1E1618AA8}" srcOrd="1" destOrd="0" parTransId="{A4D37955-3C2F-4DFD-A7A4-2F1E74794AF4}" sibTransId="{06E91887-6914-4F14-B78B-F2C530A1685D}"/>
-    <dgm:cxn modelId="{6606A548-9AED-453B-9185-FB7EE1DFC37F}" type="presOf" srcId="{DD552D85-5E3A-415C-9CF9-C8CC389496B8}" destId="{4982F73A-BF57-4CDF-8768-A08C246B445E}" srcOrd="0" destOrd="0" presId="urn:microsoft.com/office/officeart/2005/8/layout/hList1"/>
-    <dgm:cxn modelId="{BA103EB7-DCDC-4DC2-8263-5F6FBB8958F2}" srcId="{E5F4F842-118D-46F0-ADEF-F16BAAA9CD16}" destId="{8B61CB61-791A-4C9D-A618-30F3247C4180}" srcOrd="0" destOrd="0" parTransId="{9C5E6BD2-9839-4CB3-9FED-CF824ED5CB13}" sibTransId="{1FE0C738-8E87-49A6-A4EB-5B2C19883CFC}"/>
-    <dgm:cxn modelId="{31510C0A-942B-4A36-8231-C08E91925DBB}" type="presOf" srcId="{E7666353-B27A-4C10-B061-E644D98B8D46}" destId="{B7D51FE0-11FD-4167-9609-33459A5CF1F3}" srcOrd="0" destOrd="2" presId="urn:microsoft.com/office/officeart/2005/8/layout/hList1"/>
-    <dgm:cxn modelId="{DB99C756-C39D-4F6E-9B48-DD0AFA134D18}" srcId="{B21C3D2F-08C9-449F-9D57-DC8335FB076F}" destId="{EF2135F4-C953-4DB0-B92C-37C16B8F7F30}" srcOrd="1" destOrd="0" parTransId="{21C57ED1-153D-4DB7-9BB9-EAD985273B16}" sibTransId="{E5D7B980-68EA-40B0-90C9-55951B76AE52}"/>
-    <dgm:cxn modelId="{4599E18B-AC04-4B3B-897B-7EDF76FE4027}" type="presOf" srcId="{CBD64214-CDC1-472D-BF9D-66633772031C}" destId="{044BCA5F-4D35-412B-8F61-917CC098E18A}" srcOrd="0" destOrd="0" presId="urn:microsoft.com/office/officeart/2005/8/layout/hList1"/>
-    <dgm:cxn modelId="{299A2437-CDC6-4F65-9A07-AC60C5B3520C}" type="presOf" srcId="{E5F4F842-118D-46F0-ADEF-F16BAAA9CD16}" destId="{70D59FC0-8B09-486A-A442-590523B93818}" srcOrd="0" destOrd="0" presId="urn:microsoft.com/office/officeart/2005/8/layout/hList1"/>
-    <dgm:cxn modelId="{6F9C52BA-B989-4F46-BFE8-7379D5AC5C3A}" type="presOf" srcId="{4418C0B6-C941-480D-BEF1-9AF5804F3677}" destId="{4982F73A-BF57-4CDF-8768-A08C246B445E}" srcOrd="0" destOrd="2" presId="urn:microsoft.com/office/officeart/2005/8/layout/hList1"/>
-    <dgm:cxn modelId="{138CE042-1767-4D3A-B0BB-97B6EF87C0D2}" srcId="{CB01E9E5-62F3-410C-9938-FD7CE644EE3B}" destId="{61ED63F0-C5F9-4626-A42C-CACECC645F5C}" srcOrd="1" destOrd="0" parTransId="{DB0B1F81-C381-4998-A6D3-DFD0EABC4E56}" sibTransId="{54C2DF53-0564-4189-A36E-C81ED3DEB4B7}"/>
-    <dgm:cxn modelId="{3DF9F439-AF04-4A50-9D5B-ADE51D51E7F9}" srcId="{7157E82D-6FDE-4719-AC8B-BA6626EA5A3C}" destId="{CB01E9E5-62F3-410C-9938-FD7CE644EE3B}" srcOrd="1" destOrd="0" parTransId="{D8CC192F-BE06-4182-A9D3-476035BD52DD}" sibTransId="{917C56D8-C7EE-40E9-8D06-D0F8EBEEDA30}"/>
-    <dgm:cxn modelId="{FA523998-5B84-455D-A313-D4F04E60F141}" type="presOf" srcId="{28D8A686-2B60-4C9A-B8C6-024A6D760DE2}" destId="{DC235842-CFB0-448B-8F07-2B32E2CF3327}" srcOrd="0" destOrd="0" presId="urn:microsoft.com/office/officeart/2005/8/layout/hList1"/>
-    <dgm:cxn modelId="{50E2733F-6E78-40C9-AF16-4B6815532D2F}" type="presOf" srcId="{6BE08FB6-609D-4464-94A7-4CA439B15E54}" destId="{B7D51FE0-11FD-4167-9609-33459A5CF1F3}" srcOrd="0" destOrd="3" presId="urn:microsoft.com/office/officeart/2005/8/layout/hList1"/>
-    <dgm:cxn modelId="{FB9AC0DB-3BFC-442A-8277-5EFF3DAB7401}" srcId="{28D8A686-2B60-4C9A-B8C6-024A6D760DE2}" destId="{036F2EE1-2681-45F3-8C46-68F79E9B4184}" srcOrd="3" destOrd="0" parTransId="{F93FB83B-0EC1-4ACE-A4C2-B691815B9A9C}" sibTransId="{9CB7E547-CFFB-4C5C-9509-ADE6C4FF9482}"/>
-    <dgm:cxn modelId="{17F5B2DE-92F6-4C4C-9048-BEBCD772F52E}" type="presOf" srcId="{1FDF46E6-8092-44E9-8E91-5A0E260A15C1}" destId="{4982F73A-BF57-4CDF-8768-A08C246B445E}" srcOrd="0" destOrd="3" presId="urn:microsoft.com/office/officeart/2005/8/layout/hList1"/>
-    <dgm:cxn modelId="{92A74A1A-B8B5-464D-900F-998E9FC7C332}" srcId="{B21C3D2F-08C9-449F-9D57-DC8335FB076F}" destId="{6BE08FB6-609D-4464-94A7-4CA439B15E54}" srcOrd="3" destOrd="0" parTransId="{AFCC0351-1F91-4FE1-B4BD-C08D45F47517}" sibTransId="{20155149-CB48-4FEC-93A0-6D9D5032B7F7}"/>
-    <dgm:cxn modelId="{27E66000-F86C-4B34-A8DE-B9CC45528376}" type="presOf" srcId="{B21C3D2F-08C9-449F-9D57-DC8335FB076F}" destId="{0A3F036D-D952-403F-B631-04BE45F1E6CB}" srcOrd="0" destOrd="0" presId="urn:microsoft.com/office/officeart/2005/8/layout/hList1"/>
-    <dgm:cxn modelId="{65E1A8B5-1367-4BCC-A12A-B34D9E9E80DA}" srcId="{E5F4F842-118D-46F0-ADEF-F16BAAA9CD16}" destId="{45A0AA27-EEF9-4822-93C7-4F3220496327}" srcOrd="3" destOrd="0" parTransId="{A4FB4AA6-2F8A-4833-87AD-C28C8C2F18C3}" sibTransId="{AE73D26D-94DB-4CD4-B686-494A876A1F63}"/>
-    <dgm:cxn modelId="{B1A7E622-94F8-437E-8864-2C3CC110BD59}" type="presOf" srcId="{8C39CBEE-7752-4CCF-904F-9494E1549916}" destId="{B7D51FE0-11FD-4167-9609-33459A5CF1F3}" srcOrd="0" destOrd="0" presId="urn:microsoft.com/office/officeart/2005/8/layout/hList1"/>
-    <dgm:cxn modelId="{1935A62B-254D-45B0-843E-6D0739124710}" srcId="{28D8A686-2B60-4C9A-B8C6-024A6D760DE2}" destId="{DF007606-F2D7-4354-AF9B-1B613F8E04C8}" srcOrd="2" destOrd="0" parTransId="{88B50E75-765A-403E-A8B5-60085573F714}" sibTransId="{151F3ED6-C43B-4831-AAFE-0E7153AF43A6}"/>
-    <dgm:cxn modelId="{AA6A3A2E-3D28-434B-97C0-EB4F3266FCE2}" srcId="{CB01E9E5-62F3-410C-9938-FD7CE644EE3B}" destId="{DD552D85-5E3A-415C-9CF9-C8CC389496B8}" srcOrd="0" destOrd="0" parTransId="{0BBDE2C3-484A-4905-8097-BEC14146E8C2}" sibTransId="{D5EBB63B-D764-4507-A92A-076506F22CF5}"/>
-    <dgm:cxn modelId="{1787B751-97FC-4F01-9F9A-D590F6B84274}" type="presOf" srcId="{8B61CB61-791A-4C9D-A618-30F3247C4180}" destId="{3A2A2D77-5F88-4A5D-837A-900CEF34AFFE}" srcOrd="0" destOrd="0" presId="urn:microsoft.com/office/officeart/2005/8/layout/hList1"/>
-    <dgm:cxn modelId="{BBD6A5D8-DAA6-4DDB-A138-FEC8AFF126D6}" type="presOf" srcId="{7157E82D-6FDE-4719-AC8B-BA6626EA5A3C}" destId="{BEC6C75F-C5D9-4758-A9C6-DA4C41650B52}" srcOrd="0" destOrd="0" presId="urn:microsoft.com/office/officeart/2005/8/layout/hList1"/>
-    <dgm:cxn modelId="{3681110D-477B-42A8-9225-62752E114467}" type="presOf" srcId="{DB8928EA-D56E-4110-B7E3-9634FCE4F326}" destId="{B7D51FE0-11FD-4167-9609-33459A5CF1F3}" srcOrd="0" destOrd="4" presId="urn:microsoft.com/office/officeart/2005/8/layout/hList1"/>
-    <dgm:cxn modelId="{671EF82F-C42A-4FDD-A429-78F19B6E5625}" srcId="{CB01E9E5-62F3-410C-9938-FD7CE644EE3B}" destId="{3E3E7159-86D6-476A-8478-367C2874A199}" srcOrd="4" destOrd="0" parTransId="{5A68FE99-0EBE-494D-8EFE-2C55632E50E7}" sibTransId="{ED950E7A-87EE-4AEF-8E5C-5EB5A15096D1}"/>
-    <dgm:cxn modelId="{7A7ECA03-9CC9-41A9-BC8E-461C88F5C37E}" type="presOf" srcId="{3E3E7159-86D6-476A-8478-367C2874A199}" destId="{4982F73A-BF57-4CDF-8768-A08C246B445E}" srcOrd="0" destOrd="4" presId="urn:microsoft.com/office/officeart/2005/8/layout/hList1"/>
-    <dgm:cxn modelId="{BDF9A4B2-05E1-404F-8C75-E27708EE6D7E}" type="presOf" srcId="{036F2EE1-2681-45F3-8C46-68F79E9B4184}" destId="{044BCA5F-4D35-412B-8F61-917CC098E18A}" srcOrd="0" destOrd="3" presId="urn:microsoft.com/office/officeart/2005/8/layout/hList1"/>
-    <dgm:cxn modelId="{F2BB24F8-3AB3-4537-ADE8-079F4CA29132}" srcId="{E5F4F842-118D-46F0-ADEF-F16BAAA9CD16}" destId="{8504DC6C-F50D-4610-85F8-AED71EA0C310}" srcOrd="1" destOrd="0" parTransId="{AE82B259-BADD-4569-8F4C-249F2FB4EE5A}" sibTransId="{A313B7A6-ABC0-486F-AF51-3D78E1F9E114}"/>
-    <dgm:cxn modelId="{FFE8A88B-085F-4AF9-B958-8AB99FDA16DA}" srcId="{7157E82D-6FDE-4719-AC8B-BA6626EA5A3C}" destId="{E5F4F842-118D-46F0-ADEF-F16BAAA9CD16}" srcOrd="3" destOrd="0" parTransId="{249F5CD0-BAEC-4834-9EAC-BF74C8E1E68D}" sibTransId="{E3BBE194-E348-4A5D-802E-5C4AA4C7F990}"/>
     <dgm:cxn modelId="{BA69F1BA-AB92-4A0F-BDFA-8999C899ED79}" type="presOf" srcId="{45A0AA27-EEF9-4822-93C7-4F3220496327}" destId="{3A2A2D77-5F88-4A5D-837A-900CEF34AFFE}" srcOrd="0" destOrd="3" presId="urn:microsoft.com/office/officeart/2005/8/layout/hList1"/>
-    <dgm:cxn modelId="{A1E56A58-3C2B-4117-998D-E8DE3B6BE310}" srcId="{B21C3D2F-08C9-449F-9D57-DC8335FB076F}" destId="{DB8928EA-D56E-4110-B7E3-9634FCE4F326}" srcOrd="4" destOrd="0" parTransId="{A19DF4E5-80DC-45C0-A228-FEB56415243F}" sibTransId="{F9B8FC79-96E9-46AF-ADE9-FCC436AF8F76}"/>
-    <dgm:cxn modelId="{CDCD8697-C7CE-46DD-A887-A7C7AE82B925}" type="presOf" srcId="{61ED63F0-C5F9-4626-A42C-CACECC645F5C}" destId="{4982F73A-BF57-4CDF-8768-A08C246B445E}" srcOrd="0" destOrd="1" presId="urn:microsoft.com/office/officeart/2005/8/layout/hList1"/>
-    <dgm:cxn modelId="{C0A90B39-9214-4F08-A8E3-26ABE669B447}" srcId="{7157E82D-6FDE-4719-AC8B-BA6626EA5A3C}" destId="{B21C3D2F-08C9-449F-9D57-DC8335FB076F}" srcOrd="0" destOrd="0" parTransId="{E1A17349-C0A7-43B2-8A5C-C46385DCAAEA}" sibTransId="{4FC5E77D-B4FA-437B-996D-A1B70E956774}"/>
-    <dgm:cxn modelId="{B0856087-EC0E-4AF8-89FE-C7C20E275179}" srcId="{B21C3D2F-08C9-449F-9D57-DC8335FB076F}" destId="{8C39CBEE-7752-4CCF-904F-9494E1549916}" srcOrd="0" destOrd="0" parTransId="{A985AE18-2A0C-4A9A-BA23-E88236D2FDB7}" sibTransId="{2360B979-BC6B-4289-A6AD-9871B28B6E7D}"/>
-    <dgm:cxn modelId="{B0F9B893-6E32-4761-980E-9EC79D06D567}" type="presOf" srcId="{CB01E9E5-62F3-410C-9938-FD7CE644EE3B}" destId="{1926E86F-91E7-4298-A43E-99B6F005D95D}" srcOrd="0" destOrd="0" presId="urn:microsoft.com/office/officeart/2005/8/layout/hList1"/>
+    <dgm:cxn modelId="{A96F32D1-2D07-45E4-A25C-7DC25D867072}" type="presOf" srcId="{EF2135F4-C953-4DB0-B92C-37C16B8F7F30}" destId="{B7D51FE0-11FD-4167-9609-33459A5CF1F3}" srcOrd="0" destOrd="1" presId="urn:microsoft.com/office/officeart/2005/8/layout/hList1"/>
     <dgm:cxn modelId="{11DDF9A8-902E-4018-8F03-A56D3B72B41F}" type="presParOf" srcId="{BEC6C75F-C5D9-4758-A9C6-DA4C41650B52}" destId="{ED45D4E3-9413-4D40-986E-702F5F6B1F1B}" srcOrd="0" destOrd="0" presId="urn:microsoft.com/office/officeart/2005/8/layout/hList1"/>
     <dgm:cxn modelId="{5A553EC1-607D-4F76-92AC-FA4E4A2B053D}" type="presParOf" srcId="{ED45D4E3-9413-4D40-986E-702F5F6B1F1B}" destId="{0A3F036D-D952-403F-B631-04BE45F1E6CB}" srcOrd="0" destOrd="0" presId="urn:microsoft.com/office/officeart/2005/8/layout/hList1"/>
     <dgm:cxn modelId="{10D20B5F-D78F-4882-AB4A-D4660F64F2A7}" type="presParOf" srcId="{ED45D4E3-9413-4D40-986E-702F5F6B1F1B}" destId="{B7D51FE0-11FD-4167-9609-33459A5CF1F3}" srcOrd="1" destOrd="0" presId="urn:microsoft.com/office/officeart/2005/8/layout/hList1"/>
@@ -2882,7 +2900,6 @@
             <a:rPr lang="kk-KZ" sz="1800" kern="1200" dirty="0" smtClean="0"/>
             <a:t>Спецификация</a:t>
           </a:r>
-          <a:endParaRPr lang="kk-KZ" sz="1800" kern="1200" dirty="0" smtClean="0"/>
         </a:p>
         <a:p>
           <a:pPr marL="171450" lvl="1" indent="-171450" algn="l" defTabSz="800100">
@@ -2939,7 +2956,6 @@
             <a:rPr lang="kk-KZ" sz="1800" kern="1200" dirty="0" smtClean="0"/>
             <a:t>Жоба тобы</a:t>
           </a:r>
-          <a:endParaRPr lang="kk-KZ" sz="1800" kern="1200" dirty="0" smtClean="0"/>
         </a:p>
       </dsp:txBody>
       <dsp:txXfrm>
@@ -6306,7 +6322,7 @@
           <a:p>
             <a:fld id="{72EF3BA8-1F21-4C74-9DAC-BEB07A8E56ED}" type="datetimeFigureOut">
               <a:rPr lang="ru-RU" smtClean="0"/>
-              <a:t>17.05.2022</a:t>
+              <a:t>18.05.2022</a:t>
             </a:fld>
             <a:endParaRPr lang="ru-RU"/>
           </a:p>
@@ -6476,7 +6492,7 @@
           <a:p>
             <a:fld id="{72EF3BA8-1F21-4C74-9DAC-BEB07A8E56ED}" type="datetimeFigureOut">
               <a:rPr lang="ru-RU" smtClean="0"/>
-              <a:t>17.05.2022</a:t>
+              <a:t>18.05.2022</a:t>
             </a:fld>
             <a:endParaRPr lang="ru-RU"/>
           </a:p>
@@ -6656,7 +6672,7 @@
           <a:p>
             <a:fld id="{72EF3BA8-1F21-4C74-9DAC-BEB07A8E56ED}" type="datetimeFigureOut">
               <a:rPr lang="ru-RU" smtClean="0"/>
-              <a:t>17.05.2022</a:t>
+              <a:t>18.05.2022</a:t>
             </a:fld>
             <a:endParaRPr lang="ru-RU"/>
           </a:p>
@@ -6826,7 +6842,7 @@
           <a:p>
             <a:fld id="{72EF3BA8-1F21-4C74-9DAC-BEB07A8E56ED}" type="datetimeFigureOut">
               <a:rPr lang="ru-RU" smtClean="0"/>
-              <a:t>17.05.2022</a:t>
+              <a:t>18.05.2022</a:t>
             </a:fld>
             <a:endParaRPr lang="ru-RU"/>
           </a:p>
@@ -7072,7 +7088,7 @@
           <a:p>
             <a:fld id="{72EF3BA8-1F21-4C74-9DAC-BEB07A8E56ED}" type="datetimeFigureOut">
               <a:rPr lang="ru-RU" smtClean="0"/>
-              <a:t>17.05.2022</a:t>
+              <a:t>18.05.2022</a:t>
             </a:fld>
             <a:endParaRPr lang="ru-RU"/>
           </a:p>
@@ -7304,7 +7320,7 @@
           <a:p>
             <a:fld id="{72EF3BA8-1F21-4C74-9DAC-BEB07A8E56ED}" type="datetimeFigureOut">
               <a:rPr lang="ru-RU" smtClean="0"/>
-              <a:t>17.05.2022</a:t>
+              <a:t>18.05.2022</a:t>
             </a:fld>
             <a:endParaRPr lang="ru-RU"/>
           </a:p>
@@ -7671,7 +7687,7 @@
           <a:p>
             <a:fld id="{72EF3BA8-1F21-4C74-9DAC-BEB07A8E56ED}" type="datetimeFigureOut">
               <a:rPr lang="ru-RU" smtClean="0"/>
-              <a:t>17.05.2022</a:t>
+              <a:t>18.05.2022</a:t>
             </a:fld>
             <a:endParaRPr lang="ru-RU"/>
           </a:p>
@@ -7789,7 +7805,7 @@
           <a:p>
             <a:fld id="{72EF3BA8-1F21-4C74-9DAC-BEB07A8E56ED}" type="datetimeFigureOut">
               <a:rPr lang="ru-RU" smtClean="0"/>
-              <a:t>17.05.2022</a:t>
+              <a:t>18.05.2022</a:t>
             </a:fld>
             <a:endParaRPr lang="ru-RU"/>
           </a:p>
@@ -7884,7 +7900,7 @@
           <a:p>
             <a:fld id="{72EF3BA8-1F21-4C74-9DAC-BEB07A8E56ED}" type="datetimeFigureOut">
               <a:rPr lang="ru-RU" smtClean="0"/>
-              <a:t>17.05.2022</a:t>
+              <a:t>18.05.2022</a:t>
             </a:fld>
             <a:endParaRPr lang="ru-RU"/>
           </a:p>
@@ -8161,7 +8177,7 @@
           <a:p>
             <a:fld id="{72EF3BA8-1F21-4C74-9DAC-BEB07A8E56ED}" type="datetimeFigureOut">
               <a:rPr lang="ru-RU" smtClean="0"/>
-              <a:t>17.05.2022</a:t>
+              <a:t>18.05.2022</a:t>
             </a:fld>
             <a:endParaRPr lang="ru-RU"/>
           </a:p>
@@ -8414,7 +8430,7 @@
           <a:p>
             <a:fld id="{72EF3BA8-1F21-4C74-9DAC-BEB07A8E56ED}" type="datetimeFigureOut">
               <a:rPr lang="ru-RU" smtClean="0"/>
-              <a:t>17.05.2022</a:t>
+              <a:t>18.05.2022</a:t>
             </a:fld>
             <a:endParaRPr lang="ru-RU"/>
           </a:p>
@@ -8627,7 +8643,7 @@
           <a:p>
             <a:fld id="{72EF3BA8-1F21-4C74-9DAC-BEB07A8E56ED}" type="datetimeFigureOut">
               <a:rPr lang="ru-RU" smtClean="0"/>
-              <a:t>17.05.2022</a:t>
+              <a:t>18.05.2022</a:t>
             </a:fld>
             <a:endParaRPr lang="ru-RU"/>
           </a:p>
@@ -9128,6 +9144,10 @@
           <a:bodyPr/>
           <a:lstStyle/>
           <a:p>
+            <a:r>
+              <a:rPr lang="kk-KZ" dirty="0" smtClean="0"/>
+              <a:t>   </a:t>
+            </a:r>
             <a:endParaRPr lang="ru-RU" dirty="0"/>
           </a:p>
         </p:txBody>
@@ -9147,7 +9167,114 @@
           <a:bodyPr/>
           <a:lstStyle/>
           <a:p>
-            <a:endParaRPr lang="ru-RU"/>
+            <a:r>
+              <a:rPr lang="kk-KZ" dirty="0" smtClean="0"/>
+              <a:t>   </a:t>
+            </a:r>
+            <a:endParaRPr lang="ru-RU" dirty="0"/>
+          </a:p>
+        </p:txBody>
+      </p:sp>
+      <p:sp>
+        <p:nvSpPr>
+          <p:cNvPr id="4" name="Равнобедренный треугольник 3"/>
+          <p:cNvSpPr/>
+          <p:nvPr/>
+        </p:nvSpPr>
+        <p:spPr>
+          <a:xfrm>
+            <a:off x="4732712" y="2949734"/>
+            <a:ext cx="2726575" cy="2103120"/>
+          </a:xfrm>
+          <a:prstGeom prst="triangle">
+            <a:avLst/>
+          </a:prstGeom>
+        </p:spPr>
+        <p:style>
+          <a:lnRef idx="2">
+            <a:schemeClr val="accent1">
+              <a:shade val="50000"/>
+            </a:schemeClr>
+          </a:lnRef>
+          <a:fillRef idx="1">
+            <a:schemeClr val="accent1"/>
+          </a:fillRef>
+          <a:effectRef idx="0">
+            <a:schemeClr val="accent1"/>
+          </a:effectRef>
+          <a:fontRef idx="minor">
+            <a:schemeClr val="lt1"/>
+          </a:fontRef>
+        </p:style>
+        <p:txBody>
+          <a:bodyPr rtlCol="0" anchor="ctr"/>
+          <a:lstStyle/>
+          <a:p>
+            <a:pPr algn="ctr"/>
+            <a:r>
+              <a:rPr lang="kk-KZ" dirty="0" smtClean="0"/>
+              <a:t>Сапасы</a:t>
+            </a:r>
+            <a:endParaRPr lang="ru-RU" dirty="0"/>
+          </a:p>
+        </p:txBody>
+      </p:sp>
+      <p:sp>
+        <p:nvSpPr>
+          <p:cNvPr id="5" name="TextBox 4"/>
+          <p:cNvSpPr txBox="1"/>
+          <p:nvPr/>
+        </p:nvSpPr>
+        <p:spPr>
+          <a:xfrm>
+            <a:off x="4031879" y="4698863"/>
+            <a:ext cx="700833" cy="369332"/>
+          </a:xfrm>
+          <a:prstGeom prst="rect">
+            <a:avLst/>
+          </a:prstGeom>
+          <a:noFill/>
+        </p:spPr>
+        <p:txBody>
+          <a:bodyPr wrap="none" rtlCol="0">
+            <a:spAutoFit/>
+          </a:bodyPr>
+          <a:lstStyle/>
+          <a:p>
+            <a:r>
+              <a:rPr lang="kk-KZ" dirty="0" smtClean="0"/>
+              <a:t>Құны</a:t>
+            </a:r>
+          </a:p>
+        </p:txBody>
+      </p:sp>
+      <p:sp>
+        <p:nvSpPr>
+          <p:cNvPr id="6" name="TextBox 5"/>
+          <p:cNvSpPr txBox="1"/>
+          <p:nvPr/>
+        </p:nvSpPr>
+        <p:spPr>
+          <a:xfrm>
+            <a:off x="7542888" y="4694508"/>
+            <a:ext cx="767005" cy="369332"/>
+          </a:xfrm>
+          <a:prstGeom prst="rect">
+            <a:avLst/>
+          </a:prstGeom>
+          <a:noFill/>
+        </p:spPr>
+        <p:txBody>
+          <a:bodyPr wrap="none" rtlCol="0">
+            <a:spAutoFit/>
+          </a:bodyPr>
+          <a:lstStyle/>
+          <a:p>
+            <a:r>
+              <a:rPr lang="kk-KZ" dirty="0" smtClean="0"/>
+              <a:t>Уақыт</a:t>
+            </a:r>
+            <a:endParaRPr lang="ru-RU" dirty="0"/>
           </a:p>
         </p:txBody>
       </p:sp>
@@ -9168,6 +9295,338 @@
       </p:par>
     </p:tnLst>
   </p:timing>
+</p:sld>
+</file>
+
+<file path=ppt/slides/slide3.xml><?xml version="1.0" encoding="utf-8"?>
+<p:sld xmlns:a="http://schemas.openxmlformats.org/drawingml/2006/main" xmlns:r="http://schemas.openxmlformats.org/officeDocument/2006/relationships" xmlns:p="http://schemas.openxmlformats.org/presentationml/2006/main">
+  <p:cSld>
+    <p:spTree>
+      <p:nvGrpSpPr>
+        <p:cNvPr id="1" name=""/>
+        <p:cNvGrpSpPr/>
+        <p:nvPr/>
+      </p:nvGrpSpPr>
+      <p:grpSpPr>
+        <a:xfrm>
+          <a:off x="0" y="0"/>
+          <a:ext cx="0" cy="0"/>
+          <a:chOff x="0" y="0"/>
+          <a:chExt cx="0" cy="0"/>
+        </a:xfrm>
+      </p:grpSpPr>
+      <p:sp>
+        <p:nvSpPr>
+          <p:cNvPr id="2" name="Заголовок 1"/>
+          <p:cNvSpPr>
+            <a:spLocks noGrp="1"/>
+          </p:cNvSpPr>
+          <p:nvPr>
+            <p:ph type="title"/>
+          </p:nvPr>
+        </p:nvSpPr>
+        <p:spPr/>
+        <p:txBody>
+          <a:bodyPr/>
+          <a:lstStyle/>
+          <a:p>
+            <a:endParaRPr lang="ru-RU"/>
+          </a:p>
+        </p:txBody>
+      </p:sp>
+      <p:graphicFrame>
+        <p:nvGraphicFramePr>
+          <p:cNvPr id="4" name="Объект 3"/>
+          <p:cNvGraphicFramePr>
+            <a:graphicFrameLocks noGrp="1"/>
+          </p:cNvGraphicFramePr>
+          <p:nvPr>
+            <p:ph idx="1"/>
+            <p:extLst>
+              <p:ext uri="{D42A27DB-BD31-4B8C-83A1-F6EECF244321}">
+                <p14:modId xmlns:p14="http://schemas.microsoft.com/office/powerpoint/2010/main" val="941254470"/>
+              </p:ext>
+            </p:extLst>
+          </p:nvPr>
+        </p:nvGraphicFramePr>
+        <p:xfrm>
+          <a:off x="838198" y="1825625"/>
+          <a:ext cx="4639888" cy="1483360"/>
+        </p:xfrm>
+        <a:graphic>
+          <a:graphicData uri="http://schemas.openxmlformats.org/drawingml/2006/table">
+            <a:tbl>
+              <a:tblPr firstRow="1" bandRow="1">
+                <a:tableStyleId>{5C22544A-7EE6-4342-B048-85BDC9FD1C3A}</a:tableStyleId>
+              </a:tblPr>
+              <a:tblGrid>
+                <a:gridCol w="1159972">
+                  <a:extLst>
+                    <a:ext uri="{9D8B030D-6E8A-4147-A177-3AD203B41FA5}">
+                      <a16:colId xmlns:a16="http://schemas.microsoft.com/office/drawing/2014/main" val="2783248122"/>
+                    </a:ext>
+                  </a:extLst>
+                </a:gridCol>
+                <a:gridCol w="1159972">
+                  <a:extLst>
+                    <a:ext uri="{9D8B030D-6E8A-4147-A177-3AD203B41FA5}">
+                      <a16:colId xmlns:a16="http://schemas.microsoft.com/office/drawing/2014/main" val="470203443"/>
+                    </a:ext>
+                  </a:extLst>
+                </a:gridCol>
+                <a:gridCol w="1159972">
+                  <a:extLst>
+                    <a:ext uri="{9D8B030D-6E8A-4147-A177-3AD203B41FA5}">
+                      <a16:colId xmlns:a16="http://schemas.microsoft.com/office/drawing/2014/main" val="1267284663"/>
+                    </a:ext>
+                  </a:extLst>
+                </a:gridCol>
+                <a:gridCol w="1159972">
+                  <a:extLst>
+                    <a:ext uri="{9D8B030D-6E8A-4147-A177-3AD203B41FA5}">
+                      <a16:colId xmlns:a16="http://schemas.microsoft.com/office/drawing/2014/main" val="2370142916"/>
+                    </a:ext>
+                  </a:extLst>
+                </a:gridCol>
+              </a:tblGrid>
+              <a:tr h="370840">
+                <a:tc>
+                  <a:txBody>
+                    <a:bodyPr/>
+                    <a:lstStyle/>
+                    <a:p>
+                      <a:endParaRPr lang="ru-RU" dirty="0"/>
+                    </a:p>
+                  </a:txBody>
+                  <a:tcPr/>
+                </a:tc>
+                <a:tc>
+                  <a:txBody>
+                    <a:bodyPr/>
+                    <a:lstStyle/>
+                    <a:p>
+                      <a:r>
+                        <a:rPr lang="kk-KZ" dirty="0" smtClean="0"/>
+                        <a:t>   Уақыт</a:t>
+                      </a:r>
+                      <a:endParaRPr lang="ru-RU" dirty="0"/>
+                    </a:p>
+                  </a:txBody>
+                  <a:tcPr/>
+                </a:tc>
+                <a:tc>
+                  <a:txBody>
+                    <a:bodyPr/>
+                    <a:lstStyle/>
+                    <a:p>
+                      <a:r>
+                        <a:rPr lang="kk-KZ" dirty="0" smtClean="0"/>
+                        <a:t> Бюджет</a:t>
+                      </a:r>
+                      <a:endParaRPr lang="ru-RU" dirty="0"/>
+                    </a:p>
+                  </a:txBody>
+                  <a:tcPr/>
+                </a:tc>
+                <a:tc>
+                  <a:txBody>
+                    <a:bodyPr/>
+                    <a:lstStyle/>
+                    <a:p>
+                      <a:r>
+                        <a:rPr lang="kk-KZ" dirty="0" smtClean="0"/>
+                        <a:t>    Сапа</a:t>
+                      </a:r>
+                      <a:endParaRPr lang="ru-RU" dirty="0"/>
+                    </a:p>
+                  </a:txBody>
+                  <a:tcPr/>
+                </a:tc>
+                <a:extLst>
+                  <a:ext uri="{0D108BD9-81ED-4DB2-BD59-A6C34878D82A}">
+                    <a16:rowId xmlns:a16="http://schemas.microsoft.com/office/drawing/2014/main" val="3857923313"/>
+                  </a:ext>
+                </a:extLst>
+              </a:tr>
+              <a:tr h="370840">
+                <a:tc>
+                  <a:txBody>
+                    <a:bodyPr/>
+                    <a:lstStyle/>
+                    <a:p>
+                      <a:r>
+                        <a:rPr lang="kk-KZ" dirty="0" smtClean="0"/>
+                        <a:t>Келісу</a:t>
+                      </a:r>
+                      <a:endParaRPr lang="ru-RU" dirty="0"/>
+                    </a:p>
+                  </a:txBody>
+                  <a:tcPr/>
+                </a:tc>
+                <a:tc>
+                  <a:txBody>
+                    <a:bodyPr/>
+                    <a:lstStyle/>
+                    <a:p>
+                      <a:r>
+                        <a:rPr lang="kk-KZ" dirty="0" smtClean="0"/>
+                        <a:t>             *</a:t>
+                      </a:r>
+                      <a:endParaRPr lang="ru-RU" dirty="0"/>
+                    </a:p>
+                  </a:txBody>
+                  <a:tcPr/>
+                </a:tc>
+                <a:tc>
+                  <a:txBody>
+                    <a:bodyPr/>
+                    <a:lstStyle/>
+                    <a:p>
+                      <a:endParaRPr lang="ru-RU" dirty="0"/>
+                    </a:p>
+                  </a:txBody>
+                  <a:tcPr/>
+                </a:tc>
+                <a:tc>
+                  <a:txBody>
+                    <a:bodyPr/>
+                    <a:lstStyle/>
+                    <a:p>
+                      <a:endParaRPr lang="ru-RU" dirty="0"/>
+                    </a:p>
+                  </a:txBody>
+                  <a:tcPr/>
+                </a:tc>
+                <a:extLst>
+                  <a:ext uri="{0D108BD9-81ED-4DB2-BD59-A6C34878D82A}">
+                    <a16:rowId xmlns:a16="http://schemas.microsoft.com/office/drawing/2014/main" val="2997812272"/>
+                  </a:ext>
+                </a:extLst>
+              </a:tr>
+              <a:tr h="370840">
+                <a:tc>
+                  <a:txBody>
+                    <a:bodyPr/>
+                    <a:lstStyle/>
+                    <a:p>
+                      <a:r>
+                        <a:rPr lang="kk-KZ" dirty="0" smtClean="0"/>
+                        <a:t>Ұстау</a:t>
+                      </a:r>
+                      <a:endParaRPr lang="ru-RU" dirty="0"/>
+                    </a:p>
+                  </a:txBody>
+                  <a:tcPr/>
+                </a:tc>
+                <a:tc>
+                  <a:txBody>
+                    <a:bodyPr/>
+                    <a:lstStyle/>
+                    <a:p>
+                      <a:endParaRPr lang="ru-RU" dirty="0"/>
+                    </a:p>
+                  </a:txBody>
+                  <a:tcPr/>
+                </a:tc>
+                <a:tc>
+                  <a:txBody>
+                    <a:bodyPr/>
+                    <a:lstStyle/>
+                    <a:p>
+                      <a:r>
+                        <a:rPr lang="kk-KZ" dirty="0" smtClean="0"/>
+                        <a:t>        *</a:t>
+                      </a:r>
+                      <a:endParaRPr lang="ru-RU" dirty="0"/>
+                    </a:p>
+                  </a:txBody>
+                  <a:tcPr/>
+                </a:tc>
+                <a:tc>
+                  <a:txBody>
+                    <a:bodyPr/>
+                    <a:lstStyle/>
+                    <a:p>
+                      <a:endParaRPr lang="ru-RU" dirty="0"/>
+                    </a:p>
+                  </a:txBody>
+                  <a:tcPr/>
+                </a:tc>
+                <a:extLst>
+                  <a:ext uri="{0D108BD9-81ED-4DB2-BD59-A6C34878D82A}">
+                    <a16:rowId xmlns:a16="http://schemas.microsoft.com/office/drawing/2014/main" val="2343079518"/>
+                  </a:ext>
+                </a:extLst>
+              </a:tr>
+              <a:tr h="370840">
+                <a:tc>
+                  <a:txBody>
+                    <a:bodyPr/>
+                    <a:lstStyle/>
+                    <a:p>
+                      <a:r>
+                        <a:rPr lang="kk-KZ" dirty="0" smtClean="0"/>
+                        <a:t>Жақсарту</a:t>
+                      </a:r>
+                      <a:endParaRPr lang="ru-RU" dirty="0"/>
+                    </a:p>
+                  </a:txBody>
+                  <a:tcPr/>
+                </a:tc>
+                <a:tc>
+                  <a:txBody>
+                    <a:bodyPr/>
+                    <a:lstStyle/>
+                    <a:p>
+                      <a:endParaRPr lang="ru-RU"/>
+                    </a:p>
+                  </a:txBody>
+                  <a:tcPr/>
+                </a:tc>
+                <a:tc>
+                  <a:txBody>
+                    <a:bodyPr/>
+                    <a:lstStyle/>
+                    <a:p>
+                      <a:endParaRPr lang="ru-RU" dirty="0"/>
+                    </a:p>
+                  </a:txBody>
+                  <a:tcPr/>
+                </a:tc>
+                <a:tc>
+                  <a:txBody>
+                    <a:bodyPr/>
+                    <a:lstStyle/>
+                    <a:p>
+                      <a:r>
+                        <a:rPr lang="kk-KZ" dirty="0" smtClean="0"/>
+                        <a:t>       *</a:t>
+                      </a:r>
+                      <a:endParaRPr lang="ru-RU" dirty="0"/>
+                    </a:p>
+                  </a:txBody>
+                  <a:tcPr/>
+                </a:tc>
+                <a:extLst>
+                  <a:ext uri="{0D108BD9-81ED-4DB2-BD59-A6C34878D82A}">
+                    <a16:rowId xmlns:a16="http://schemas.microsoft.com/office/drawing/2014/main" val="3561858225"/>
+                  </a:ext>
+                </a:extLst>
+              </a:tr>
+            </a:tbl>
+          </a:graphicData>
+        </a:graphic>
+      </p:graphicFrame>
+    </p:spTree>
+    <p:extLst>
+      <p:ext uri="{BB962C8B-B14F-4D97-AF65-F5344CB8AC3E}">
+        <p14:creationId xmlns:p14="http://schemas.microsoft.com/office/powerpoint/2010/main" val="2940321431"/>
+      </p:ext>
+    </p:extLst>
+  </p:cSld>
+  <p:clrMapOvr>
+    <a:masterClrMapping/>
+  </p:clrMapOvr>
 </p:sld>
 </file>
 

--- a/Презентация1.pptx
+++ b/Презентация1.pptx
@@ -1660,7 +1660,7 @@
         <a:lstStyle/>
         <a:p>
           <a:r>
-            <a:rPr lang="kk-KZ" dirty="0" smtClean="0"/>
+            <a:rPr lang="kk-KZ" dirty="0"/>
             <a:t> Жобалау</a:t>
           </a:r>
           <a:endParaRPr lang="ru-RU" dirty="0"/>
@@ -1697,7 +1697,7 @@
         <a:lstStyle/>
         <a:p>
           <a:r>
-            <a:rPr lang="kk-KZ" dirty="0" smtClean="0"/>
+            <a:rPr lang="kk-KZ" dirty="0"/>
             <a:t>Күнтізбе</a:t>
           </a:r>
           <a:endParaRPr lang="ru-RU" dirty="0"/>
@@ -1734,7 +1734,7 @@
         <a:lstStyle/>
         <a:p>
           <a:r>
-            <a:rPr lang="kk-KZ" dirty="0" smtClean="0"/>
+            <a:rPr lang="kk-KZ" dirty="0"/>
             <a:t>Бюджеттер</a:t>
           </a:r>
           <a:endParaRPr lang="ru-RU" dirty="0"/>
@@ -1771,7 +1771,7 @@
         <a:lstStyle/>
         <a:p>
           <a:r>
-            <a:rPr lang="kk-KZ" dirty="0" smtClean="0"/>
+            <a:rPr lang="kk-KZ" dirty="0"/>
             <a:t> Орындау</a:t>
           </a:r>
           <a:endParaRPr lang="ru-RU" dirty="0"/>
@@ -1808,7 +1808,7 @@
         <a:lstStyle/>
         <a:p>
           <a:r>
-            <a:rPr lang="kk-KZ" dirty="0" smtClean="0"/>
+            <a:rPr lang="kk-KZ" dirty="0"/>
             <a:t>Жағдай бойынша есептер</a:t>
           </a:r>
           <a:endParaRPr lang="ru-RU" dirty="0"/>
@@ -1845,7 +1845,7 @@
         <a:lstStyle/>
         <a:p>
           <a:r>
-            <a:rPr lang="kk-KZ" dirty="0" smtClean="0"/>
+            <a:rPr lang="kk-KZ" dirty="0"/>
             <a:t>Өзгертулер</a:t>
           </a:r>
           <a:endParaRPr lang="ru-RU" dirty="0"/>
@@ -1882,7 +1882,7 @@
         <a:lstStyle/>
         <a:p>
           <a:r>
-            <a:rPr lang="kk-KZ" dirty="0" smtClean="0"/>
+            <a:rPr lang="kk-KZ" dirty="0"/>
             <a:t> Нәтиже көрсету</a:t>
           </a:r>
           <a:endParaRPr lang="ru-RU" dirty="0"/>
@@ -1919,7 +1919,7 @@
         <a:lstStyle/>
         <a:p>
           <a:r>
-            <a:rPr lang="kk-KZ" dirty="0" smtClean="0"/>
+            <a:rPr lang="kk-KZ" dirty="0"/>
             <a:t>Клиентті үйрету</a:t>
           </a:r>
           <a:endParaRPr lang="ru-RU" dirty="0"/>
@@ -1956,7 +1956,7 @@
         <a:lstStyle/>
         <a:p>
           <a:r>
-            <a:rPr lang="kk-KZ" dirty="0" smtClean="0"/>
+            <a:rPr lang="kk-KZ" dirty="0"/>
             <a:t>Ресурстар</a:t>
           </a:r>
           <a:endParaRPr lang="ru-RU" dirty="0"/>
@@ -1993,7 +1993,7 @@
         <a:lstStyle/>
         <a:p>
           <a:r>
-            <a:rPr lang="kk-KZ" dirty="0" smtClean="0"/>
+            <a:rPr lang="kk-KZ" dirty="0"/>
             <a:t>Тауекелдер</a:t>
           </a:r>
           <a:endParaRPr lang="ru-RU" dirty="0"/>
@@ -2030,7 +2030,7 @@
         <a:lstStyle/>
         <a:p>
           <a:r>
-            <a:rPr lang="kk-KZ" dirty="0" smtClean="0"/>
+            <a:rPr lang="kk-KZ" dirty="0"/>
             <a:t>Топ мүшелері</a:t>
           </a:r>
           <a:endParaRPr lang="ru-RU" dirty="0"/>
@@ -2067,7 +2067,7 @@
         <a:lstStyle/>
         <a:p>
           <a:r>
-            <a:rPr lang="kk-KZ" dirty="0" smtClean="0"/>
+            <a:rPr lang="kk-KZ" dirty="0"/>
             <a:t>Сапа</a:t>
           </a:r>
           <a:endParaRPr lang="ru-RU" dirty="0"/>
@@ -2104,7 +2104,7 @@
         <a:lstStyle/>
         <a:p>
           <a:r>
-            <a:rPr lang="kk-KZ" dirty="0" smtClean="0"/>
+            <a:rPr lang="kk-KZ" dirty="0"/>
             <a:t>Болжамалар</a:t>
           </a:r>
           <a:endParaRPr lang="ru-RU" dirty="0"/>
@@ -2141,7 +2141,7 @@
         <a:lstStyle/>
         <a:p>
           <a:r>
-            <a:rPr lang="kk-KZ" dirty="0" smtClean="0"/>
+            <a:rPr lang="kk-KZ" dirty="0"/>
             <a:t>Құжаттарды тапсыру </a:t>
           </a:r>
           <a:endParaRPr lang="ru-RU" dirty="0"/>
@@ -2178,7 +2178,7 @@
         <a:lstStyle/>
         <a:p>
           <a:r>
-            <a:rPr lang="kk-KZ" dirty="0" smtClean="0"/>
+            <a:rPr lang="kk-KZ" dirty="0"/>
             <a:t>Ресурстарды босату</a:t>
           </a:r>
           <a:endParaRPr lang="ru-RU" dirty="0"/>
@@ -2215,7 +2215,7 @@
         <a:lstStyle/>
         <a:p>
           <a:r>
-            <a:rPr lang="kk-KZ" dirty="0" smtClean="0"/>
+            <a:rPr lang="kk-KZ" dirty="0"/>
             <a:t>Тәжірибе нәтижелерін алу</a:t>
           </a:r>
           <a:endParaRPr lang="ru-RU" dirty="0"/>
@@ -2252,7 +2252,7 @@
         <a:lstStyle/>
         <a:p>
           <a:r>
-            <a:rPr lang="kk-KZ" dirty="0" smtClean="0"/>
+            <a:rPr lang="kk-KZ" dirty="0"/>
             <a:t> Инициализациялау</a:t>
           </a:r>
           <a:endParaRPr lang="ru-RU" dirty="0"/>
@@ -2289,7 +2289,7 @@
         <a:lstStyle/>
         <a:p>
           <a:r>
-            <a:rPr lang="kk-KZ" dirty="0" smtClean="0"/>
+            <a:rPr lang="kk-KZ" dirty="0"/>
             <a:t>Мақсаттар</a:t>
           </a:r>
           <a:endParaRPr lang="ru-RU" dirty="0"/>
@@ -2326,7 +2326,7 @@
         <a:lstStyle/>
         <a:p>
           <a:r>
-            <a:rPr lang="kk-KZ" dirty="0" smtClean="0"/>
+            <a:rPr lang="kk-KZ" dirty="0"/>
             <a:t>Спецификация</a:t>
           </a:r>
         </a:p>
@@ -2362,7 +2362,7 @@
         <a:lstStyle/>
         <a:p>
           <a:r>
-            <a:rPr lang="kk-KZ" dirty="0" smtClean="0"/>
+            <a:rPr lang="kk-KZ" dirty="0"/>
             <a:t>Тапсырмалар</a:t>
           </a:r>
           <a:endParaRPr lang="ru-RU" dirty="0"/>
@@ -2399,7 +2399,7 @@
         <a:lstStyle/>
         <a:p>
           <a:r>
-            <a:rPr lang="kk-KZ" dirty="0" smtClean="0"/>
+            <a:rPr lang="kk-KZ" dirty="0"/>
             <a:t>Жауапкершілік</a:t>
           </a:r>
           <a:endParaRPr lang="ru-RU" dirty="0"/>
@@ -2436,7 +2436,7 @@
         <a:lstStyle/>
         <a:p>
           <a:r>
-            <a:rPr lang="kk-KZ" dirty="0" smtClean="0"/>
+            <a:rPr lang="kk-KZ" dirty="0"/>
             <a:t>Жоба тобы</a:t>
           </a:r>
         </a:p>
@@ -2473,13 +2473,6 @@
         </dgm:presLayoutVars>
       </dgm:prSet>
       <dgm:spPr/>
-      <dgm:t>
-        <a:bodyPr/>
-        <a:lstStyle/>
-        <a:p>
-          <a:endParaRPr lang="ru-RU"/>
-        </a:p>
-      </dgm:t>
     </dgm:pt>
     <dgm:pt modelId="{ED45D4E3-9413-4D40-986E-702F5F6B1F1B}" type="pres">
       <dgm:prSet presAssocID="{B21C3D2F-08C9-449F-9D57-DC8335FB076F}" presName="composite" presStyleCnt="0"/>
@@ -2494,13 +2487,6 @@
         </dgm:presLayoutVars>
       </dgm:prSet>
       <dgm:spPr/>
-      <dgm:t>
-        <a:bodyPr/>
-        <a:lstStyle/>
-        <a:p>
-          <a:endParaRPr lang="ru-RU"/>
-        </a:p>
-      </dgm:t>
     </dgm:pt>
     <dgm:pt modelId="{B7D51FE0-11FD-4167-9609-33459A5CF1F3}" type="pres">
       <dgm:prSet presAssocID="{B21C3D2F-08C9-449F-9D57-DC8335FB076F}" presName="desTx" presStyleLbl="alignAccFollowNode1" presStyleIdx="0" presStyleCnt="4" custScaleX="97508">
@@ -2509,13 +2495,6 @@
         </dgm:presLayoutVars>
       </dgm:prSet>
       <dgm:spPr/>
-      <dgm:t>
-        <a:bodyPr/>
-        <a:lstStyle/>
-        <a:p>
-          <a:endParaRPr lang="ru-RU"/>
-        </a:p>
-      </dgm:t>
     </dgm:pt>
     <dgm:pt modelId="{82CB09C8-2FBC-4AE2-835B-02B42FAD5B97}" type="pres">
       <dgm:prSet presAssocID="{4FC5E77D-B4FA-437B-996D-A1B70E956774}" presName="space" presStyleCnt="0"/>
@@ -2534,13 +2513,6 @@
         </dgm:presLayoutVars>
       </dgm:prSet>
       <dgm:spPr/>
-      <dgm:t>
-        <a:bodyPr/>
-        <a:lstStyle/>
-        <a:p>
-          <a:endParaRPr lang="ru-RU"/>
-        </a:p>
-      </dgm:t>
     </dgm:pt>
     <dgm:pt modelId="{4982F73A-BF57-4CDF-8768-A08C246B445E}" type="pres">
       <dgm:prSet presAssocID="{CB01E9E5-62F3-410C-9938-FD7CE644EE3B}" presName="desTx" presStyleLbl="alignAccFollowNode1" presStyleIdx="1" presStyleCnt="4">
@@ -2549,13 +2521,6 @@
         </dgm:presLayoutVars>
       </dgm:prSet>
       <dgm:spPr/>
-      <dgm:t>
-        <a:bodyPr/>
-        <a:lstStyle/>
-        <a:p>
-          <a:endParaRPr lang="ru-RU"/>
-        </a:p>
-      </dgm:t>
     </dgm:pt>
     <dgm:pt modelId="{C964BDD8-30E0-4CD7-A154-9E9E3DC928C2}" type="pres">
       <dgm:prSet presAssocID="{917C56D8-C7EE-40E9-8D06-D0F8EBEEDA30}" presName="space" presStyleCnt="0"/>
@@ -2574,13 +2539,6 @@
         </dgm:presLayoutVars>
       </dgm:prSet>
       <dgm:spPr/>
-      <dgm:t>
-        <a:bodyPr/>
-        <a:lstStyle/>
-        <a:p>
-          <a:endParaRPr lang="ru-RU"/>
-        </a:p>
-      </dgm:t>
     </dgm:pt>
     <dgm:pt modelId="{044BCA5F-4D35-412B-8F61-917CC098E18A}" type="pres">
       <dgm:prSet presAssocID="{28D8A686-2B60-4C9A-B8C6-024A6D760DE2}" presName="desTx" presStyleLbl="alignAccFollowNode1" presStyleIdx="2" presStyleCnt="4">
@@ -2589,13 +2547,6 @@
         </dgm:presLayoutVars>
       </dgm:prSet>
       <dgm:spPr/>
-      <dgm:t>
-        <a:bodyPr/>
-        <a:lstStyle/>
-        <a:p>
-          <a:endParaRPr lang="ru-RU"/>
-        </a:p>
-      </dgm:t>
     </dgm:pt>
     <dgm:pt modelId="{577E7F25-FFDC-421C-A754-C8A94DDC0DE0}" type="pres">
       <dgm:prSet presAssocID="{D10BCF56-3547-459E-BB9C-A80D6B2E771E}" presName="space" presStyleCnt="0"/>
@@ -2614,13 +2565,6 @@
         </dgm:presLayoutVars>
       </dgm:prSet>
       <dgm:spPr/>
-      <dgm:t>
-        <a:bodyPr/>
-        <a:lstStyle/>
-        <a:p>
-          <a:endParaRPr lang="ru-RU"/>
-        </a:p>
-      </dgm:t>
     </dgm:pt>
     <dgm:pt modelId="{3A2A2D77-5F88-4A5D-837A-900CEF34AFFE}" type="pres">
       <dgm:prSet presAssocID="{E5F4F842-118D-46F0-ADEF-F16BAAA9CD16}" presName="desTx" presStyleLbl="alignAccFollowNode1" presStyleIdx="3" presStyleCnt="4">
@@ -2629,61 +2573,54 @@
         </dgm:presLayoutVars>
       </dgm:prSet>
       <dgm:spPr/>
-      <dgm:t>
-        <a:bodyPr/>
-        <a:lstStyle/>
-        <a:p>
-          <a:endParaRPr lang="ru-RU"/>
-        </a:p>
-      </dgm:t>
     </dgm:pt>
   </dgm:ptLst>
   <dgm:cxnLst>
-    <dgm:cxn modelId="{3B8D1436-D801-42EF-9A29-621F175A258F}" srcId="{7157E82D-6FDE-4719-AC8B-BA6626EA5A3C}" destId="{28D8A686-2B60-4C9A-B8C6-024A6D760DE2}" srcOrd="2" destOrd="0" parTransId="{90BC5D60-1D02-4628-A317-23FAAD5109E4}" sibTransId="{D10BCF56-3547-459E-BB9C-A80D6B2E771E}"/>
-    <dgm:cxn modelId="{138CE042-1767-4D3A-B0BB-97B6EF87C0D2}" srcId="{CB01E9E5-62F3-410C-9938-FD7CE644EE3B}" destId="{61ED63F0-C5F9-4626-A42C-CACECC645F5C}" srcOrd="1" destOrd="0" parTransId="{DB0B1F81-C381-4998-A6D3-DFD0EABC4E56}" sibTransId="{54C2DF53-0564-4189-A36E-C81ED3DEB4B7}"/>
+    <dgm:cxn modelId="{27E66000-F86C-4B34-A8DE-B9CC45528376}" type="presOf" srcId="{B21C3D2F-08C9-449F-9D57-DC8335FB076F}" destId="{0A3F036D-D952-403F-B631-04BE45F1E6CB}" srcOrd="0" destOrd="0" presId="urn:microsoft.com/office/officeart/2005/8/layout/hList1"/>
+    <dgm:cxn modelId="{7A7ECA03-9CC9-41A9-BC8E-461C88F5C37E}" type="presOf" srcId="{3E3E7159-86D6-476A-8478-367C2874A199}" destId="{4982F73A-BF57-4CDF-8768-A08C246B445E}" srcOrd="0" destOrd="4" presId="urn:microsoft.com/office/officeart/2005/8/layout/hList1"/>
+    <dgm:cxn modelId="{31510C0A-942B-4A36-8231-C08E91925DBB}" type="presOf" srcId="{E7666353-B27A-4C10-B061-E644D98B8D46}" destId="{B7D51FE0-11FD-4167-9609-33459A5CF1F3}" srcOrd="0" destOrd="2" presId="urn:microsoft.com/office/officeart/2005/8/layout/hList1"/>
     <dgm:cxn modelId="{3681110D-477B-42A8-9225-62752E114467}" type="presOf" srcId="{DB8928EA-D56E-4110-B7E3-9634FCE4F326}" destId="{B7D51FE0-11FD-4167-9609-33459A5CF1F3}" srcOrd="0" destOrd="4" presId="urn:microsoft.com/office/officeart/2005/8/layout/hList1"/>
-    <dgm:cxn modelId="{4599E18B-AC04-4B3B-897B-7EDF76FE4027}" type="presOf" srcId="{CBD64214-CDC1-472D-BF9D-66633772031C}" destId="{044BCA5F-4D35-412B-8F61-917CC098E18A}" srcOrd="0" destOrd="0" presId="urn:microsoft.com/office/officeart/2005/8/layout/hList1"/>
-    <dgm:cxn modelId="{17F5B2DE-92F6-4C4C-9048-BEBCD772F52E}" type="presOf" srcId="{1FDF46E6-8092-44E9-8E91-5A0E260A15C1}" destId="{4982F73A-BF57-4CDF-8768-A08C246B445E}" srcOrd="0" destOrd="3" presId="urn:microsoft.com/office/officeart/2005/8/layout/hList1"/>
-    <dgm:cxn modelId="{DB99C756-C39D-4F6E-9B48-DD0AFA134D18}" srcId="{B21C3D2F-08C9-449F-9D57-DC8335FB076F}" destId="{EF2135F4-C953-4DB0-B92C-37C16B8F7F30}" srcOrd="1" destOrd="0" parTransId="{21C57ED1-153D-4DB7-9BB9-EAD985273B16}" sibTransId="{E5D7B980-68EA-40B0-90C9-55951B76AE52}"/>
+    <dgm:cxn modelId="{92A74A1A-B8B5-464D-900F-998E9FC7C332}" srcId="{B21C3D2F-08C9-449F-9D57-DC8335FB076F}" destId="{6BE08FB6-609D-4464-94A7-4CA439B15E54}" srcOrd="3" destOrd="0" parTransId="{AFCC0351-1F91-4FE1-B4BD-C08D45F47517}" sibTransId="{20155149-CB48-4FEC-93A0-6D9D5032B7F7}"/>
+    <dgm:cxn modelId="{B1A7E622-94F8-437E-8864-2C3CC110BD59}" type="presOf" srcId="{8C39CBEE-7752-4CCF-904F-9494E1549916}" destId="{B7D51FE0-11FD-4167-9609-33459A5CF1F3}" srcOrd="0" destOrd="0" presId="urn:microsoft.com/office/officeart/2005/8/layout/hList1"/>
+    <dgm:cxn modelId="{1935A62B-254D-45B0-843E-6D0739124710}" srcId="{28D8A686-2B60-4C9A-B8C6-024A6D760DE2}" destId="{DF007606-F2D7-4354-AF9B-1B613F8E04C8}" srcOrd="2" destOrd="0" parTransId="{88B50E75-765A-403E-A8B5-60085573F714}" sibTransId="{151F3ED6-C43B-4831-AAFE-0E7153AF43A6}"/>
+    <dgm:cxn modelId="{40A35A2D-CD56-4D73-BE78-EB76370AA264}" srcId="{B21C3D2F-08C9-449F-9D57-DC8335FB076F}" destId="{E7666353-B27A-4C10-B061-E644D98B8D46}" srcOrd="2" destOrd="0" parTransId="{10A69FD4-0A63-4A61-8704-9419269D2F6F}" sibTransId="{2CF6E175-E527-43CD-A89A-CEA2A48275F1}"/>
     <dgm:cxn modelId="{AA6A3A2E-3D28-434B-97C0-EB4F3266FCE2}" srcId="{CB01E9E5-62F3-410C-9938-FD7CE644EE3B}" destId="{DD552D85-5E3A-415C-9CF9-C8CC389496B8}" srcOrd="0" destOrd="0" parTransId="{0BBDE2C3-484A-4905-8097-BEC14146E8C2}" sibTransId="{D5EBB63B-D764-4507-A92A-076506F22CF5}"/>
     <dgm:cxn modelId="{671EF82F-C42A-4FDD-A429-78F19B6E5625}" srcId="{CB01E9E5-62F3-410C-9938-FD7CE644EE3B}" destId="{3E3E7159-86D6-476A-8478-367C2874A199}" srcOrd="4" destOrd="0" parTransId="{5A68FE99-0EBE-494D-8EFE-2C55632E50E7}" sibTransId="{ED950E7A-87EE-4AEF-8E5C-5EB5A15096D1}"/>
-    <dgm:cxn modelId="{40A35A2D-CD56-4D73-BE78-EB76370AA264}" srcId="{B21C3D2F-08C9-449F-9D57-DC8335FB076F}" destId="{E7666353-B27A-4C10-B061-E644D98B8D46}" srcOrd="2" destOrd="0" parTransId="{10A69FD4-0A63-4A61-8704-9419269D2F6F}" sibTransId="{2CF6E175-E527-43CD-A89A-CEA2A48275F1}"/>
-    <dgm:cxn modelId="{65E1A8B5-1367-4BCC-A12A-B34D9E9E80DA}" srcId="{E5F4F842-118D-46F0-ADEF-F16BAAA9CD16}" destId="{45A0AA27-EEF9-4822-93C7-4F3220496327}" srcOrd="3" destOrd="0" parTransId="{A4FB4AA6-2F8A-4833-87AD-C28C8C2F18C3}" sibTransId="{AE73D26D-94DB-4CD4-B686-494A876A1F63}"/>
+    <dgm:cxn modelId="{3B8D1436-D801-42EF-9A29-621F175A258F}" srcId="{7157E82D-6FDE-4719-AC8B-BA6626EA5A3C}" destId="{28D8A686-2B60-4C9A-B8C6-024A6D760DE2}" srcOrd="2" destOrd="0" parTransId="{90BC5D60-1D02-4628-A317-23FAAD5109E4}" sibTransId="{D10BCF56-3547-459E-BB9C-A80D6B2E771E}"/>
+    <dgm:cxn modelId="{299A2437-CDC6-4F65-9A07-AC60C5B3520C}" type="presOf" srcId="{E5F4F842-118D-46F0-ADEF-F16BAAA9CD16}" destId="{70D59FC0-8B09-486A-A442-590523B93818}" srcOrd="0" destOrd="0" presId="urn:microsoft.com/office/officeart/2005/8/layout/hList1"/>
+    <dgm:cxn modelId="{C0A90B39-9214-4F08-A8E3-26ABE669B447}" srcId="{7157E82D-6FDE-4719-AC8B-BA6626EA5A3C}" destId="{B21C3D2F-08C9-449F-9D57-DC8335FB076F}" srcOrd="0" destOrd="0" parTransId="{E1A17349-C0A7-43B2-8A5C-C46385DCAAEA}" sibTransId="{4FC5E77D-B4FA-437B-996D-A1B70E956774}"/>
+    <dgm:cxn modelId="{3DF9F439-AF04-4A50-9D5B-ADE51D51E7F9}" srcId="{7157E82D-6FDE-4719-AC8B-BA6626EA5A3C}" destId="{CB01E9E5-62F3-410C-9938-FD7CE644EE3B}" srcOrd="1" destOrd="0" parTransId="{D8CC192F-BE06-4182-A9D3-476035BD52DD}" sibTransId="{917C56D8-C7EE-40E9-8D06-D0F8EBEEDA30}"/>
+    <dgm:cxn modelId="{F3F1A73A-04E2-4FBB-9F1D-29C7FE0B7487}" type="presOf" srcId="{8504DC6C-F50D-4610-85F8-AED71EA0C310}" destId="{3A2A2D77-5F88-4A5D-837A-900CEF34AFFE}" srcOrd="0" destOrd="1" presId="urn:microsoft.com/office/officeart/2005/8/layout/hList1"/>
     <dgm:cxn modelId="{ABBAC63E-02A6-4B0C-BC39-2648F60D36A1}" srcId="{28D8A686-2B60-4C9A-B8C6-024A6D760DE2}" destId="{CBD64214-CDC1-472D-BF9D-66633772031C}" srcOrd="0" destOrd="0" parTransId="{17FB0B8C-2997-491F-938C-82A4A68DD44A}" sibTransId="{D1CEB556-CC99-4314-B900-D1AE49B2B007}"/>
-    <dgm:cxn modelId="{FA523998-5B84-455D-A313-D4F04E60F141}" type="presOf" srcId="{28D8A686-2B60-4C9A-B8C6-024A6D760DE2}" destId="{DC235842-CFB0-448B-8F07-2B32E2CF3327}" srcOrd="0" destOrd="0" presId="urn:microsoft.com/office/officeart/2005/8/layout/hList1"/>
-    <dgm:cxn modelId="{7A7ECA03-9CC9-41A9-BC8E-461C88F5C37E}" type="presOf" srcId="{3E3E7159-86D6-476A-8478-367C2874A199}" destId="{4982F73A-BF57-4CDF-8768-A08C246B445E}" srcOrd="0" destOrd="4" presId="urn:microsoft.com/office/officeart/2005/8/layout/hList1"/>
-    <dgm:cxn modelId="{CDCD8697-C7CE-46DD-A887-A7C7AE82B925}" type="presOf" srcId="{61ED63F0-C5F9-4626-A42C-CACECC645F5C}" destId="{4982F73A-BF57-4CDF-8768-A08C246B445E}" srcOrd="0" destOrd="1" presId="urn:microsoft.com/office/officeart/2005/8/layout/hList1"/>
-    <dgm:cxn modelId="{B1A7E622-94F8-437E-8864-2C3CC110BD59}" type="presOf" srcId="{8C39CBEE-7752-4CCF-904F-9494E1549916}" destId="{B7D51FE0-11FD-4167-9609-33459A5CF1F3}" srcOrd="0" destOrd="0" presId="urn:microsoft.com/office/officeart/2005/8/layout/hList1"/>
     <dgm:cxn modelId="{50E2733F-6E78-40C9-AF16-4B6815532D2F}" type="presOf" srcId="{6BE08FB6-609D-4464-94A7-4CA439B15E54}" destId="{B7D51FE0-11FD-4167-9609-33459A5CF1F3}" srcOrd="0" destOrd="3" presId="urn:microsoft.com/office/officeart/2005/8/layout/hList1"/>
-    <dgm:cxn modelId="{B0856087-EC0E-4AF8-89FE-C7C20E275179}" srcId="{B21C3D2F-08C9-449F-9D57-DC8335FB076F}" destId="{8C39CBEE-7752-4CCF-904F-9494E1549916}" srcOrd="0" destOrd="0" parTransId="{A985AE18-2A0C-4A9A-BA23-E88236D2FDB7}" sibTransId="{2360B979-BC6B-4289-A6AD-9871B28B6E7D}"/>
-    <dgm:cxn modelId="{C0A90B39-9214-4F08-A8E3-26ABE669B447}" srcId="{7157E82D-6FDE-4719-AC8B-BA6626EA5A3C}" destId="{B21C3D2F-08C9-449F-9D57-DC8335FB076F}" srcOrd="0" destOrd="0" parTransId="{E1A17349-C0A7-43B2-8A5C-C46385DCAAEA}" sibTransId="{4FC5E77D-B4FA-437B-996D-A1B70E956774}"/>
-    <dgm:cxn modelId="{1787B751-97FC-4F01-9F9A-D590F6B84274}" type="presOf" srcId="{8B61CB61-791A-4C9D-A618-30F3247C4180}" destId="{3A2A2D77-5F88-4A5D-837A-900CEF34AFFE}" srcOrd="0" destOrd="0" presId="urn:microsoft.com/office/officeart/2005/8/layout/hList1"/>
-    <dgm:cxn modelId="{92A74A1A-B8B5-464D-900F-998E9FC7C332}" srcId="{B21C3D2F-08C9-449F-9D57-DC8335FB076F}" destId="{6BE08FB6-609D-4464-94A7-4CA439B15E54}" srcOrd="3" destOrd="0" parTransId="{AFCC0351-1F91-4FE1-B4BD-C08D45F47517}" sibTransId="{20155149-CB48-4FEC-93A0-6D9D5032B7F7}"/>
-    <dgm:cxn modelId="{8E083784-24F1-4D6C-B5E5-36BC3142CBA5}" srcId="{CB01E9E5-62F3-410C-9938-FD7CE644EE3B}" destId="{4418C0B6-C941-480D-BEF1-9AF5804F3677}" srcOrd="2" destOrd="0" parTransId="{33ABE779-52D6-495D-B3BA-610A86881706}" sibTransId="{49128A92-3B9D-4D6F-B307-C5EC5FE3DD91}"/>
-    <dgm:cxn modelId="{721F2194-04C2-43B9-A5AC-2A4C50588697}" srcId="{28D8A686-2B60-4C9A-B8C6-024A6D760DE2}" destId="{327933E7-550F-4B9D-9C00-9EE1E1618AA8}" srcOrd="1" destOrd="0" parTransId="{A4D37955-3C2F-4DFD-A7A4-2F1E74794AF4}" sibTransId="{06E91887-6914-4F14-B78B-F2C530A1685D}"/>
+    <dgm:cxn modelId="{138CE042-1767-4D3A-B0BB-97B6EF87C0D2}" srcId="{CB01E9E5-62F3-410C-9938-FD7CE644EE3B}" destId="{61ED63F0-C5F9-4626-A42C-CACECC645F5C}" srcOrd="1" destOrd="0" parTransId="{DB0B1F81-C381-4998-A6D3-DFD0EABC4E56}" sibTransId="{54C2DF53-0564-4189-A36E-C81ED3DEB4B7}"/>
     <dgm:cxn modelId="{6606A548-9AED-453B-9185-FB7EE1DFC37F}" type="presOf" srcId="{DD552D85-5E3A-415C-9CF9-C8CC389496B8}" destId="{4982F73A-BF57-4CDF-8768-A08C246B445E}" srcOrd="0" destOrd="0" presId="urn:microsoft.com/office/officeart/2005/8/layout/hList1"/>
     <dgm:cxn modelId="{6F5D9769-862C-4C66-8B6A-279EC43AA4EA}" srcId="{CB01E9E5-62F3-410C-9938-FD7CE644EE3B}" destId="{1FDF46E6-8092-44E9-8E91-5A0E260A15C1}" srcOrd="3" destOrd="0" parTransId="{6F5131D1-0217-4301-9C41-1CBA9B53EB46}" sibTransId="{78E66252-1D78-4434-8CB9-F9FEDB81F694}"/>
+    <dgm:cxn modelId="{1787B751-97FC-4F01-9F9A-D590F6B84274}" type="presOf" srcId="{8B61CB61-791A-4C9D-A618-30F3247C4180}" destId="{3A2A2D77-5F88-4A5D-837A-900CEF34AFFE}" srcOrd="0" destOrd="0" presId="urn:microsoft.com/office/officeart/2005/8/layout/hList1"/>
+    <dgm:cxn modelId="{DB99C756-C39D-4F6E-9B48-DD0AFA134D18}" srcId="{B21C3D2F-08C9-449F-9D57-DC8335FB076F}" destId="{EF2135F4-C953-4DB0-B92C-37C16B8F7F30}" srcOrd="1" destOrd="0" parTransId="{21C57ED1-153D-4DB7-9BB9-EAD985273B16}" sibTransId="{E5D7B980-68EA-40B0-90C9-55951B76AE52}"/>
+    <dgm:cxn modelId="{A1E56A58-3C2B-4117-998D-E8DE3B6BE310}" srcId="{B21C3D2F-08C9-449F-9D57-DC8335FB076F}" destId="{DB8928EA-D56E-4110-B7E3-9634FCE4F326}" srcOrd="4" destOrd="0" parTransId="{A19DF4E5-80DC-45C0-A228-FEB56415243F}" sibTransId="{F9B8FC79-96E9-46AF-ADE9-FCC436AF8F76}"/>
+    <dgm:cxn modelId="{8E083784-24F1-4D6C-B5E5-36BC3142CBA5}" srcId="{CB01E9E5-62F3-410C-9938-FD7CE644EE3B}" destId="{4418C0B6-C941-480D-BEF1-9AF5804F3677}" srcOrd="2" destOrd="0" parTransId="{33ABE779-52D6-495D-B3BA-610A86881706}" sibTransId="{49128A92-3B9D-4D6F-B307-C5EC5FE3DD91}"/>
+    <dgm:cxn modelId="{B0856087-EC0E-4AF8-89FE-C7C20E275179}" srcId="{B21C3D2F-08C9-449F-9D57-DC8335FB076F}" destId="{8C39CBEE-7752-4CCF-904F-9494E1549916}" srcOrd="0" destOrd="0" parTransId="{A985AE18-2A0C-4A9A-BA23-E88236D2FDB7}" sibTransId="{2360B979-BC6B-4289-A6AD-9871B28B6E7D}"/>
+    <dgm:cxn modelId="{FFE8A88B-085F-4AF9-B958-8AB99FDA16DA}" srcId="{7157E82D-6FDE-4719-AC8B-BA6626EA5A3C}" destId="{E5F4F842-118D-46F0-ADEF-F16BAAA9CD16}" srcOrd="3" destOrd="0" parTransId="{249F5CD0-BAEC-4834-9EAC-BF74C8E1E68D}" sibTransId="{E3BBE194-E348-4A5D-802E-5C4AA4C7F990}"/>
+    <dgm:cxn modelId="{4599E18B-AC04-4B3B-897B-7EDF76FE4027}" type="presOf" srcId="{CBD64214-CDC1-472D-BF9D-66633772031C}" destId="{044BCA5F-4D35-412B-8F61-917CC098E18A}" srcOrd="0" destOrd="0" presId="urn:microsoft.com/office/officeart/2005/8/layout/hList1"/>
+    <dgm:cxn modelId="{B0F9B893-6E32-4761-980E-9EC79D06D567}" type="presOf" srcId="{CB01E9E5-62F3-410C-9938-FD7CE644EE3B}" destId="{1926E86F-91E7-4298-A43E-99B6F005D95D}" srcOrd="0" destOrd="0" presId="urn:microsoft.com/office/officeart/2005/8/layout/hList1"/>
+    <dgm:cxn modelId="{721F2194-04C2-43B9-A5AC-2A4C50588697}" srcId="{28D8A686-2B60-4C9A-B8C6-024A6D760DE2}" destId="{327933E7-550F-4B9D-9C00-9EE1E1618AA8}" srcOrd="1" destOrd="0" parTransId="{A4D37955-3C2F-4DFD-A7A4-2F1E74794AF4}" sibTransId="{06E91887-6914-4F14-B78B-F2C530A1685D}"/>
+    <dgm:cxn modelId="{CDCD8697-C7CE-46DD-A887-A7C7AE82B925}" type="presOf" srcId="{61ED63F0-C5F9-4626-A42C-CACECC645F5C}" destId="{4982F73A-BF57-4CDF-8768-A08C246B445E}" srcOrd="0" destOrd="1" presId="urn:microsoft.com/office/officeart/2005/8/layout/hList1"/>
+    <dgm:cxn modelId="{FA523998-5B84-455D-A313-D4F04E60F141}" type="presOf" srcId="{28D8A686-2B60-4C9A-B8C6-024A6D760DE2}" destId="{DC235842-CFB0-448B-8F07-2B32E2CF3327}" srcOrd="0" destOrd="0" presId="urn:microsoft.com/office/officeart/2005/8/layout/hList1"/>
+    <dgm:cxn modelId="{6E3273A6-AEE9-4A17-8FC6-E579E86770C9}" type="presOf" srcId="{DF007606-F2D7-4354-AF9B-1B613F8E04C8}" destId="{044BCA5F-4D35-412B-8F61-917CC098E18A}" srcOrd="0" destOrd="2" presId="urn:microsoft.com/office/officeart/2005/8/layout/hList1"/>
+    <dgm:cxn modelId="{BDF9A4B2-05E1-404F-8C75-E27708EE6D7E}" type="presOf" srcId="{036F2EE1-2681-45F3-8C46-68F79E9B4184}" destId="{044BCA5F-4D35-412B-8F61-917CC098E18A}" srcOrd="0" destOrd="3" presId="urn:microsoft.com/office/officeart/2005/8/layout/hList1"/>
+    <dgm:cxn modelId="{65E1A8B5-1367-4BCC-A12A-B34D9E9E80DA}" srcId="{E5F4F842-118D-46F0-ADEF-F16BAAA9CD16}" destId="{45A0AA27-EEF9-4822-93C7-4F3220496327}" srcOrd="3" destOrd="0" parTransId="{A4FB4AA6-2F8A-4833-87AD-C28C8C2F18C3}" sibTransId="{AE73D26D-94DB-4CD4-B686-494A876A1F63}"/>
+    <dgm:cxn modelId="{BA103EB7-DCDC-4DC2-8263-5F6FBB8958F2}" srcId="{E5F4F842-118D-46F0-ADEF-F16BAAA9CD16}" destId="{8B61CB61-791A-4C9D-A618-30F3247C4180}" srcOrd="0" destOrd="0" parTransId="{9C5E6BD2-9839-4CB3-9FED-CF824ED5CB13}" sibTransId="{1FE0C738-8E87-49A6-A4EB-5B2C19883CFC}"/>
     <dgm:cxn modelId="{6F9C52BA-B989-4F46-BFE8-7379D5AC5C3A}" type="presOf" srcId="{4418C0B6-C941-480D-BEF1-9AF5804F3677}" destId="{4982F73A-BF57-4CDF-8768-A08C246B445E}" srcOrd="0" destOrd="2" presId="urn:microsoft.com/office/officeart/2005/8/layout/hList1"/>
-    <dgm:cxn modelId="{299A2437-CDC6-4F65-9A07-AC60C5B3520C}" type="presOf" srcId="{E5F4F842-118D-46F0-ADEF-F16BAAA9CD16}" destId="{70D59FC0-8B09-486A-A442-590523B93818}" srcOrd="0" destOrd="0" presId="urn:microsoft.com/office/officeart/2005/8/layout/hList1"/>
-    <dgm:cxn modelId="{A1E56A58-3C2B-4117-998D-E8DE3B6BE310}" srcId="{B21C3D2F-08C9-449F-9D57-DC8335FB076F}" destId="{DB8928EA-D56E-4110-B7E3-9634FCE4F326}" srcOrd="4" destOrd="0" parTransId="{A19DF4E5-80DC-45C0-A228-FEB56415243F}" sibTransId="{F9B8FC79-96E9-46AF-ADE9-FCC436AF8F76}"/>
-    <dgm:cxn modelId="{F3F1A73A-04E2-4FBB-9F1D-29C7FE0B7487}" type="presOf" srcId="{8504DC6C-F50D-4610-85F8-AED71EA0C310}" destId="{3A2A2D77-5F88-4A5D-837A-900CEF34AFFE}" srcOrd="0" destOrd="1" presId="urn:microsoft.com/office/officeart/2005/8/layout/hList1"/>
-    <dgm:cxn modelId="{27E66000-F86C-4B34-A8DE-B9CC45528376}" type="presOf" srcId="{B21C3D2F-08C9-449F-9D57-DC8335FB076F}" destId="{0A3F036D-D952-403F-B631-04BE45F1E6CB}" srcOrd="0" destOrd="0" presId="urn:microsoft.com/office/officeart/2005/8/layout/hList1"/>
-    <dgm:cxn modelId="{BA103EB7-DCDC-4DC2-8263-5F6FBB8958F2}" srcId="{E5F4F842-118D-46F0-ADEF-F16BAAA9CD16}" destId="{8B61CB61-791A-4C9D-A618-30F3247C4180}" srcOrd="0" destOrd="0" parTransId="{9C5E6BD2-9839-4CB3-9FED-CF824ED5CB13}" sibTransId="{1FE0C738-8E87-49A6-A4EB-5B2C19883CFC}"/>
-    <dgm:cxn modelId="{BDF9A4B2-05E1-404F-8C75-E27708EE6D7E}" type="presOf" srcId="{036F2EE1-2681-45F3-8C46-68F79E9B4184}" destId="{044BCA5F-4D35-412B-8F61-917CC098E18A}" srcOrd="0" destOrd="3" presId="urn:microsoft.com/office/officeart/2005/8/layout/hList1"/>
-    <dgm:cxn modelId="{BBD6A5D8-DAA6-4DDB-A138-FEC8AFF126D6}" type="presOf" srcId="{7157E82D-6FDE-4719-AC8B-BA6626EA5A3C}" destId="{BEC6C75F-C5D9-4758-A9C6-DA4C41650B52}" srcOrd="0" destOrd="0" presId="urn:microsoft.com/office/officeart/2005/8/layout/hList1"/>
-    <dgm:cxn modelId="{1AEF4FFF-B356-4949-A05D-F78420FD84A9}" type="presOf" srcId="{E4455614-9A51-4B00-A355-0C0AD223618A}" destId="{3A2A2D77-5F88-4A5D-837A-900CEF34AFFE}" srcOrd="0" destOrd="2" presId="urn:microsoft.com/office/officeart/2005/8/layout/hList1"/>
-    <dgm:cxn modelId="{1935A62B-254D-45B0-843E-6D0739124710}" srcId="{28D8A686-2B60-4C9A-B8C6-024A6D760DE2}" destId="{DF007606-F2D7-4354-AF9B-1B613F8E04C8}" srcOrd="2" destOrd="0" parTransId="{88B50E75-765A-403E-A8B5-60085573F714}" sibTransId="{151F3ED6-C43B-4831-AAFE-0E7153AF43A6}"/>
-    <dgm:cxn modelId="{B0F9B893-6E32-4761-980E-9EC79D06D567}" type="presOf" srcId="{CB01E9E5-62F3-410C-9938-FD7CE644EE3B}" destId="{1926E86F-91E7-4298-A43E-99B6F005D95D}" srcOrd="0" destOrd="0" presId="urn:microsoft.com/office/officeart/2005/8/layout/hList1"/>
-    <dgm:cxn modelId="{FFE8A88B-085F-4AF9-B958-8AB99FDA16DA}" srcId="{7157E82D-6FDE-4719-AC8B-BA6626EA5A3C}" destId="{E5F4F842-118D-46F0-ADEF-F16BAAA9CD16}" srcOrd="3" destOrd="0" parTransId="{249F5CD0-BAEC-4834-9EAC-BF74C8E1E68D}" sibTransId="{E3BBE194-E348-4A5D-802E-5C4AA4C7F990}"/>
-    <dgm:cxn modelId="{31510C0A-942B-4A36-8231-C08E91925DBB}" type="presOf" srcId="{E7666353-B27A-4C10-B061-E644D98B8D46}" destId="{B7D51FE0-11FD-4167-9609-33459A5CF1F3}" srcOrd="0" destOrd="2" presId="urn:microsoft.com/office/officeart/2005/8/layout/hList1"/>
-    <dgm:cxn modelId="{F2BB24F8-3AB3-4537-ADE8-079F4CA29132}" srcId="{E5F4F842-118D-46F0-ADEF-F16BAAA9CD16}" destId="{8504DC6C-F50D-4610-85F8-AED71EA0C310}" srcOrd="1" destOrd="0" parTransId="{AE82B259-BADD-4569-8F4C-249F2FB4EE5A}" sibTransId="{A313B7A6-ABC0-486F-AF51-3D78E1F9E114}"/>
-    <dgm:cxn modelId="{CDFBA0D1-7D92-40F3-A1C9-F41F1B1523A7}" type="presOf" srcId="{327933E7-550F-4B9D-9C00-9EE1E1618AA8}" destId="{044BCA5F-4D35-412B-8F61-917CC098E18A}" srcOrd="0" destOrd="1" presId="urn:microsoft.com/office/officeart/2005/8/layout/hList1"/>
-    <dgm:cxn modelId="{FB9AC0DB-3BFC-442A-8277-5EFF3DAB7401}" srcId="{28D8A686-2B60-4C9A-B8C6-024A6D760DE2}" destId="{036F2EE1-2681-45F3-8C46-68F79E9B4184}" srcOrd="3" destOrd="0" parTransId="{F93FB83B-0EC1-4ACE-A4C2-B691815B9A9C}" sibTransId="{9CB7E547-CFFB-4C5C-9509-ADE6C4FF9482}"/>
-    <dgm:cxn modelId="{3DF9F439-AF04-4A50-9D5B-ADE51D51E7F9}" srcId="{7157E82D-6FDE-4719-AC8B-BA6626EA5A3C}" destId="{CB01E9E5-62F3-410C-9938-FD7CE644EE3B}" srcOrd="1" destOrd="0" parTransId="{D8CC192F-BE06-4182-A9D3-476035BD52DD}" sibTransId="{917C56D8-C7EE-40E9-8D06-D0F8EBEEDA30}"/>
-    <dgm:cxn modelId="{9B8341F4-7A7D-49F5-8B71-DDF34A6927AA}" srcId="{E5F4F842-118D-46F0-ADEF-F16BAAA9CD16}" destId="{E4455614-9A51-4B00-A355-0C0AD223618A}" srcOrd="2" destOrd="0" parTransId="{54608778-89F4-439F-9154-F9914C377A24}" sibTransId="{CFE7AD90-91E5-47B3-A418-1EFD04A7402B}"/>
-    <dgm:cxn modelId="{6E3273A6-AEE9-4A17-8FC6-E579E86770C9}" type="presOf" srcId="{DF007606-F2D7-4354-AF9B-1B613F8E04C8}" destId="{044BCA5F-4D35-412B-8F61-917CC098E18A}" srcOrd="0" destOrd="2" presId="urn:microsoft.com/office/officeart/2005/8/layout/hList1"/>
     <dgm:cxn modelId="{BA69F1BA-AB92-4A0F-BDFA-8999C899ED79}" type="presOf" srcId="{45A0AA27-EEF9-4822-93C7-4F3220496327}" destId="{3A2A2D77-5F88-4A5D-837A-900CEF34AFFE}" srcOrd="0" destOrd="3" presId="urn:microsoft.com/office/officeart/2005/8/layout/hList1"/>
     <dgm:cxn modelId="{A96F32D1-2D07-45E4-A25C-7DC25D867072}" type="presOf" srcId="{EF2135F4-C953-4DB0-B92C-37C16B8F7F30}" destId="{B7D51FE0-11FD-4167-9609-33459A5CF1F3}" srcOrd="0" destOrd="1" presId="urn:microsoft.com/office/officeart/2005/8/layout/hList1"/>
+    <dgm:cxn modelId="{CDFBA0D1-7D92-40F3-A1C9-F41F1B1523A7}" type="presOf" srcId="{327933E7-550F-4B9D-9C00-9EE1E1618AA8}" destId="{044BCA5F-4D35-412B-8F61-917CC098E18A}" srcOrd="0" destOrd="1" presId="urn:microsoft.com/office/officeart/2005/8/layout/hList1"/>
+    <dgm:cxn modelId="{BBD6A5D8-DAA6-4DDB-A138-FEC8AFF126D6}" type="presOf" srcId="{7157E82D-6FDE-4719-AC8B-BA6626EA5A3C}" destId="{BEC6C75F-C5D9-4758-A9C6-DA4C41650B52}" srcOrd="0" destOrd="0" presId="urn:microsoft.com/office/officeart/2005/8/layout/hList1"/>
+    <dgm:cxn modelId="{FB9AC0DB-3BFC-442A-8277-5EFF3DAB7401}" srcId="{28D8A686-2B60-4C9A-B8C6-024A6D760DE2}" destId="{036F2EE1-2681-45F3-8C46-68F79E9B4184}" srcOrd="3" destOrd="0" parTransId="{F93FB83B-0EC1-4ACE-A4C2-B691815B9A9C}" sibTransId="{9CB7E547-CFFB-4C5C-9509-ADE6C4FF9482}"/>
+    <dgm:cxn modelId="{17F5B2DE-92F6-4C4C-9048-BEBCD772F52E}" type="presOf" srcId="{1FDF46E6-8092-44E9-8E91-5A0E260A15C1}" destId="{4982F73A-BF57-4CDF-8768-A08C246B445E}" srcOrd="0" destOrd="3" presId="urn:microsoft.com/office/officeart/2005/8/layout/hList1"/>
+    <dgm:cxn modelId="{9B8341F4-7A7D-49F5-8B71-DDF34A6927AA}" srcId="{E5F4F842-118D-46F0-ADEF-F16BAAA9CD16}" destId="{E4455614-9A51-4B00-A355-0C0AD223618A}" srcOrd="2" destOrd="0" parTransId="{54608778-89F4-439F-9154-F9914C377A24}" sibTransId="{CFE7AD90-91E5-47B3-A418-1EFD04A7402B}"/>
+    <dgm:cxn modelId="{F2BB24F8-3AB3-4537-ADE8-079F4CA29132}" srcId="{E5F4F842-118D-46F0-ADEF-F16BAAA9CD16}" destId="{8504DC6C-F50D-4610-85F8-AED71EA0C310}" srcOrd="1" destOrd="0" parTransId="{AE82B259-BADD-4569-8F4C-249F2FB4EE5A}" sibTransId="{A313B7A6-ABC0-486F-AF51-3D78E1F9E114}"/>
+    <dgm:cxn modelId="{1AEF4FFF-B356-4949-A05D-F78420FD84A9}" type="presOf" srcId="{E4455614-9A51-4B00-A355-0C0AD223618A}" destId="{3A2A2D77-5F88-4A5D-837A-900CEF34AFFE}" srcOrd="0" destOrd="2" presId="urn:microsoft.com/office/officeart/2005/8/layout/hList1"/>
     <dgm:cxn modelId="{11DDF9A8-902E-4018-8F03-A56D3B72B41F}" type="presParOf" srcId="{BEC6C75F-C5D9-4758-A9C6-DA4C41650B52}" destId="{ED45D4E3-9413-4D40-986E-702F5F6B1F1B}" srcOrd="0" destOrd="0" presId="urn:microsoft.com/office/officeart/2005/8/layout/hList1"/>
     <dgm:cxn modelId="{5A553EC1-607D-4F76-92AC-FA4E4A2B053D}" type="presParOf" srcId="{ED45D4E3-9413-4D40-986E-702F5F6B1F1B}" destId="{0A3F036D-D952-403F-B631-04BE45F1E6CB}" srcOrd="0" destOrd="0" presId="urn:microsoft.com/office/officeart/2005/8/layout/hList1"/>
     <dgm:cxn modelId="{10D20B5F-D78F-4882-AB4A-D4660F64F2A7}" type="presParOf" srcId="{ED45D4E3-9413-4D40-986E-702F5F6B1F1B}" destId="{B7D51FE0-11FD-4167-9609-33459A5CF1F3}" srcOrd="1" destOrd="0" presId="urn:microsoft.com/office/officeart/2005/8/layout/hList1"/>
@@ -2785,7 +2722,7 @@
         </a:bodyPr>
         <a:lstStyle/>
         <a:p>
-          <a:pPr lvl="0" algn="ctr" defTabSz="800100">
+          <a:pPr marL="0" lvl="0" indent="0" algn="ctr" defTabSz="800100">
             <a:lnSpc>
               <a:spcPct val="90000"/>
             </a:lnSpc>
@@ -2795,9 +2732,10 @@
             <a:spcAft>
               <a:spcPct val="35000"/>
             </a:spcAft>
+            <a:buNone/>
           </a:pPr>
           <a:r>
-            <a:rPr lang="kk-KZ" sz="1800" kern="1200" dirty="0" smtClean="0"/>
+            <a:rPr lang="kk-KZ" sz="1800" kern="1200" dirty="0"/>
             <a:t> Инициализациялау</a:t>
           </a:r>
           <a:endParaRPr lang="ru-RU" sz="1800" kern="1200" dirty="0"/>
@@ -2875,10 +2813,10 @@
             <a:spcAft>
               <a:spcPct val="15000"/>
             </a:spcAft>
-            <a:buChar char="••"/>
+            <a:buChar char="•"/>
           </a:pPr>
           <a:r>
-            <a:rPr lang="kk-KZ" sz="1800" kern="1200" dirty="0" smtClean="0"/>
+            <a:rPr lang="kk-KZ" sz="1800" kern="1200" dirty="0"/>
             <a:t>Мақсаттар</a:t>
           </a:r>
           <a:endParaRPr lang="ru-RU" sz="1800" kern="1200" dirty="0"/>
@@ -2894,10 +2832,10 @@
             <a:spcAft>
               <a:spcPct val="15000"/>
             </a:spcAft>
-            <a:buChar char="••"/>
+            <a:buChar char="•"/>
           </a:pPr>
           <a:r>
-            <a:rPr lang="kk-KZ" sz="1800" kern="1200" dirty="0" smtClean="0"/>
+            <a:rPr lang="kk-KZ" sz="1800" kern="1200" dirty="0"/>
             <a:t>Спецификация</a:t>
           </a:r>
         </a:p>
@@ -2912,10 +2850,10 @@
             <a:spcAft>
               <a:spcPct val="15000"/>
             </a:spcAft>
-            <a:buChar char="••"/>
+            <a:buChar char="•"/>
           </a:pPr>
           <a:r>
-            <a:rPr lang="kk-KZ" sz="1800" kern="1200" dirty="0" smtClean="0"/>
+            <a:rPr lang="kk-KZ" sz="1800" kern="1200" dirty="0"/>
             <a:t>Тапсырмалар</a:t>
           </a:r>
           <a:endParaRPr lang="ru-RU" sz="1800" kern="1200" dirty="0"/>
@@ -2931,10 +2869,10 @@
             <a:spcAft>
               <a:spcPct val="15000"/>
             </a:spcAft>
-            <a:buChar char="••"/>
+            <a:buChar char="•"/>
           </a:pPr>
           <a:r>
-            <a:rPr lang="kk-KZ" sz="1800" kern="1200" dirty="0" smtClean="0"/>
+            <a:rPr lang="kk-KZ" sz="1800" kern="1200" dirty="0"/>
             <a:t>Жауапкершілік</a:t>
           </a:r>
           <a:endParaRPr lang="ru-RU" sz="1800" kern="1200" dirty="0"/>
@@ -2950,10 +2888,10 @@
             <a:spcAft>
               <a:spcPct val="15000"/>
             </a:spcAft>
-            <a:buChar char="••"/>
+            <a:buChar char="•"/>
           </a:pPr>
           <a:r>
-            <a:rPr lang="kk-KZ" sz="1800" kern="1200" dirty="0" smtClean="0"/>
+            <a:rPr lang="kk-KZ" sz="1800" kern="1200" dirty="0"/>
             <a:t>Жоба тобы</a:t>
           </a:r>
         </a:p>
@@ -3018,7 +2956,7 @@
         </a:bodyPr>
         <a:lstStyle/>
         <a:p>
-          <a:pPr lvl="0" algn="ctr" defTabSz="800100">
+          <a:pPr marL="0" lvl="0" indent="0" algn="ctr" defTabSz="800100">
             <a:lnSpc>
               <a:spcPct val="90000"/>
             </a:lnSpc>
@@ -3028,9 +2966,10 @@
             <a:spcAft>
               <a:spcPct val="35000"/>
             </a:spcAft>
+            <a:buNone/>
           </a:pPr>
           <a:r>
-            <a:rPr lang="kk-KZ" sz="1800" kern="1200" dirty="0" smtClean="0"/>
+            <a:rPr lang="kk-KZ" sz="1800" kern="1200" dirty="0"/>
             <a:t> Жобалау</a:t>
           </a:r>
           <a:endParaRPr lang="ru-RU" sz="1800" kern="1200" dirty="0"/>
@@ -3108,10 +3047,10 @@
             <a:spcAft>
               <a:spcPct val="15000"/>
             </a:spcAft>
-            <a:buChar char="••"/>
+            <a:buChar char="•"/>
           </a:pPr>
           <a:r>
-            <a:rPr lang="kk-KZ" sz="1800" kern="1200" dirty="0" smtClean="0"/>
+            <a:rPr lang="kk-KZ" sz="1800" kern="1200" dirty="0"/>
             <a:t>Күнтізбе</a:t>
           </a:r>
           <a:endParaRPr lang="ru-RU" sz="1800" kern="1200" dirty="0"/>
@@ -3127,10 +3066,10 @@
             <a:spcAft>
               <a:spcPct val="15000"/>
             </a:spcAft>
-            <a:buChar char="••"/>
+            <a:buChar char="•"/>
           </a:pPr>
           <a:r>
-            <a:rPr lang="kk-KZ" sz="1800" kern="1200" dirty="0" smtClean="0"/>
+            <a:rPr lang="kk-KZ" sz="1800" kern="1200" dirty="0"/>
             <a:t>Бюджеттер</a:t>
           </a:r>
           <a:endParaRPr lang="ru-RU" sz="1800" kern="1200" dirty="0"/>
@@ -3146,10 +3085,10 @@
             <a:spcAft>
               <a:spcPct val="15000"/>
             </a:spcAft>
-            <a:buChar char="••"/>
+            <a:buChar char="•"/>
           </a:pPr>
           <a:r>
-            <a:rPr lang="kk-KZ" sz="1800" kern="1200" dirty="0" smtClean="0"/>
+            <a:rPr lang="kk-KZ" sz="1800" kern="1200" dirty="0"/>
             <a:t>Ресурстар</a:t>
           </a:r>
           <a:endParaRPr lang="ru-RU" sz="1800" kern="1200" dirty="0"/>
@@ -3165,10 +3104,10 @@
             <a:spcAft>
               <a:spcPct val="15000"/>
             </a:spcAft>
-            <a:buChar char="••"/>
+            <a:buChar char="•"/>
           </a:pPr>
           <a:r>
-            <a:rPr lang="kk-KZ" sz="1800" kern="1200" dirty="0" smtClean="0"/>
+            <a:rPr lang="kk-KZ" sz="1800" kern="1200" dirty="0"/>
             <a:t>Тауекелдер</a:t>
           </a:r>
           <a:endParaRPr lang="ru-RU" sz="1800" kern="1200" dirty="0"/>
@@ -3184,10 +3123,10 @@
             <a:spcAft>
               <a:spcPct val="15000"/>
             </a:spcAft>
-            <a:buChar char="••"/>
+            <a:buChar char="•"/>
           </a:pPr>
           <a:r>
-            <a:rPr lang="kk-KZ" sz="1800" kern="1200" dirty="0" smtClean="0"/>
+            <a:rPr lang="kk-KZ" sz="1800" kern="1200" dirty="0"/>
             <a:t>Топ мүшелері</a:t>
           </a:r>
           <a:endParaRPr lang="ru-RU" sz="1800" kern="1200" dirty="0"/>
@@ -3253,7 +3192,7 @@
         </a:bodyPr>
         <a:lstStyle/>
         <a:p>
-          <a:pPr lvl="0" algn="ctr" defTabSz="800100">
+          <a:pPr marL="0" lvl="0" indent="0" algn="ctr" defTabSz="800100">
             <a:lnSpc>
               <a:spcPct val="90000"/>
             </a:lnSpc>
@@ -3263,9 +3202,10 @@
             <a:spcAft>
               <a:spcPct val="35000"/>
             </a:spcAft>
+            <a:buNone/>
           </a:pPr>
           <a:r>
-            <a:rPr lang="kk-KZ" sz="1800" kern="1200" dirty="0" smtClean="0"/>
+            <a:rPr lang="kk-KZ" sz="1800" kern="1200" dirty="0"/>
             <a:t> Орындау</a:t>
           </a:r>
           <a:endParaRPr lang="ru-RU" sz="1800" kern="1200" dirty="0"/>
@@ -3343,10 +3283,10 @@
             <a:spcAft>
               <a:spcPct val="15000"/>
             </a:spcAft>
-            <a:buChar char="••"/>
+            <a:buChar char="•"/>
           </a:pPr>
           <a:r>
-            <a:rPr lang="kk-KZ" sz="1800" kern="1200" dirty="0" smtClean="0"/>
+            <a:rPr lang="kk-KZ" sz="1800" kern="1200" dirty="0"/>
             <a:t>Жағдай бойынша есептер</a:t>
           </a:r>
           <a:endParaRPr lang="ru-RU" sz="1800" kern="1200" dirty="0"/>
@@ -3362,10 +3302,10 @@
             <a:spcAft>
               <a:spcPct val="15000"/>
             </a:spcAft>
-            <a:buChar char="••"/>
+            <a:buChar char="•"/>
           </a:pPr>
           <a:r>
-            <a:rPr lang="kk-KZ" sz="1800" kern="1200" dirty="0" smtClean="0"/>
+            <a:rPr lang="kk-KZ" sz="1800" kern="1200" dirty="0"/>
             <a:t>Өзгертулер</a:t>
           </a:r>
           <a:endParaRPr lang="ru-RU" sz="1800" kern="1200" dirty="0"/>
@@ -3381,10 +3321,10 @@
             <a:spcAft>
               <a:spcPct val="15000"/>
             </a:spcAft>
-            <a:buChar char="••"/>
+            <a:buChar char="•"/>
           </a:pPr>
           <a:r>
-            <a:rPr lang="kk-KZ" sz="1800" kern="1200" dirty="0" smtClean="0"/>
+            <a:rPr lang="kk-KZ" sz="1800" kern="1200" dirty="0"/>
             <a:t>Сапа</a:t>
           </a:r>
           <a:endParaRPr lang="ru-RU" sz="1800" kern="1200" dirty="0"/>
@@ -3400,10 +3340,10 @@
             <a:spcAft>
               <a:spcPct val="15000"/>
             </a:spcAft>
-            <a:buChar char="••"/>
+            <a:buChar char="•"/>
           </a:pPr>
           <a:r>
-            <a:rPr lang="kk-KZ" sz="1800" kern="1200" dirty="0" smtClean="0"/>
+            <a:rPr lang="kk-KZ" sz="1800" kern="1200" dirty="0"/>
             <a:t>Болжамалар</a:t>
           </a:r>
           <a:endParaRPr lang="ru-RU" sz="1800" kern="1200" dirty="0"/>
@@ -3469,7 +3409,7 @@
         </a:bodyPr>
         <a:lstStyle/>
         <a:p>
-          <a:pPr lvl="0" algn="ctr" defTabSz="800100">
+          <a:pPr marL="0" lvl="0" indent="0" algn="ctr" defTabSz="800100">
             <a:lnSpc>
               <a:spcPct val="90000"/>
             </a:lnSpc>
@@ -3479,9 +3419,10 @@
             <a:spcAft>
               <a:spcPct val="35000"/>
             </a:spcAft>
+            <a:buNone/>
           </a:pPr>
           <a:r>
-            <a:rPr lang="kk-KZ" sz="1800" kern="1200" dirty="0" smtClean="0"/>
+            <a:rPr lang="kk-KZ" sz="1800" kern="1200" dirty="0"/>
             <a:t> Нәтиже көрсету</a:t>
           </a:r>
           <a:endParaRPr lang="ru-RU" sz="1800" kern="1200" dirty="0"/>
@@ -3559,10 +3500,10 @@
             <a:spcAft>
               <a:spcPct val="15000"/>
             </a:spcAft>
-            <a:buChar char="••"/>
+            <a:buChar char="•"/>
           </a:pPr>
           <a:r>
-            <a:rPr lang="kk-KZ" sz="1800" kern="1200" dirty="0" smtClean="0"/>
+            <a:rPr lang="kk-KZ" sz="1800" kern="1200" dirty="0"/>
             <a:t>Клиентті үйрету</a:t>
           </a:r>
           <a:endParaRPr lang="ru-RU" sz="1800" kern="1200" dirty="0"/>
@@ -3578,10 +3519,10 @@
             <a:spcAft>
               <a:spcPct val="15000"/>
             </a:spcAft>
-            <a:buChar char="••"/>
+            <a:buChar char="•"/>
           </a:pPr>
           <a:r>
-            <a:rPr lang="kk-KZ" sz="1800" kern="1200" dirty="0" smtClean="0"/>
+            <a:rPr lang="kk-KZ" sz="1800" kern="1200" dirty="0"/>
             <a:t>Құжаттарды тапсыру </a:t>
           </a:r>
           <a:endParaRPr lang="ru-RU" sz="1800" kern="1200" dirty="0"/>
@@ -3597,10 +3538,10 @@
             <a:spcAft>
               <a:spcPct val="15000"/>
             </a:spcAft>
-            <a:buChar char="••"/>
+            <a:buChar char="•"/>
           </a:pPr>
           <a:r>
-            <a:rPr lang="kk-KZ" sz="1800" kern="1200" dirty="0" smtClean="0"/>
+            <a:rPr lang="kk-KZ" sz="1800" kern="1200" dirty="0"/>
             <a:t>Ресурстарды босату</a:t>
           </a:r>
           <a:endParaRPr lang="ru-RU" sz="1800" kern="1200" dirty="0"/>
@@ -3616,10 +3557,10 @@
             <a:spcAft>
               <a:spcPct val="15000"/>
             </a:spcAft>
-            <a:buChar char="••"/>
+            <a:buChar char="•"/>
           </a:pPr>
           <a:r>
-            <a:rPr lang="kk-KZ" sz="1800" kern="1200" dirty="0" smtClean="0"/>
+            <a:rPr lang="kk-KZ" sz="1800" kern="1200" dirty="0"/>
             <a:t>Тәжірибе нәтижелерін алу</a:t>
           </a:r>
           <a:endParaRPr lang="ru-RU" sz="1800" kern="1200" dirty="0"/>
@@ -6233,10 +6174,9 @@
           </a:lstStyle>
           <a:p>
             <a:r>
-              <a:rPr lang="ru-RU" smtClean="0"/>
+              <a:rPr lang="ru-RU"/>
               <a:t>Образец заголовка</a:t>
             </a:r>
-            <a:endParaRPr lang="ru-RU"/>
           </a:p>
         </p:txBody>
       </p:sp>
@@ -6298,10 +6238,9 @@
           </a:lstStyle>
           <a:p>
             <a:r>
-              <a:rPr lang="ru-RU" smtClean="0"/>
+              <a:rPr lang="ru-RU"/>
               <a:t>Образец подзаголовка</a:t>
             </a:r>
-            <a:endParaRPr lang="ru-RU"/>
           </a:p>
         </p:txBody>
       </p:sp>
@@ -6416,10 +6355,9 @@
           <a:lstStyle/>
           <a:p>
             <a:r>
-              <a:rPr lang="ru-RU" smtClean="0"/>
+              <a:rPr lang="ru-RU"/>
               <a:t>Образец заголовка</a:t>
             </a:r>
-            <a:endParaRPr lang="ru-RU"/>
           </a:p>
         </p:txBody>
       </p:sp>
@@ -6440,38 +6378,37 @@
           <a:p>
             <a:pPr lvl="0"/>
             <a:r>
-              <a:rPr lang="ru-RU" smtClean="0"/>
+              <a:rPr lang="ru-RU"/>
               <a:t>Образец текста</a:t>
             </a:r>
           </a:p>
           <a:p>
             <a:pPr lvl="1"/>
             <a:r>
-              <a:rPr lang="ru-RU" smtClean="0"/>
+              <a:rPr lang="ru-RU"/>
               <a:t>Второй уровень</a:t>
             </a:r>
           </a:p>
           <a:p>
             <a:pPr lvl="2"/>
             <a:r>
-              <a:rPr lang="ru-RU" smtClean="0"/>
+              <a:rPr lang="ru-RU"/>
               <a:t>Третий уровень</a:t>
             </a:r>
           </a:p>
           <a:p>
             <a:pPr lvl="3"/>
             <a:r>
-              <a:rPr lang="ru-RU" smtClean="0"/>
+              <a:rPr lang="ru-RU"/>
               <a:t>Четвертый уровень</a:t>
             </a:r>
           </a:p>
           <a:p>
             <a:pPr lvl="4"/>
             <a:r>
-              <a:rPr lang="ru-RU" smtClean="0"/>
+              <a:rPr lang="ru-RU"/>
               <a:t>Пятый уровень</a:t>
             </a:r>
-            <a:endParaRPr lang="ru-RU"/>
           </a:p>
         </p:txBody>
       </p:sp>
@@ -6591,10 +6528,9 @@
           <a:lstStyle/>
           <a:p>
             <a:r>
-              <a:rPr lang="ru-RU" smtClean="0"/>
+              <a:rPr lang="ru-RU"/>
               <a:t>Образец заголовка</a:t>
             </a:r>
-            <a:endParaRPr lang="ru-RU"/>
           </a:p>
         </p:txBody>
       </p:sp>
@@ -6620,38 +6556,37 @@
           <a:p>
             <a:pPr lvl="0"/>
             <a:r>
-              <a:rPr lang="ru-RU" smtClean="0"/>
+              <a:rPr lang="ru-RU"/>
               <a:t>Образец текста</a:t>
             </a:r>
           </a:p>
           <a:p>
             <a:pPr lvl="1"/>
             <a:r>
-              <a:rPr lang="ru-RU" smtClean="0"/>
+              <a:rPr lang="ru-RU"/>
               <a:t>Второй уровень</a:t>
             </a:r>
           </a:p>
           <a:p>
             <a:pPr lvl="2"/>
             <a:r>
-              <a:rPr lang="ru-RU" smtClean="0"/>
+              <a:rPr lang="ru-RU"/>
               <a:t>Третий уровень</a:t>
             </a:r>
           </a:p>
           <a:p>
             <a:pPr lvl="3"/>
             <a:r>
-              <a:rPr lang="ru-RU" smtClean="0"/>
+              <a:rPr lang="ru-RU"/>
               <a:t>Четвертый уровень</a:t>
             </a:r>
           </a:p>
           <a:p>
             <a:pPr lvl="4"/>
             <a:r>
-              <a:rPr lang="ru-RU" smtClean="0"/>
+              <a:rPr lang="ru-RU"/>
               <a:t>Пятый уровень</a:t>
             </a:r>
-            <a:endParaRPr lang="ru-RU"/>
           </a:p>
         </p:txBody>
       </p:sp>
@@ -6766,10 +6701,9 @@
           <a:lstStyle/>
           <a:p>
             <a:r>
-              <a:rPr lang="ru-RU" smtClean="0"/>
+              <a:rPr lang="ru-RU"/>
               <a:t>Образец заголовка</a:t>
             </a:r>
-            <a:endParaRPr lang="ru-RU"/>
           </a:p>
         </p:txBody>
       </p:sp>
@@ -6790,38 +6724,37 @@
           <a:p>
             <a:pPr lvl="0"/>
             <a:r>
-              <a:rPr lang="ru-RU" smtClean="0"/>
+              <a:rPr lang="ru-RU"/>
               <a:t>Образец текста</a:t>
             </a:r>
           </a:p>
           <a:p>
             <a:pPr lvl="1"/>
             <a:r>
-              <a:rPr lang="ru-RU" smtClean="0"/>
+              <a:rPr lang="ru-RU"/>
               <a:t>Второй уровень</a:t>
             </a:r>
           </a:p>
           <a:p>
             <a:pPr lvl="2"/>
             <a:r>
-              <a:rPr lang="ru-RU" smtClean="0"/>
+              <a:rPr lang="ru-RU"/>
               <a:t>Третий уровень</a:t>
             </a:r>
           </a:p>
           <a:p>
             <a:pPr lvl="3"/>
             <a:r>
-              <a:rPr lang="ru-RU" smtClean="0"/>
+              <a:rPr lang="ru-RU"/>
               <a:t>Четвертый уровень</a:t>
             </a:r>
           </a:p>
           <a:p>
             <a:pPr lvl="4"/>
             <a:r>
-              <a:rPr lang="ru-RU" smtClean="0"/>
+              <a:rPr lang="ru-RU"/>
               <a:t>Пятый уровень</a:t>
             </a:r>
-            <a:endParaRPr lang="ru-RU"/>
           </a:p>
         </p:txBody>
       </p:sp>
@@ -6945,10 +6878,9 @@
           </a:lstStyle>
           <a:p>
             <a:r>
-              <a:rPr lang="ru-RU" smtClean="0"/>
+              <a:rPr lang="ru-RU"/>
               <a:t>Образец заголовка</a:t>
             </a:r>
-            <a:endParaRPr lang="ru-RU"/>
           </a:p>
         </p:txBody>
       </p:sp>
@@ -7065,7 +6997,7 @@
           <a:p>
             <a:pPr lvl="0"/>
             <a:r>
-              <a:rPr lang="ru-RU" smtClean="0"/>
+              <a:rPr lang="ru-RU"/>
               <a:t>Образец текста</a:t>
             </a:r>
           </a:p>
@@ -7182,10 +7114,9 @@
           <a:lstStyle/>
           <a:p>
             <a:r>
-              <a:rPr lang="ru-RU" smtClean="0"/>
+              <a:rPr lang="ru-RU"/>
               <a:t>Образец заголовка</a:t>
             </a:r>
-            <a:endParaRPr lang="ru-RU"/>
           </a:p>
         </p:txBody>
       </p:sp>
@@ -7211,38 +7142,37 @@
           <a:p>
             <a:pPr lvl="0"/>
             <a:r>
-              <a:rPr lang="ru-RU" smtClean="0"/>
+              <a:rPr lang="ru-RU"/>
               <a:t>Образец текста</a:t>
             </a:r>
           </a:p>
           <a:p>
             <a:pPr lvl="1"/>
             <a:r>
-              <a:rPr lang="ru-RU" smtClean="0"/>
+              <a:rPr lang="ru-RU"/>
               <a:t>Второй уровень</a:t>
             </a:r>
           </a:p>
           <a:p>
             <a:pPr lvl="2"/>
             <a:r>
-              <a:rPr lang="ru-RU" smtClean="0"/>
+              <a:rPr lang="ru-RU"/>
               <a:t>Третий уровень</a:t>
             </a:r>
           </a:p>
           <a:p>
             <a:pPr lvl="3"/>
             <a:r>
-              <a:rPr lang="ru-RU" smtClean="0"/>
+              <a:rPr lang="ru-RU"/>
               <a:t>Четвертый уровень</a:t>
             </a:r>
           </a:p>
           <a:p>
             <a:pPr lvl="4"/>
             <a:r>
-              <a:rPr lang="ru-RU" smtClean="0"/>
+              <a:rPr lang="ru-RU"/>
               <a:t>Пятый уровень</a:t>
             </a:r>
-            <a:endParaRPr lang="ru-RU"/>
           </a:p>
         </p:txBody>
       </p:sp>
@@ -7268,38 +7198,37 @@
           <a:p>
             <a:pPr lvl="0"/>
             <a:r>
-              <a:rPr lang="ru-RU" smtClean="0"/>
+              <a:rPr lang="ru-RU"/>
               <a:t>Образец текста</a:t>
             </a:r>
           </a:p>
           <a:p>
             <a:pPr lvl="1"/>
             <a:r>
-              <a:rPr lang="ru-RU" smtClean="0"/>
+              <a:rPr lang="ru-RU"/>
               <a:t>Второй уровень</a:t>
             </a:r>
           </a:p>
           <a:p>
             <a:pPr lvl="2"/>
             <a:r>
-              <a:rPr lang="ru-RU" smtClean="0"/>
+              <a:rPr lang="ru-RU"/>
               <a:t>Третий уровень</a:t>
             </a:r>
           </a:p>
           <a:p>
             <a:pPr lvl="3"/>
             <a:r>
-              <a:rPr lang="ru-RU" smtClean="0"/>
+              <a:rPr lang="ru-RU"/>
               <a:t>Четвертый уровень</a:t>
             </a:r>
           </a:p>
           <a:p>
             <a:pPr lvl="4"/>
             <a:r>
-              <a:rPr lang="ru-RU" smtClean="0"/>
+              <a:rPr lang="ru-RU"/>
               <a:t>Пятый уровень</a:t>
             </a:r>
-            <a:endParaRPr lang="ru-RU"/>
           </a:p>
         </p:txBody>
       </p:sp>
@@ -7419,10 +7348,9 @@
           <a:lstStyle/>
           <a:p>
             <a:r>
-              <a:rPr lang="ru-RU" smtClean="0"/>
+              <a:rPr lang="ru-RU"/>
               <a:t>Образец заголовка</a:t>
             </a:r>
-            <a:endParaRPr lang="ru-RU"/>
           </a:p>
         </p:txBody>
       </p:sp>
@@ -7485,7 +7413,7 @@
           <a:p>
             <a:pPr lvl="0"/>
             <a:r>
-              <a:rPr lang="ru-RU" smtClean="0"/>
+              <a:rPr lang="ru-RU"/>
               <a:t>Образец текста</a:t>
             </a:r>
           </a:p>
@@ -7513,38 +7441,37 @@
           <a:p>
             <a:pPr lvl="0"/>
             <a:r>
-              <a:rPr lang="ru-RU" smtClean="0"/>
+              <a:rPr lang="ru-RU"/>
               <a:t>Образец текста</a:t>
             </a:r>
           </a:p>
           <a:p>
             <a:pPr lvl="1"/>
             <a:r>
-              <a:rPr lang="ru-RU" smtClean="0"/>
+              <a:rPr lang="ru-RU"/>
               <a:t>Второй уровень</a:t>
             </a:r>
           </a:p>
           <a:p>
             <a:pPr lvl="2"/>
             <a:r>
-              <a:rPr lang="ru-RU" smtClean="0"/>
+              <a:rPr lang="ru-RU"/>
               <a:t>Третий уровень</a:t>
             </a:r>
           </a:p>
           <a:p>
             <a:pPr lvl="3"/>
             <a:r>
-              <a:rPr lang="ru-RU" smtClean="0"/>
+              <a:rPr lang="ru-RU"/>
               <a:t>Четвертый уровень</a:t>
             </a:r>
           </a:p>
           <a:p>
             <a:pPr lvl="4"/>
             <a:r>
-              <a:rPr lang="ru-RU" smtClean="0"/>
+              <a:rPr lang="ru-RU"/>
               <a:t>Пятый уровень</a:t>
             </a:r>
-            <a:endParaRPr lang="ru-RU"/>
           </a:p>
         </p:txBody>
       </p:sp>
@@ -7607,7 +7534,7 @@
           <a:p>
             <a:pPr lvl="0"/>
             <a:r>
-              <a:rPr lang="ru-RU" smtClean="0"/>
+              <a:rPr lang="ru-RU"/>
               <a:t>Образец текста</a:t>
             </a:r>
           </a:p>
@@ -7635,38 +7562,37 @@
           <a:p>
             <a:pPr lvl="0"/>
             <a:r>
-              <a:rPr lang="ru-RU" smtClean="0"/>
+              <a:rPr lang="ru-RU"/>
               <a:t>Образец текста</a:t>
             </a:r>
           </a:p>
           <a:p>
             <a:pPr lvl="1"/>
             <a:r>
-              <a:rPr lang="ru-RU" smtClean="0"/>
+              <a:rPr lang="ru-RU"/>
               <a:t>Второй уровень</a:t>
             </a:r>
           </a:p>
           <a:p>
             <a:pPr lvl="2"/>
             <a:r>
-              <a:rPr lang="ru-RU" smtClean="0"/>
+              <a:rPr lang="ru-RU"/>
               <a:t>Третий уровень</a:t>
             </a:r>
           </a:p>
           <a:p>
             <a:pPr lvl="3"/>
             <a:r>
-              <a:rPr lang="ru-RU" smtClean="0"/>
+              <a:rPr lang="ru-RU"/>
               <a:t>Четвертый уровень</a:t>
             </a:r>
           </a:p>
           <a:p>
             <a:pPr lvl="4"/>
             <a:r>
-              <a:rPr lang="ru-RU" smtClean="0"/>
+              <a:rPr lang="ru-RU"/>
               <a:t>Пятый уровень</a:t>
             </a:r>
-            <a:endParaRPr lang="ru-RU"/>
           </a:p>
         </p:txBody>
       </p:sp>
@@ -7781,10 +7707,9 @@
           <a:lstStyle/>
           <a:p>
             <a:r>
-              <a:rPr lang="ru-RU" smtClean="0"/>
+              <a:rPr lang="ru-RU"/>
               <a:t>Образец заголовка</a:t>
             </a:r>
-            <a:endParaRPr lang="ru-RU"/>
           </a:p>
         </p:txBody>
       </p:sp>
@@ -8003,10 +7928,9 @@
           </a:lstStyle>
           <a:p>
             <a:r>
-              <a:rPr lang="ru-RU" smtClean="0"/>
+              <a:rPr lang="ru-RU"/>
               <a:t>Образец заголовка</a:t>
             </a:r>
-            <a:endParaRPr lang="ru-RU"/>
           </a:p>
         </p:txBody>
       </p:sp>
@@ -8060,38 +7984,37 @@
           <a:p>
             <a:pPr lvl="0"/>
             <a:r>
-              <a:rPr lang="ru-RU" smtClean="0"/>
+              <a:rPr lang="ru-RU"/>
               <a:t>Образец текста</a:t>
             </a:r>
           </a:p>
           <a:p>
             <a:pPr lvl="1"/>
             <a:r>
-              <a:rPr lang="ru-RU" smtClean="0"/>
+              <a:rPr lang="ru-RU"/>
               <a:t>Второй уровень</a:t>
             </a:r>
           </a:p>
           <a:p>
             <a:pPr lvl="2"/>
             <a:r>
-              <a:rPr lang="ru-RU" smtClean="0"/>
+              <a:rPr lang="ru-RU"/>
               <a:t>Третий уровень</a:t>
             </a:r>
           </a:p>
           <a:p>
             <a:pPr lvl="3"/>
             <a:r>
-              <a:rPr lang="ru-RU" smtClean="0"/>
+              <a:rPr lang="ru-RU"/>
               <a:t>Четвертый уровень</a:t>
             </a:r>
           </a:p>
           <a:p>
             <a:pPr lvl="4"/>
             <a:r>
-              <a:rPr lang="ru-RU" smtClean="0"/>
+              <a:rPr lang="ru-RU"/>
               <a:t>Пятый уровень</a:t>
             </a:r>
-            <a:endParaRPr lang="ru-RU"/>
           </a:p>
         </p:txBody>
       </p:sp>
@@ -8154,7 +8077,7 @@
           <a:p>
             <a:pPr lvl="0"/>
             <a:r>
-              <a:rPr lang="ru-RU" smtClean="0"/>
+              <a:rPr lang="ru-RU"/>
               <a:t>Образец текста</a:t>
             </a:r>
           </a:p>
@@ -8280,10 +8203,9 @@
           </a:lstStyle>
           <a:p>
             <a:r>
-              <a:rPr lang="ru-RU" smtClean="0"/>
+              <a:rPr lang="ru-RU"/>
               <a:t>Образец заголовка</a:t>
             </a:r>
-            <a:endParaRPr lang="ru-RU"/>
           </a:p>
         </p:txBody>
       </p:sp>
@@ -8407,7 +8329,7 @@
           <a:p>
             <a:pPr lvl="0"/>
             <a:r>
-              <a:rPr lang="ru-RU" smtClean="0"/>
+              <a:rPr lang="ru-RU"/>
               <a:t>Образец текста</a:t>
             </a:r>
           </a:p>
@@ -8539,10 +8461,9 @@
           <a:lstStyle/>
           <a:p>
             <a:r>
-              <a:rPr lang="ru-RU" smtClean="0"/>
+              <a:rPr lang="ru-RU"/>
               <a:t>Образец заголовка</a:t>
             </a:r>
-            <a:endParaRPr lang="ru-RU"/>
           </a:p>
         </p:txBody>
       </p:sp>
@@ -8573,38 +8494,37 @@
           <a:p>
             <a:pPr lvl="0"/>
             <a:r>
-              <a:rPr lang="ru-RU" smtClean="0"/>
+              <a:rPr lang="ru-RU"/>
               <a:t>Образец текста</a:t>
             </a:r>
           </a:p>
           <a:p>
             <a:pPr lvl="1"/>
             <a:r>
-              <a:rPr lang="ru-RU" smtClean="0"/>
+              <a:rPr lang="ru-RU"/>
               <a:t>Второй уровень</a:t>
             </a:r>
           </a:p>
           <a:p>
             <a:pPr lvl="2"/>
             <a:r>
-              <a:rPr lang="ru-RU" smtClean="0"/>
+              <a:rPr lang="ru-RU"/>
               <a:t>Третий уровень</a:t>
             </a:r>
           </a:p>
           <a:p>
             <a:pPr lvl="3"/>
             <a:r>
-              <a:rPr lang="ru-RU" smtClean="0"/>
+              <a:rPr lang="ru-RU"/>
               <a:t>Четвертый уровень</a:t>
             </a:r>
           </a:p>
           <a:p>
             <a:pPr lvl="4"/>
             <a:r>
-              <a:rPr lang="ru-RU" smtClean="0"/>
+              <a:rPr lang="ru-RU"/>
               <a:t>Пятый уровень</a:t>
             </a:r>
-            <a:endParaRPr lang="ru-RU"/>
           </a:p>
         </p:txBody>
       </p:sp>
@@ -9102,13 +9022,6 @@
   <p:clrMapOvr>
     <a:masterClrMapping/>
   </p:clrMapOvr>
-  <p:timing>
-    <p:tnLst>
-      <p:par>
-        <p:cTn id="1" dur="indefinite" restart="never" nodeType="tmRoot"/>
-      </p:par>
-    </p:tnLst>
-  </p:timing>
 </p:sld>
 </file>
 
@@ -9145,7 +9058,7 @@
           <a:lstStyle/>
           <a:p>
             <a:r>
-              <a:rPr lang="kk-KZ" dirty="0" smtClean="0"/>
+              <a:rPr lang="kk-KZ" dirty="0"/>
               <a:t>   </a:t>
             </a:r>
             <a:endParaRPr lang="ru-RU" dirty="0"/>
@@ -9168,7 +9081,7 @@
           <a:lstStyle/>
           <a:p>
             <a:r>
-              <a:rPr lang="kk-KZ" dirty="0" smtClean="0"/>
+              <a:rPr lang="kk-KZ" dirty="0"/>
               <a:t>   </a:t>
             </a:r>
             <a:endParaRPr lang="ru-RU" dirty="0"/>
@@ -9212,7 +9125,7 @@
           <a:p>
             <a:pPr algn="ctr"/>
             <a:r>
-              <a:rPr lang="kk-KZ" dirty="0" smtClean="0"/>
+              <a:rPr lang="kk-KZ" dirty="0"/>
               <a:t>Сапасы</a:t>
             </a:r>
             <a:endParaRPr lang="ru-RU" dirty="0"/>
@@ -9242,7 +9155,7 @@
           <a:lstStyle/>
           <a:p>
             <a:r>
-              <a:rPr lang="kk-KZ" dirty="0" smtClean="0"/>
+              <a:rPr lang="kk-KZ" dirty="0"/>
               <a:t>Құны</a:t>
             </a:r>
           </a:p>
@@ -9271,7 +9184,7 @@
           <a:lstStyle/>
           <a:p>
             <a:r>
-              <a:rPr lang="kk-KZ" dirty="0" smtClean="0"/>
+              <a:rPr lang="kk-KZ" dirty="0"/>
               <a:t>Уақыт</a:t>
             </a:r>
             <a:endParaRPr lang="ru-RU" dirty="0"/>
@@ -9288,13 +9201,6 @@
   <p:clrMapOvr>
     <a:masterClrMapping/>
   </p:clrMapOvr>
-  <p:timing>
-    <p:tnLst>
-      <p:par>
-        <p:cTn id="1" dur="indefinite" restart="never" nodeType="tmRoot"/>
-      </p:par>
-    </p:tnLst>
-  </p:timing>
 </p:sld>
 </file>
 
@@ -9344,7 +9250,7 @@
             <p:ph idx="1"/>
             <p:extLst>
               <p:ext uri="{D42A27DB-BD31-4B8C-83A1-F6EECF244321}">
-                <p14:modId xmlns:p14="http://schemas.microsoft.com/office/powerpoint/2010/main" val="941254470"/>
+                <p14:modId xmlns:p14="http://schemas.microsoft.com/office/powerpoint/2010/main" val="1298563810"/>
               </p:ext>
             </p:extLst>
           </p:nvPr>
@@ -9406,7 +9312,7 @@
                     <a:lstStyle/>
                     <a:p>
                       <a:r>
-                        <a:rPr lang="kk-KZ" dirty="0" smtClean="0"/>
+                        <a:rPr lang="kk-KZ" dirty="0"/>
                         <a:t>   Уақыт</a:t>
                       </a:r>
                       <a:endParaRPr lang="ru-RU" dirty="0"/>
@@ -9420,7 +9326,7 @@
                     <a:lstStyle/>
                     <a:p>
                       <a:r>
-                        <a:rPr lang="kk-KZ" dirty="0" smtClean="0"/>
+                        <a:rPr lang="kk-KZ" dirty="0"/>
                         <a:t> Бюджет</a:t>
                       </a:r>
                       <a:endParaRPr lang="ru-RU" dirty="0"/>
@@ -9434,7 +9340,7 @@
                     <a:lstStyle/>
                     <a:p>
                       <a:r>
-                        <a:rPr lang="kk-KZ" dirty="0" smtClean="0"/>
+                        <a:rPr lang="kk-KZ" dirty="0"/>
                         <a:t>    Сапа</a:t>
                       </a:r>
                       <a:endParaRPr lang="ru-RU" dirty="0"/>
@@ -9455,7 +9361,7 @@
                     <a:lstStyle/>
                     <a:p>
                       <a:r>
-                        <a:rPr lang="kk-KZ" dirty="0" smtClean="0"/>
+                        <a:rPr lang="kk-KZ" dirty="0"/>
                         <a:t>Келісу</a:t>
                       </a:r>
                       <a:endParaRPr lang="ru-RU" dirty="0"/>
@@ -9469,8 +9375,8 @@
                     <a:lstStyle/>
                     <a:p>
                       <a:r>
-                        <a:rPr lang="kk-KZ" dirty="0" smtClean="0"/>
-                        <a:t>             *</a:t>
+                        <a:rPr lang="kk-KZ" dirty="0"/>
+                        <a:t>        *</a:t>
                       </a:r>
                       <a:endParaRPr lang="ru-RU" dirty="0"/>
                     </a:p>
@@ -9510,7 +9416,7 @@
                     <a:lstStyle/>
                     <a:p>
                       <a:r>
-                        <a:rPr lang="kk-KZ" dirty="0" smtClean="0"/>
+                        <a:rPr lang="kk-KZ" dirty="0"/>
                         <a:t>Ұстау</a:t>
                       </a:r>
                       <a:endParaRPr lang="ru-RU" dirty="0"/>
@@ -9534,7 +9440,7 @@
                     <a:lstStyle/>
                     <a:p>
                       <a:r>
-                        <a:rPr lang="kk-KZ" dirty="0" smtClean="0"/>
+                        <a:rPr lang="kk-KZ" dirty="0"/>
                         <a:t>        *</a:t>
                       </a:r>
                       <a:endParaRPr lang="ru-RU" dirty="0"/>
@@ -9565,7 +9471,7 @@
                     <a:lstStyle/>
                     <a:p>
                       <a:r>
-                        <a:rPr lang="kk-KZ" dirty="0" smtClean="0"/>
+                        <a:rPr lang="kk-KZ" dirty="0"/>
                         <a:t>Жақсарту</a:t>
                       </a:r>
                       <a:endParaRPr lang="ru-RU" dirty="0"/>
@@ -9599,8 +9505,16 @@
                     <a:lstStyle/>
                     <a:p>
                       <a:r>
-                        <a:rPr lang="kk-KZ" dirty="0" smtClean="0"/>
-                        <a:t>       *</a:t>
+                        <a:rPr lang="kk-KZ" dirty="0"/>
+                        <a:t>       </a:t>
+                      </a:r>
+                      <a:r>
+                        <a:rPr lang="en-US" dirty="0"/>
+                        <a:t> </a:t>
+                      </a:r>
+                      <a:r>
+                        <a:rPr lang="kk-KZ" dirty="0"/>
+                        <a:t>*</a:t>
                       </a:r>
                       <a:endParaRPr lang="ru-RU" dirty="0"/>
                     </a:p>

--- a/Презентация1.pptx
+++ b/Презентация1.pptx
@@ -6,8 +6,9 @@
   </p:sldMasterIdLst>
   <p:sldIdLst>
     <p:sldId id="256" r:id="rId2"/>
-    <p:sldId id="257" r:id="rId3"/>
-    <p:sldId id="258" r:id="rId4"/>
+    <p:sldId id="259" r:id="rId3"/>
+    <p:sldId id="257" r:id="rId4"/>
+    <p:sldId id="258" r:id="rId5"/>
   </p:sldIdLst>
   <p:sldSz cx="12192000" cy="6858000"/>
   <p:notesSz cx="6858000" cy="9144000"/>
@@ -2473,6 +2474,13 @@
         </dgm:presLayoutVars>
       </dgm:prSet>
       <dgm:spPr/>
+      <dgm:t>
+        <a:bodyPr/>
+        <a:lstStyle/>
+        <a:p>
+          <a:endParaRPr lang="ru-RU"/>
+        </a:p>
+      </dgm:t>
     </dgm:pt>
     <dgm:pt modelId="{ED45D4E3-9413-4D40-986E-702F5F6B1F1B}" type="pres">
       <dgm:prSet presAssocID="{B21C3D2F-08C9-449F-9D57-DC8335FB076F}" presName="composite" presStyleCnt="0"/>
@@ -2487,6 +2495,13 @@
         </dgm:presLayoutVars>
       </dgm:prSet>
       <dgm:spPr/>
+      <dgm:t>
+        <a:bodyPr/>
+        <a:lstStyle/>
+        <a:p>
+          <a:endParaRPr lang="ru-RU"/>
+        </a:p>
+      </dgm:t>
     </dgm:pt>
     <dgm:pt modelId="{B7D51FE0-11FD-4167-9609-33459A5CF1F3}" type="pres">
       <dgm:prSet presAssocID="{B21C3D2F-08C9-449F-9D57-DC8335FB076F}" presName="desTx" presStyleLbl="alignAccFollowNode1" presStyleIdx="0" presStyleCnt="4" custScaleX="97508">
@@ -2495,6 +2510,13 @@
         </dgm:presLayoutVars>
       </dgm:prSet>
       <dgm:spPr/>
+      <dgm:t>
+        <a:bodyPr/>
+        <a:lstStyle/>
+        <a:p>
+          <a:endParaRPr lang="ru-RU"/>
+        </a:p>
+      </dgm:t>
     </dgm:pt>
     <dgm:pt modelId="{82CB09C8-2FBC-4AE2-835B-02B42FAD5B97}" type="pres">
       <dgm:prSet presAssocID="{4FC5E77D-B4FA-437B-996D-A1B70E956774}" presName="space" presStyleCnt="0"/>
@@ -2513,6 +2535,13 @@
         </dgm:presLayoutVars>
       </dgm:prSet>
       <dgm:spPr/>
+      <dgm:t>
+        <a:bodyPr/>
+        <a:lstStyle/>
+        <a:p>
+          <a:endParaRPr lang="ru-RU"/>
+        </a:p>
+      </dgm:t>
     </dgm:pt>
     <dgm:pt modelId="{4982F73A-BF57-4CDF-8768-A08C246B445E}" type="pres">
       <dgm:prSet presAssocID="{CB01E9E5-62F3-410C-9938-FD7CE644EE3B}" presName="desTx" presStyleLbl="alignAccFollowNode1" presStyleIdx="1" presStyleCnt="4">
@@ -2521,6 +2550,13 @@
         </dgm:presLayoutVars>
       </dgm:prSet>
       <dgm:spPr/>
+      <dgm:t>
+        <a:bodyPr/>
+        <a:lstStyle/>
+        <a:p>
+          <a:endParaRPr lang="ru-RU"/>
+        </a:p>
+      </dgm:t>
     </dgm:pt>
     <dgm:pt modelId="{C964BDD8-30E0-4CD7-A154-9E9E3DC928C2}" type="pres">
       <dgm:prSet presAssocID="{917C56D8-C7EE-40E9-8D06-D0F8EBEEDA30}" presName="space" presStyleCnt="0"/>
@@ -2539,6 +2575,13 @@
         </dgm:presLayoutVars>
       </dgm:prSet>
       <dgm:spPr/>
+      <dgm:t>
+        <a:bodyPr/>
+        <a:lstStyle/>
+        <a:p>
+          <a:endParaRPr lang="ru-RU"/>
+        </a:p>
+      </dgm:t>
     </dgm:pt>
     <dgm:pt modelId="{044BCA5F-4D35-412B-8F61-917CC098E18A}" type="pres">
       <dgm:prSet presAssocID="{28D8A686-2B60-4C9A-B8C6-024A6D760DE2}" presName="desTx" presStyleLbl="alignAccFollowNode1" presStyleIdx="2" presStyleCnt="4">
@@ -2547,6 +2590,13 @@
         </dgm:presLayoutVars>
       </dgm:prSet>
       <dgm:spPr/>
+      <dgm:t>
+        <a:bodyPr/>
+        <a:lstStyle/>
+        <a:p>
+          <a:endParaRPr lang="ru-RU"/>
+        </a:p>
+      </dgm:t>
     </dgm:pt>
     <dgm:pt modelId="{577E7F25-FFDC-421C-A754-C8A94DDC0DE0}" type="pres">
       <dgm:prSet presAssocID="{D10BCF56-3547-459E-BB9C-A80D6B2E771E}" presName="space" presStyleCnt="0"/>
@@ -2565,6 +2615,13 @@
         </dgm:presLayoutVars>
       </dgm:prSet>
       <dgm:spPr/>
+      <dgm:t>
+        <a:bodyPr/>
+        <a:lstStyle/>
+        <a:p>
+          <a:endParaRPr lang="ru-RU"/>
+        </a:p>
+      </dgm:t>
     </dgm:pt>
     <dgm:pt modelId="{3A2A2D77-5F88-4A5D-837A-900CEF34AFFE}" type="pres">
       <dgm:prSet presAssocID="{E5F4F842-118D-46F0-ADEF-F16BAAA9CD16}" presName="desTx" presStyleLbl="alignAccFollowNode1" presStyleIdx="3" presStyleCnt="4">
@@ -2573,54 +2630,61 @@
         </dgm:presLayoutVars>
       </dgm:prSet>
       <dgm:spPr/>
+      <dgm:t>
+        <a:bodyPr/>
+        <a:lstStyle/>
+        <a:p>
+          <a:endParaRPr lang="ru-RU"/>
+        </a:p>
+      </dgm:t>
     </dgm:pt>
   </dgm:ptLst>
   <dgm:cxnLst>
-    <dgm:cxn modelId="{27E66000-F86C-4B34-A8DE-B9CC45528376}" type="presOf" srcId="{B21C3D2F-08C9-449F-9D57-DC8335FB076F}" destId="{0A3F036D-D952-403F-B631-04BE45F1E6CB}" srcOrd="0" destOrd="0" presId="urn:microsoft.com/office/officeart/2005/8/layout/hList1"/>
-    <dgm:cxn modelId="{7A7ECA03-9CC9-41A9-BC8E-461C88F5C37E}" type="presOf" srcId="{3E3E7159-86D6-476A-8478-367C2874A199}" destId="{4982F73A-BF57-4CDF-8768-A08C246B445E}" srcOrd="0" destOrd="4" presId="urn:microsoft.com/office/officeart/2005/8/layout/hList1"/>
-    <dgm:cxn modelId="{31510C0A-942B-4A36-8231-C08E91925DBB}" type="presOf" srcId="{E7666353-B27A-4C10-B061-E644D98B8D46}" destId="{B7D51FE0-11FD-4167-9609-33459A5CF1F3}" srcOrd="0" destOrd="2" presId="urn:microsoft.com/office/officeart/2005/8/layout/hList1"/>
+    <dgm:cxn modelId="{3B8D1436-D801-42EF-9A29-621F175A258F}" srcId="{7157E82D-6FDE-4719-AC8B-BA6626EA5A3C}" destId="{28D8A686-2B60-4C9A-B8C6-024A6D760DE2}" srcOrd="2" destOrd="0" parTransId="{90BC5D60-1D02-4628-A317-23FAAD5109E4}" sibTransId="{D10BCF56-3547-459E-BB9C-A80D6B2E771E}"/>
+    <dgm:cxn modelId="{138CE042-1767-4D3A-B0BB-97B6EF87C0D2}" srcId="{CB01E9E5-62F3-410C-9938-FD7CE644EE3B}" destId="{61ED63F0-C5F9-4626-A42C-CACECC645F5C}" srcOrd="1" destOrd="0" parTransId="{DB0B1F81-C381-4998-A6D3-DFD0EABC4E56}" sibTransId="{54C2DF53-0564-4189-A36E-C81ED3DEB4B7}"/>
     <dgm:cxn modelId="{3681110D-477B-42A8-9225-62752E114467}" type="presOf" srcId="{DB8928EA-D56E-4110-B7E3-9634FCE4F326}" destId="{B7D51FE0-11FD-4167-9609-33459A5CF1F3}" srcOrd="0" destOrd="4" presId="urn:microsoft.com/office/officeart/2005/8/layout/hList1"/>
-    <dgm:cxn modelId="{92A74A1A-B8B5-464D-900F-998E9FC7C332}" srcId="{B21C3D2F-08C9-449F-9D57-DC8335FB076F}" destId="{6BE08FB6-609D-4464-94A7-4CA439B15E54}" srcOrd="3" destOrd="0" parTransId="{AFCC0351-1F91-4FE1-B4BD-C08D45F47517}" sibTransId="{20155149-CB48-4FEC-93A0-6D9D5032B7F7}"/>
-    <dgm:cxn modelId="{B1A7E622-94F8-437E-8864-2C3CC110BD59}" type="presOf" srcId="{8C39CBEE-7752-4CCF-904F-9494E1549916}" destId="{B7D51FE0-11FD-4167-9609-33459A5CF1F3}" srcOrd="0" destOrd="0" presId="urn:microsoft.com/office/officeart/2005/8/layout/hList1"/>
-    <dgm:cxn modelId="{1935A62B-254D-45B0-843E-6D0739124710}" srcId="{28D8A686-2B60-4C9A-B8C6-024A6D760DE2}" destId="{DF007606-F2D7-4354-AF9B-1B613F8E04C8}" srcOrd="2" destOrd="0" parTransId="{88B50E75-765A-403E-A8B5-60085573F714}" sibTransId="{151F3ED6-C43B-4831-AAFE-0E7153AF43A6}"/>
-    <dgm:cxn modelId="{40A35A2D-CD56-4D73-BE78-EB76370AA264}" srcId="{B21C3D2F-08C9-449F-9D57-DC8335FB076F}" destId="{E7666353-B27A-4C10-B061-E644D98B8D46}" srcOrd="2" destOrd="0" parTransId="{10A69FD4-0A63-4A61-8704-9419269D2F6F}" sibTransId="{2CF6E175-E527-43CD-A89A-CEA2A48275F1}"/>
+    <dgm:cxn modelId="{4599E18B-AC04-4B3B-897B-7EDF76FE4027}" type="presOf" srcId="{CBD64214-CDC1-472D-BF9D-66633772031C}" destId="{044BCA5F-4D35-412B-8F61-917CC098E18A}" srcOrd="0" destOrd="0" presId="urn:microsoft.com/office/officeart/2005/8/layout/hList1"/>
+    <dgm:cxn modelId="{17F5B2DE-92F6-4C4C-9048-BEBCD772F52E}" type="presOf" srcId="{1FDF46E6-8092-44E9-8E91-5A0E260A15C1}" destId="{4982F73A-BF57-4CDF-8768-A08C246B445E}" srcOrd="0" destOrd="3" presId="urn:microsoft.com/office/officeart/2005/8/layout/hList1"/>
+    <dgm:cxn modelId="{DB99C756-C39D-4F6E-9B48-DD0AFA134D18}" srcId="{B21C3D2F-08C9-449F-9D57-DC8335FB076F}" destId="{EF2135F4-C953-4DB0-B92C-37C16B8F7F30}" srcOrd="1" destOrd="0" parTransId="{21C57ED1-153D-4DB7-9BB9-EAD985273B16}" sibTransId="{E5D7B980-68EA-40B0-90C9-55951B76AE52}"/>
     <dgm:cxn modelId="{AA6A3A2E-3D28-434B-97C0-EB4F3266FCE2}" srcId="{CB01E9E5-62F3-410C-9938-FD7CE644EE3B}" destId="{DD552D85-5E3A-415C-9CF9-C8CC389496B8}" srcOrd="0" destOrd="0" parTransId="{0BBDE2C3-484A-4905-8097-BEC14146E8C2}" sibTransId="{D5EBB63B-D764-4507-A92A-076506F22CF5}"/>
     <dgm:cxn modelId="{671EF82F-C42A-4FDD-A429-78F19B6E5625}" srcId="{CB01E9E5-62F3-410C-9938-FD7CE644EE3B}" destId="{3E3E7159-86D6-476A-8478-367C2874A199}" srcOrd="4" destOrd="0" parTransId="{5A68FE99-0EBE-494D-8EFE-2C55632E50E7}" sibTransId="{ED950E7A-87EE-4AEF-8E5C-5EB5A15096D1}"/>
-    <dgm:cxn modelId="{3B8D1436-D801-42EF-9A29-621F175A258F}" srcId="{7157E82D-6FDE-4719-AC8B-BA6626EA5A3C}" destId="{28D8A686-2B60-4C9A-B8C6-024A6D760DE2}" srcOrd="2" destOrd="0" parTransId="{90BC5D60-1D02-4628-A317-23FAAD5109E4}" sibTransId="{D10BCF56-3547-459E-BB9C-A80D6B2E771E}"/>
-    <dgm:cxn modelId="{299A2437-CDC6-4F65-9A07-AC60C5B3520C}" type="presOf" srcId="{E5F4F842-118D-46F0-ADEF-F16BAAA9CD16}" destId="{70D59FC0-8B09-486A-A442-590523B93818}" srcOrd="0" destOrd="0" presId="urn:microsoft.com/office/officeart/2005/8/layout/hList1"/>
+    <dgm:cxn modelId="{40A35A2D-CD56-4D73-BE78-EB76370AA264}" srcId="{B21C3D2F-08C9-449F-9D57-DC8335FB076F}" destId="{E7666353-B27A-4C10-B061-E644D98B8D46}" srcOrd="2" destOrd="0" parTransId="{10A69FD4-0A63-4A61-8704-9419269D2F6F}" sibTransId="{2CF6E175-E527-43CD-A89A-CEA2A48275F1}"/>
+    <dgm:cxn modelId="{65E1A8B5-1367-4BCC-A12A-B34D9E9E80DA}" srcId="{E5F4F842-118D-46F0-ADEF-F16BAAA9CD16}" destId="{45A0AA27-EEF9-4822-93C7-4F3220496327}" srcOrd="3" destOrd="0" parTransId="{A4FB4AA6-2F8A-4833-87AD-C28C8C2F18C3}" sibTransId="{AE73D26D-94DB-4CD4-B686-494A876A1F63}"/>
+    <dgm:cxn modelId="{ABBAC63E-02A6-4B0C-BC39-2648F60D36A1}" srcId="{28D8A686-2B60-4C9A-B8C6-024A6D760DE2}" destId="{CBD64214-CDC1-472D-BF9D-66633772031C}" srcOrd="0" destOrd="0" parTransId="{17FB0B8C-2997-491F-938C-82A4A68DD44A}" sibTransId="{D1CEB556-CC99-4314-B900-D1AE49B2B007}"/>
+    <dgm:cxn modelId="{FA523998-5B84-455D-A313-D4F04E60F141}" type="presOf" srcId="{28D8A686-2B60-4C9A-B8C6-024A6D760DE2}" destId="{DC235842-CFB0-448B-8F07-2B32E2CF3327}" srcOrd="0" destOrd="0" presId="urn:microsoft.com/office/officeart/2005/8/layout/hList1"/>
+    <dgm:cxn modelId="{7A7ECA03-9CC9-41A9-BC8E-461C88F5C37E}" type="presOf" srcId="{3E3E7159-86D6-476A-8478-367C2874A199}" destId="{4982F73A-BF57-4CDF-8768-A08C246B445E}" srcOrd="0" destOrd="4" presId="urn:microsoft.com/office/officeart/2005/8/layout/hList1"/>
+    <dgm:cxn modelId="{CDCD8697-C7CE-46DD-A887-A7C7AE82B925}" type="presOf" srcId="{61ED63F0-C5F9-4626-A42C-CACECC645F5C}" destId="{4982F73A-BF57-4CDF-8768-A08C246B445E}" srcOrd="0" destOrd="1" presId="urn:microsoft.com/office/officeart/2005/8/layout/hList1"/>
+    <dgm:cxn modelId="{B1A7E622-94F8-437E-8864-2C3CC110BD59}" type="presOf" srcId="{8C39CBEE-7752-4CCF-904F-9494E1549916}" destId="{B7D51FE0-11FD-4167-9609-33459A5CF1F3}" srcOrd="0" destOrd="0" presId="urn:microsoft.com/office/officeart/2005/8/layout/hList1"/>
+    <dgm:cxn modelId="{50E2733F-6E78-40C9-AF16-4B6815532D2F}" type="presOf" srcId="{6BE08FB6-609D-4464-94A7-4CA439B15E54}" destId="{B7D51FE0-11FD-4167-9609-33459A5CF1F3}" srcOrd="0" destOrd="3" presId="urn:microsoft.com/office/officeart/2005/8/layout/hList1"/>
+    <dgm:cxn modelId="{B0856087-EC0E-4AF8-89FE-C7C20E275179}" srcId="{B21C3D2F-08C9-449F-9D57-DC8335FB076F}" destId="{8C39CBEE-7752-4CCF-904F-9494E1549916}" srcOrd="0" destOrd="0" parTransId="{A985AE18-2A0C-4A9A-BA23-E88236D2FDB7}" sibTransId="{2360B979-BC6B-4289-A6AD-9871B28B6E7D}"/>
     <dgm:cxn modelId="{C0A90B39-9214-4F08-A8E3-26ABE669B447}" srcId="{7157E82D-6FDE-4719-AC8B-BA6626EA5A3C}" destId="{B21C3D2F-08C9-449F-9D57-DC8335FB076F}" srcOrd="0" destOrd="0" parTransId="{E1A17349-C0A7-43B2-8A5C-C46385DCAAEA}" sibTransId="{4FC5E77D-B4FA-437B-996D-A1B70E956774}"/>
-    <dgm:cxn modelId="{3DF9F439-AF04-4A50-9D5B-ADE51D51E7F9}" srcId="{7157E82D-6FDE-4719-AC8B-BA6626EA5A3C}" destId="{CB01E9E5-62F3-410C-9938-FD7CE644EE3B}" srcOrd="1" destOrd="0" parTransId="{D8CC192F-BE06-4182-A9D3-476035BD52DD}" sibTransId="{917C56D8-C7EE-40E9-8D06-D0F8EBEEDA30}"/>
-    <dgm:cxn modelId="{F3F1A73A-04E2-4FBB-9F1D-29C7FE0B7487}" type="presOf" srcId="{8504DC6C-F50D-4610-85F8-AED71EA0C310}" destId="{3A2A2D77-5F88-4A5D-837A-900CEF34AFFE}" srcOrd="0" destOrd="1" presId="urn:microsoft.com/office/officeart/2005/8/layout/hList1"/>
-    <dgm:cxn modelId="{ABBAC63E-02A6-4B0C-BC39-2648F60D36A1}" srcId="{28D8A686-2B60-4C9A-B8C6-024A6D760DE2}" destId="{CBD64214-CDC1-472D-BF9D-66633772031C}" srcOrd="0" destOrd="0" parTransId="{17FB0B8C-2997-491F-938C-82A4A68DD44A}" sibTransId="{D1CEB556-CC99-4314-B900-D1AE49B2B007}"/>
-    <dgm:cxn modelId="{50E2733F-6E78-40C9-AF16-4B6815532D2F}" type="presOf" srcId="{6BE08FB6-609D-4464-94A7-4CA439B15E54}" destId="{B7D51FE0-11FD-4167-9609-33459A5CF1F3}" srcOrd="0" destOrd="3" presId="urn:microsoft.com/office/officeart/2005/8/layout/hList1"/>
-    <dgm:cxn modelId="{138CE042-1767-4D3A-B0BB-97B6EF87C0D2}" srcId="{CB01E9E5-62F3-410C-9938-FD7CE644EE3B}" destId="{61ED63F0-C5F9-4626-A42C-CACECC645F5C}" srcOrd="1" destOrd="0" parTransId="{DB0B1F81-C381-4998-A6D3-DFD0EABC4E56}" sibTransId="{54C2DF53-0564-4189-A36E-C81ED3DEB4B7}"/>
+    <dgm:cxn modelId="{1787B751-97FC-4F01-9F9A-D590F6B84274}" type="presOf" srcId="{8B61CB61-791A-4C9D-A618-30F3247C4180}" destId="{3A2A2D77-5F88-4A5D-837A-900CEF34AFFE}" srcOrd="0" destOrd="0" presId="urn:microsoft.com/office/officeart/2005/8/layout/hList1"/>
+    <dgm:cxn modelId="{92A74A1A-B8B5-464D-900F-998E9FC7C332}" srcId="{B21C3D2F-08C9-449F-9D57-DC8335FB076F}" destId="{6BE08FB6-609D-4464-94A7-4CA439B15E54}" srcOrd="3" destOrd="0" parTransId="{AFCC0351-1F91-4FE1-B4BD-C08D45F47517}" sibTransId="{20155149-CB48-4FEC-93A0-6D9D5032B7F7}"/>
+    <dgm:cxn modelId="{8E083784-24F1-4D6C-B5E5-36BC3142CBA5}" srcId="{CB01E9E5-62F3-410C-9938-FD7CE644EE3B}" destId="{4418C0B6-C941-480D-BEF1-9AF5804F3677}" srcOrd="2" destOrd="0" parTransId="{33ABE779-52D6-495D-B3BA-610A86881706}" sibTransId="{49128A92-3B9D-4D6F-B307-C5EC5FE3DD91}"/>
+    <dgm:cxn modelId="{721F2194-04C2-43B9-A5AC-2A4C50588697}" srcId="{28D8A686-2B60-4C9A-B8C6-024A6D760DE2}" destId="{327933E7-550F-4B9D-9C00-9EE1E1618AA8}" srcOrd="1" destOrd="0" parTransId="{A4D37955-3C2F-4DFD-A7A4-2F1E74794AF4}" sibTransId="{06E91887-6914-4F14-B78B-F2C530A1685D}"/>
     <dgm:cxn modelId="{6606A548-9AED-453B-9185-FB7EE1DFC37F}" type="presOf" srcId="{DD552D85-5E3A-415C-9CF9-C8CC389496B8}" destId="{4982F73A-BF57-4CDF-8768-A08C246B445E}" srcOrd="0" destOrd="0" presId="urn:microsoft.com/office/officeart/2005/8/layout/hList1"/>
     <dgm:cxn modelId="{6F5D9769-862C-4C66-8B6A-279EC43AA4EA}" srcId="{CB01E9E5-62F3-410C-9938-FD7CE644EE3B}" destId="{1FDF46E6-8092-44E9-8E91-5A0E260A15C1}" srcOrd="3" destOrd="0" parTransId="{6F5131D1-0217-4301-9C41-1CBA9B53EB46}" sibTransId="{78E66252-1D78-4434-8CB9-F9FEDB81F694}"/>
-    <dgm:cxn modelId="{1787B751-97FC-4F01-9F9A-D590F6B84274}" type="presOf" srcId="{8B61CB61-791A-4C9D-A618-30F3247C4180}" destId="{3A2A2D77-5F88-4A5D-837A-900CEF34AFFE}" srcOrd="0" destOrd="0" presId="urn:microsoft.com/office/officeart/2005/8/layout/hList1"/>
-    <dgm:cxn modelId="{DB99C756-C39D-4F6E-9B48-DD0AFA134D18}" srcId="{B21C3D2F-08C9-449F-9D57-DC8335FB076F}" destId="{EF2135F4-C953-4DB0-B92C-37C16B8F7F30}" srcOrd="1" destOrd="0" parTransId="{21C57ED1-153D-4DB7-9BB9-EAD985273B16}" sibTransId="{E5D7B980-68EA-40B0-90C9-55951B76AE52}"/>
+    <dgm:cxn modelId="{6F9C52BA-B989-4F46-BFE8-7379D5AC5C3A}" type="presOf" srcId="{4418C0B6-C941-480D-BEF1-9AF5804F3677}" destId="{4982F73A-BF57-4CDF-8768-A08C246B445E}" srcOrd="0" destOrd="2" presId="urn:microsoft.com/office/officeart/2005/8/layout/hList1"/>
+    <dgm:cxn modelId="{299A2437-CDC6-4F65-9A07-AC60C5B3520C}" type="presOf" srcId="{E5F4F842-118D-46F0-ADEF-F16BAAA9CD16}" destId="{70D59FC0-8B09-486A-A442-590523B93818}" srcOrd="0" destOrd="0" presId="urn:microsoft.com/office/officeart/2005/8/layout/hList1"/>
     <dgm:cxn modelId="{A1E56A58-3C2B-4117-998D-E8DE3B6BE310}" srcId="{B21C3D2F-08C9-449F-9D57-DC8335FB076F}" destId="{DB8928EA-D56E-4110-B7E3-9634FCE4F326}" srcOrd="4" destOrd="0" parTransId="{A19DF4E5-80DC-45C0-A228-FEB56415243F}" sibTransId="{F9B8FC79-96E9-46AF-ADE9-FCC436AF8F76}"/>
-    <dgm:cxn modelId="{8E083784-24F1-4D6C-B5E5-36BC3142CBA5}" srcId="{CB01E9E5-62F3-410C-9938-FD7CE644EE3B}" destId="{4418C0B6-C941-480D-BEF1-9AF5804F3677}" srcOrd="2" destOrd="0" parTransId="{33ABE779-52D6-495D-B3BA-610A86881706}" sibTransId="{49128A92-3B9D-4D6F-B307-C5EC5FE3DD91}"/>
-    <dgm:cxn modelId="{B0856087-EC0E-4AF8-89FE-C7C20E275179}" srcId="{B21C3D2F-08C9-449F-9D57-DC8335FB076F}" destId="{8C39CBEE-7752-4CCF-904F-9494E1549916}" srcOrd="0" destOrd="0" parTransId="{A985AE18-2A0C-4A9A-BA23-E88236D2FDB7}" sibTransId="{2360B979-BC6B-4289-A6AD-9871B28B6E7D}"/>
+    <dgm:cxn modelId="{F3F1A73A-04E2-4FBB-9F1D-29C7FE0B7487}" type="presOf" srcId="{8504DC6C-F50D-4610-85F8-AED71EA0C310}" destId="{3A2A2D77-5F88-4A5D-837A-900CEF34AFFE}" srcOrd="0" destOrd="1" presId="urn:microsoft.com/office/officeart/2005/8/layout/hList1"/>
+    <dgm:cxn modelId="{27E66000-F86C-4B34-A8DE-B9CC45528376}" type="presOf" srcId="{B21C3D2F-08C9-449F-9D57-DC8335FB076F}" destId="{0A3F036D-D952-403F-B631-04BE45F1E6CB}" srcOrd="0" destOrd="0" presId="urn:microsoft.com/office/officeart/2005/8/layout/hList1"/>
+    <dgm:cxn modelId="{BA103EB7-DCDC-4DC2-8263-5F6FBB8958F2}" srcId="{E5F4F842-118D-46F0-ADEF-F16BAAA9CD16}" destId="{8B61CB61-791A-4C9D-A618-30F3247C4180}" srcOrd="0" destOrd="0" parTransId="{9C5E6BD2-9839-4CB3-9FED-CF824ED5CB13}" sibTransId="{1FE0C738-8E87-49A6-A4EB-5B2C19883CFC}"/>
+    <dgm:cxn modelId="{BDF9A4B2-05E1-404F-8C75-E27708EE6D7E}" type="presOf" srcId="{036F2EE1-2681-45F3-8C46-68F79E9B4184}" destId="{044BCA5F-4D35-412B-8F61-917CC098E18A}" srcOrd="0" destOrd="3" presId="urn:microsoft.com/office/officeart/2005/8/layout/hList1"/>
+    <dgm:cxn modelId="{BBD6A5D8-DAA6-4DDB-A138-FEC8AFF126D6}" type="presOf" srcId="{7157E82D-6FDE-4719-AC8B-BA6626EA5A3C}" destId="{BEC6C75F-C5D9-4758-A9C6-DA4C41650B52}" srcOrd="0" destOrd="0" presId="urn:microsoft.com/office/officeart/2005/8/layout/hList1"/>
+    <dgm:cxn modelId="{1AEF4FFF-B356-4949-A05D-F78420FD84A9}" type="presOf" srcId="{E4455614-9A51-4B00-A355-0C0AD223618A}" destId="{3A2A2D77-5F88-4A5D-837A-900CEF34AFFE}" srcOrd="0" destOrd="2" presId="urn:microsoft.com/office/officeart/2005/8/layout/hList1"/>
+    <dgm:cxn modelId="{B0F9B893-6E32-4761-980E-9EC79D06D567}" type="presOf" srcId="{CB01E9E5-62F3-410C-9938-FD7CE644EE3B}" destId="{1926E86F-91E7-4298-A43E-99B6F005D95D}" srcOrd="0" destOrd="0" presId="urn:microsoft.com/office/officeart/2005/8/layout/hList1"/>
+    <dgm:cxn modelId="{1935A62B-254D-45B0-843E-6D0739124710}" srcId="{28D8A686-2B60-4C9A-B8C6-024A6D760DE2}" destId="{DF007606-F2D7-4354-AF9B-1B613F8E04C8}" srcOrd="2" destOrd="0" parTransId="{88B50E75-765A-403E-A8B5-60085573F714}" sibTransId="{151F3ED6-C43B-4831-AAFE-0E7153AF43A6}"/>
     <dgm:cxn modelId="{FFE8A88B-085F-4AF9-B958-8AB99FDA16DA}" srcId="{7157E82D-6FDE-4719-AC8B-BA6626EA5A3C}" destId="{E5F4F842-118D-46F0-ADEF-F16BAAA9CD16}" srcOrd="3" destOrd="0" parTransId="{249F5CD0-BAEC-4834-9EAC-BF74C8E1E68D}" sibTransId="{E3BBE194-E348-4A5D-802E-5C4AA4C7F990}"/>
-    <dgm:cxn modelId="{4599E18B-AC04-4B3B-897B-7EDF76FE4027}" type="presOf" srcId="{CBD64214-CDC1-472D-BF9D-66633772031C}" destId="{044BCA5F-4D35-412B-8F61-917CC098E18A}" srcOrd="0" destOrd="0" presId="urn:microsoft.com/office/officeart/2005/8/layout/hList1"/>
-    <dgm:cxn modelId="{B0F9B893-6E32-4761-980E-9EC79D06D567}" type="presOf" srcId="{CB01E9E5-62F3-410C-9938-FD7CE644EE3B}" destId="{1926E86F-91E7-4298-A43E-99B6F005D95D}" srcOrd="0" destOrd="0" presId="urn:microsoft.com/office/officeart/2005/8/layout/hList1"/>
-    <dgm:cxn modelId="{721F2194-04C2-43B9-A5AC-2A4C50588697}" srcId="{28D8A686-2B60-4C9A-B8C6-024A6D760DE2}" destId="{327933E7-550F-4B9D-9C00-9EE1E1618AA8}" srcOrd="1" destOrd="0" parTransId="{A4D37955-3C2F-4DFD-A7A4-2F1E74794AF4}" sibTransId="{06E91887-6914-4F14-B78B-F2C530A1685D}"/>
-    <dgm:cxn modelId="{CDCD8697-C7CE-46DD-A887-A7C7AE82B925}" type="presOf" srcId="{61ED63F0-C5F9-4626-A42C-CACECC645F5C}" destId="{4982F73A-BF57-4CDF-8768-A08C246B445E}" srcOrd="0" destOrd="1" presId="urn:microsoft.com/office/officeart/2005/8/layout/hList1"/>
-    <dgm:cxn modelId="{FA523998-5B84-455D-A313-D4F04E60F141}" type="presOf" srcId="{28D8A686-2B60-4C9A-B8C6-024A6D760DE2}" destId="{DC235842-CFB0-448B-8F07-2B32E2CF3327}" srcOrd="0" destOrd="0" presId="urn:microsoft.com/office/officeart/2005/8/layout/hList1"/>
+    <dgm:cxn modelId="{31510C0A-942B-4A36-8231-C08E91925DBB}" type="presOf" srcId="{E7666353-B27A-4C10-B061-E644D98B8D46}" destId="{B7D51FE0-11FD-4167-9609-33459A5CF1F3}" srcOrd="0" destOrd="2" presId="urn:microsoft.com/office/officeart/2005/8/layout/hList1"/>
+    <dgm:cxn modelId="{F2BB24F8-3AB3-4537-ADE8-079F4CA29132}" srcId="{E5F4F842-118D-46F0-ADEF-F16BAAA9CD16}" destId="{8504DC6C-F50D-4610-85F8-AED71EA0C310}" srcOrd="1" destOrd="0" parTransId="{AE82B259-BADD-4569-8F4C-249F2FB4EE5A}" sibTransId="{A313B7A6-ABC0-486F-AF51-3D78E1F9E114}"/>
+    <dgm:cxn modelId="{CDFBA0D1-7D92-40F3-A1C9-F41F1B1523A7}" type="presOf" srcId="{327933E7-550F-4B9D-9C00-9EE1E1618AA8}" destId="{044BCA5F-4D35-412B-8F61-917CC098E18A}" srcOrd="0" destOrd="1" presId="urn:microsoft.com/office/officeart/2005/8/layout/hList1"/>
+    <dgm:cxn modelId="{FB9AC0DB-3BFC-442A-8277-5EFF3DAB7401}" srcId="{28D8A686-2B60-4C9A-B8C6-024A6D760DE2}" destId="{036F2EE1-2681-45F3-8C46-68F79E9B4184}" srcOrd="3" destOrd="0" parTransId="{F93FB83B-0EC1-4ACE-A4C2-B691815B9A9C}" sibTransId="{9CB7E547-CFFB-4C5C-9509-ADE6C4FF9482}"/>
+    <dgm:cxn modelId="{3DF9F439-AF04-4A50-9D5B-ADE51D51E7F9}" srcId="{7157E82D-6FDE-4719-AC8B-BA6626EA5A3C}" destId="{CB01E9E5-62F3-410C-9938-FD7CE644EE3B}" srcOrd="1" destOrd="0" parTransId="{D8CC192F-BE06-4182-A9D3-476035BD52DD}" sibTransId="{917C56D8-C7EE-40E9-8D06-D0F8EBEEDA30}"/>
+    <dgm:cxn modelId="{BA69F1BA-AB92-4A0F-BDFA-8999C899ED79}" type="presOf" srcId="{45A0AA27-EEF9-4822-93C7-4F3220496327}" destId="{3A2A2D77-5F88-4A5D-837A-900CEF34AFFE}" srcOrd="0" destOrd="3" presId="urn:microsoft.com/office/officeart/2005/8/layout/hList1"/>
+    <dgm:cxn modelId="{9B8341F4-7A7D-49F5-8B71-DDF34A6927AA}" srcId="{E5F4F842-118D-46F0-ADEF-F16BAAA9CD16}" destId="{E4455614-9A51-4B00-A355-0C0AD223618A}" srcOrd="2" destOrd="0" parTransId="{54608778-89F4-439F-9154-F9914C377A24}" sibTransId="{CFE7AD90-91E5-47B3-A418-1EFD04A7402B}"/>
     <dgm:cxn modelId="{6E3273A6-AEE9-4A17-8FC6-E579E86770C9}" type="presOf" srcId="{DF007606-F2D7-4354-AF9B-1B613F8E04C8}" destId="{044BCA5F-4D35-412B-8F61-917CC098E18A}" srcOrd="0" destOrd="2" presId="urn:microsoft.com/office/officeart/2005/8/layout/hList1"/>
-    <dgm:cxn modelId="{BDF9A4B2-05E1-404F-8C75-E27708EE6D7E}" type="presOf" srcId="{036F2EE1-2681-45F3-8C46-68F79E9B4184}" destId="{044BCA5F-4D35-412B-8F61-917CC098E18A}" srcOrd="0" destOrd="3" presId="urn:microsoft.com/office/officeart/2005/8/layout/hList1"/>
-    <dgm:cxn modelId="{65E1A8B5-1367-4BCC-A12A-B34D9E9E80DA}" srcId="{E5F4F842-118D-46F0-ADEF-F16BAAA9CD16}" destId="{45A0AA27-EEF9-4822-93C7-4F3220496327}" srcOrd="3" destOrd="0" parTransId="{A4FB4AA6-2F8A-4833-87AD-C28C8C2F18C3}" sibTransId="{AE73D26D-94DB-4CD4-B686-494A876A1F63}"/>
-    <dgm:cxn modelId="{BA103EB7-DCDC-4DC2-8263-5F6FBB8958F2}" srcId="{E5F4F842-118D-46F0-ADEF-F16BAAA9CD16}" destId="{8B61CB61-791A-4C9D-A618-30F3247C4180}" srcOrd="0" destOrd="0" parTransId="{9C5E6BD2-9839-4CB3-9FED-CF824ED5CB13}" sibTransId="{1FE0C738-8E87-49A6-A4EB-5B2C19883CFC}"/>
-    <dgm:cxn modelId="{6F9C52BA-B989-4F46-BFE8-7379D5AC5C3A}" type="presOf" srcId="{4418C0B6-C941-480D-BEF1-9AF5804F3677}" destId="{4982F73A-BF57-4CDF-8768-A08C246B445E}" srcOrd="0" destOrd="2" presId="urn:microsoft.com/office/officeart/2005/8/layout/hList1"/>
-    <dgm:cxn modelId="{BA69F1BA-AB92-4A0F-BDFA-8999C899ED79}" type="presOf" srcId="{45A0AA27-EEF9-4822-93C7-4F3220496327}" destId="{3A2A2D77-5F88-4A5D-837A-900CEF34AFFE}" srcOrd="0" destOrd="3" presId="urn:microsoft.com/office/officeart/2005/8/layout/hList1"/>
     <dgm:cxn modelId="{A96F32D1-2D07-45E4-A25C-7DC25D867072}" type="presOf" srcId="{EF2135F4-C953-4DB0-B92C-37C16B8F7F30}" destId="{B7D51FE0-11FD-4167-9609-33459A5CF1F3}" srcOrd="0" destOrd="1" presId="urn:microsoft.com/office/officeart/2005/8/layout/hList1"/>
-    <dgm:cxn modelId="{CDFBA0D1-7D92-40F3-A1C9-F41F1B1523A7}" type="presOf" srcId="{327933E7-550F-4B9D-9C00-9EE1E1618AA8}" destId="{044BCA5F-4D35-412B-8F61-917CC098E18A}" srcOrd="0" destOrd="1" presId="urn:microsoft.com/office/officeart/2005/8/layout/hList1"/>
-    <dgm:cxn modelId="{BBD6A5D8-DAA6-4DDB-A138-FEC8AFF126D6}" type="presOf" srcId="{7157E82D-6FDE-4719-AC8B-BA6626EA5A3C}" destId="{BEC6C75F-C5D9-4758-A9C6-DA4C41650B52}" srcOrd="0" destOrd="0" presId="urn:microsoft.com/office/officeart/2005/8/layout/hList1"/>
-    <dgm:cxn modelId="{FB9AC0DB-3BFC-442A-8277-5EFF3DAB7401}" srcId="{28D8A686-2B60-4C9A-B8C6-024A6D760DE2}" destId="{036F2EE1-2681-45F3-8C46-68F79E9B4184}" srcOrd="3" destOrd="0" parTransId="{F93FB83B-0EC1-4ACE-A4C2-B691815B9A9C}" sibTransId="{9CB7E547-CFFB-4C5C-9509-ADE6C4FF9482}"/>
-    <dgm:cxn modelId="{17F5B2DE-92F6-4C4C-9048-BEBCD772F52E}" type="presOf" srcId="{1FDF46E6-8092-44E9-8E91-5A0E260A15C1}" destId="{4982F73A-BF57-4CDF-8768-A08C246B445E}" srcOrd="0" destOrd="3" presId="urn:microsoft.com/office/officeart/2005/8/layout/hList1"/>
-    <dgm:cxn modelId="{9B8341F4-7A7D-49F5-8B71-DDF34A6927AA}" srcId="{E5F4F842-118D-46F0-ADEF-F16BAAA9CD16}" destId="{E4455614-9A51-4B00-A355-0C0AD223618A}" srcOrd="2" destOrd="0" parTransId="{54608778-89F4-439F-9154-F9914C377A24}" sibTransId="{CFE7AD90-91E5-47B3-A418-1EFD04A7402B}"/>
-    <dgm:cxn modelId="{F2BB24F8-3AB3-4537-ADE8-079F4CA29132}" srcId="{E5F4F842-118D-46F0-ADEF-F16BAAA9CD16}" destId="{8504DC6C-F50D-4610-85F8-AED71EA0C310}" srcOrd="1" destOrd="0" parTransId="{AE82B259-BADD-4569-8F4C-249F2FB4EE5A}" sibTransId="{A313B7A6-ABC0-486F-AF51-3D78E1F9E114}"/>
-    <dgm:cxn modelId="{1AEF4FFF-B356-4949-A05D-F78420FD84A9}" type="presOf" srcId="{E4455614-9A51-4B00-A355-0C0AD223618A}" destId="{3A2A2D77-5F88-4A5D-837A-900CEF34AFFE}" srcOrd="0" destOrd="2" presId="urn:microsoft.com/office/officeart/2005/8/layout/hList1"/>
     <dgm:cxn modelId="{11DDF9A8-902E-4018-8F03-A56D3B72B41F}" type="presParOf" srcId="{BEC6C75F-C5D9-4758-A9C6-DA4C41650B52}" destId="{ED45D4E3-9413-4D40-986E-702F5F6B1F1B}" srcOrd="0" destOrd="0" presId="urn:microsoft.com/office/officeart/2005/8/layout/hList1"/>
     <dgm:cxn modelId="{5A553EC1-607D-4F76-92AC-FA4E4A2B053D}" type="presParOf" srcId="{ED45D4E3-9413-4D40-986E-702F5F6B1F1B}" destId="{0A3F036D-D952-403F-B631-04BE45F1E6CB}" srcOrd="0" destOrd="0" presId="urn:microsoft.com/office/officeart/2005/8/layout/hList1"/>
     <dgm:cxn modelId="{10D20B5F-D78F-4882-AB4A-D4660F64F2A7}" type="presParOf" srcId="{ED45D4E3-9413-4D40-986E-702F5F6B1F1B}" destId="{B7D51FE0-11FD-4167-9609-33459A5CF1F3}" srcOrd="1" destOrd="0" presId="urn:microsoft.com/office/officeart/2005/8/layout/hList1"/>
@@ -2722,7 +2786,7 @@
         </a:bodyPr>
         <a:lstStyle/>
         <a:p>
-          <a:pPr marL="0" lvl="0" indent="0" algn="ctr" defTabSz="800100">
+          <a:pPr lvl="0" algn="ctr" defTabSz="800100">
             <a:lnSpc>
               <a:spcPct val="90000"/>
             </a:lnSpc>
@@ -2732,7 +2796,6 @@
             <a:spcAft>
               <a:spcPct val="35000"/>
             </a:spcAft>
-            <a:buNone/>
           </a:pPr>
           <a:r>
             <a:rPr lang="kk-KZ" sz="1800" kern="1200" dirty="0"/>
@@ -2813,7 +2876,7 @@
             <a:spcAft>
               <a:spcPct val="15000"/>
             </a:spcAft>
-            <a:buChar char="•"/>
+            <a:buChar char="••"/>
           </a:pPr>
           <a:r>
             <a:rPr lang="kk-KZ" sz="1800" kern="1200" dirty="0"/>
@@ -2832,7 +2895,7 @@
             <a:spcAft>
               <a:spcPct val="15000"/>
             </a:spcAft>
-            <a:buChar char="•"/>
+            <a:buChar char="••"/>
           </a:pPr>
           <a:r>
             <a:rPr lang="kk-KZ" sz="1800" kern="1200" dirty="0"/>
@@ -2850,7 +2913,7 @@
             <a:spcAft>
               <a:spcPct val="15000"/>
             </a:spcAft>
-            <a:buChar char="•"/>
+            <a:buChar char="••"/>
           </a:pPr>
           <a:r>
             <a:rPr lang="kk-KZ" sz="1800" kern="1200" dirty="0"/>
@@ -2869,7 +2932,7 @@
             <a:spcAft>
               <a:spcPct val="15000"/>
             </a:spcAft>
-            <a:buChar char="•"/>
+            <a:buChar char="••"/>
           </a:pPr>
           <a:r>
             <a:rPr lang="kk-KZ" sz="1800" kern="1200" dirty="0"/>
@@ -2888,7 +2951,7 @@
             <a:spcAft>
               <a:spcPct val="15000"/>
             </a:spcAft>
-            <a:buChar char="•"/>
+            <a:buChar char="••"/>
           </a:pPr>
           <a:r>
             <a:rPr lang="kk-KZ" sz="1800" kern="1200" dirty="0"/>
@@ -2956,7 +3019,7 @@
         </a:bodyPr>
         <a:lstStyle/>
         <a:p>
-          <a:pPr marL="0" lvl="0" indent="0" algn="ctr" defTabSz="800100">
+          <a:pPr lvl="0" algn="ctr" defTabSz="800100">
             <a:lnSpc>
               <a:spcPct val="90000"/>
             </a:lnSpc>
@@ -2966,7 +3029,6 @@
             <a:spcAft>
               <a:spcPct val="35000"/>
             </a:spcAft>
-            <a:buNone/>
           </a:pPr>
           <a:r>
             <a:rPr lang="kk-KZ" sz="1800" kern="1200" dirty="0"/>
@@ -3047,7 +3109,7 @@
             <a:spcAft>
               <a:spcPct val="15000"/>
             </a:spcAft>
-            <a:buChar char="•"/>
+            <a:buChar char="••"/>
           </a:pPr>
           <a:r>
             <a:rPr lang="kk-KZ" sz="1800" kern="1200" dirty="0"/>
@@ -3066,7 +3128,7 @@
             <a:spcAft>
               <a:spcPct val="15000"/>
             </a:spcAft>
-            <a:buChar char="•"/>
+            <a:buChar char="••"/>
           </a:pPr>
           <a:r>
             <a:rPr lang="kk-KZ" sz="1800" kern="1200" dirty="0"/>
@@ -3085,7 +3147,7 @@
             <a:spcAft>
               <a:spcPct val="15000"/>
             </a:spcAft>
-            <a:buChar char="•"/>
+            <a:buChar char="••"/>
           </a:pPr>
           <a:r>
             <a:rPr lang="kk-KZ" sz="1800" kern="1200" dirty="0"/>
@@ -3104,7 +3166,7 @@
             <a:spcAft>
               <a:spcPct val="15000"/>
             </a:spcAft>
-            <a:buChar char="•"/>
+            <a:buChar char="••"/>
           </a:pPr>
           <a:r>
             <a:rPr lang="kk-KZ" sz="1800" kern="1200" dirty="0"/>
@@ -3123,7 +3185,7 @@
             <a:spcAft>
               <a:spcPct val="15000"/>
             </a:spcAft>
-            <a:buChar char="•"/>
+            <a:buChar char="••"/>
           </a:pPr>
           <a:r>
             <a:rPr lang="kk-KZ" sz="1800" kern="1200" dirty="0"/>
@@ -3192,7 +3254,7 @@
         </a:bodyPr>
         <a:lstStyle/>
         <a:p>
-          <a:pPr marL="0" lvl="0" indent="0" algn="ctr" defTabSz="800100">
+          <a:pPr lvl="0" algn="ctr" defTabSz="800100">
             <a:lnSpc>
               <a:spcPct val="90000"/>
             </a:lnSpc>
@@ -3202,7 +3264,6 @@
             <a:spcAft>
               <a:spcPct val="35000"/>
             </a:spcAft>
-            <a:buNone/>
           </a:pPr>
           <a:r>
             <a:rPr lang="kk-KZ" sz="1800" kern="1200" dirty="0"/>
@@ -3283,7 +3344,7 @@
             <a:spcAft>
               <a:spcPct val="15000"/>
             </a:spcAft>
-            <a:buChar char="•"/>
+            <a:buChar char="••"/>
           </a:pPr>
           <a:r>
             <a:rPr lang="kk-KZ" sz="1800" kern="1200" dirty="0"/>
@@ -3302,7 +3363,7 @@
             <a:spcAft>
               <a:spcPct val="15000"/>
             </a:spcAft>
-            <a:buChar char="•"/>
+            <a:buChar char="••"/>
           </a:pPr>
           <a:r>
             <a:rPr lang="kk-KZ" sz="1800" kern="1200" dirty="0"/>
@@ -3321,7 +3382,7 @@
             <a:spcAft>
               <a:spcPct val="15000"/>
             </a:spcAft>
-            <a:buChar char="•"/>
+            <a:buChar char="••"/>
           </a:pPr>
           <a:r>
             <a:rPr lang="kk-KZ" sz="1800" kern="1200" dirty="0"/>
@@ -3340,7 +3401,7 @@
             <a:spcAft>
               <a:spcPct val="15000"/>
             </a:spcAft>
-            <a:buChar char="•"/>
+            <a:buChar char="••"/>
           </a:pPr>
           <a:r>
             <a:rPr lang="kk-KZ" sz="1800" kern="1200" dirty="0"/>
@@ -3409,7 +3470,7 @@
         </a:bodyPr>
         <a:lstStyle/>
         <a:p>
-          <a:pPr marL="0" lvl="0" indent="0" algn="ctr" defTabSz="800100">
+          <a:pPr lvl="0" algn="ctr" defTabSz="800100">
             <a:lnSpc>
               <a:spcPct val="90000"/>
             </a:lnSpc>
@@ -3419,7 +3480,6 @@
             <a:spcAft>
               <a:spcPct val="35000"/>
             </a:spcAft>
-            <a:buNone/>
           </a:pPr>
           <a:r>
             <a:rPr lang="kk-KZ" sz="1800" kern="1200" dirty="0"/>
@@ -3500,7 +3560,7 @@
             <a:spcAft>
               <a:spcPct val="15000"/>
             </a:spcAft>
-            <a:buChar char="•"/>
+            <a:buChar char="••"/>
           </a:pPr>
           <a:r>
             <a:rPr lang="kk-KZ" sz="1800" kern="1200" dirty="0"/>
@@ -3519,7 +3579,7 @@
             <a:spcAft>
               <a:spcPct val="15000"/>
             </a:spcAft>
-            <a:buChar char="•"/>
+            <a:buChar char="••"/>
           </a:pPr>
           <a:r>
             <a:rPr lang="kk-KZ" sz="1800" kern="1200" dirty="0"/>
@@ -3538,7 +3598,7 @@
             <a:spcAft>
               <a:spcPct val="15000"/>
             </a:spcAft>
-            <a:buChar char="•"/>
+            <a:buChar char="••"/>
           </a:pPr>
           <a:r>
             <a:rPr lang="kk-KZ" sz="1800" kern="1200" dirty="0"/>
@@ -3557,7 +3617,7 @@
             <a:spcAft>
               <a:spcPct val="15000"/>
             </a:spcAft>
-            <a:buChar char="•"/>
+            <a:buChar char="••"/>
           </a:pPr>
           <a:r>
             <a:rPr lang="kk-KZ" sz="1800" kern="1200" dirty="0"/>
@@ -6261,7 +6321,7 @@
           <a:p>
             <a:fld id="{72EF3BA8-1F21-4C74-9DAC-BEB07A8E56ED}" type="datetimeFigureOut">
               <a:rPr lang="ru-RU" smtClean="0"/>
-              <a:t>18.05.2022</a:t>
+              <a:t>19.05.2022</a:t>
             </a:fld>
             <a:endParaRPr lang="ru-RU"/>
           </a:p>
@@ -6429,7 +6489,7 @@
           <a:p>
             <a:fld id="{72EF3BA8-1F21-4C74-9DAC-BEB07A8E56ED}" type="datetimeFigureOut">
               <a:rPr lang="ru-RU" smtClean="0"/>
-              <a:t>18.05.2022</a:t>
+              <a:t>19.05.2022</a:t>
             </a:fld>
             <a:endParaRPr lang="ru-RU"/>
           </a:p>
@@ -6607,7 +6667,7 @@
           <a:p>
             <a:fld id="{72EF3BA8-1F21-4C74-9DAC-BEB07A8E56ED}" type="datetimeFigureOut">
               <a:rPr lang="ru-RU" smtClean="0"/>
-              <a:t>18.05.2022</a:t>
+              <a:t>19.05.2022</a:t>
             </a:fld>
             <a:endParaRPr lang="ru-RU"/>
           </a:p>
@@ -6775,7 +6835,7 @@
           <a:p>
             <a:fld id="{72EF3BA8-1F21-4C74-9DAC-BEB07A8E56ED}" type="datetimeFigureOut">
               <a:rPr lang="ru-RU" smtClean="0"/>
-              <a:t>18.05.2022</a:t>
+              <a:t>19.05.2022</a:t>
             </a:fld>
             <a:endParaRPr lang="ru-RU"/>
           </a:p>
@@ -7020,7 +7080,7 @@
           <a:p>
             <a:fld id="{72EF3BA8-1F21-4C74-9DAC-BEB07A8E56ED}" type="datetimeFigureOut">
               <a:rPr lang="ru-RU" smtClean="0"/>
-              <a:t>18.05.2022</a:t>
+              <a:t>19.05.2022</a:t>
             </a:fld>
             <a:endParaRPr lang="ru-RU"/>
           </a:p>
@@ -7249,7 +7309,7 @@
           <a:p>
             <a:fld id="{72EF3BA8-1F21-4C74-9DAC-BEB07A8E56ED}" type="datetimeFigureOut">
               <a:rPr lang="ru-RU" smtClean="0"/>
-              <a:t>18.05.2022</a:t>
+              <a:t>19.05.2022</a:t>
             </a:fld>
             <a:endParaRPr lang="ru-RU"/>
           </a:p>
@@ -7613,7 +7673,7 @@
           <a:p>
             <a:fld id="{72EF3BA8-1F21-4C74-9DAC-BEB07A8E56ED}" type="datetimeFigureOut">
               <a:rPr lang="ru-RU" smtClean="0"/>
-              <a:t>18.05.2022</a:t>
+              <a:t>19.05.2022</a:t>
             </a:fld>
             <a:endParaRPr lang="ru-RU"/>
           </a:p>
@@ -7730,7 +7790,7 @@
           <a:p>
             <a:fld id="{72EF3BA8-1F21-4C74-9DAC-BEB07A8E56ED}" type="datetimeFigureOut">
               <a:rPr lang="ru-RU" smtClean="0"/>
-              <a:t>18.05.2022</a:t>
+              <a:t>19.05.2022</a:t>
             </a:fld>
             <a:endParaRPr lang="ru-RU"/>
           </a:p>
@@ -7825,7 +7885,7 @@
           <a:p>
             <a:fld id="{72EF3BA8-1F21-4C74-9DAC-BEB07A8E56ED}" type="datetimeFigureOut">
               <a:rPr lang="ru-RU" smtClean="0"/>
-              <a:t>18.05.2022</a:t>
+              <a:t>19.05.2022</a:t>
             </a:fld>
             <a:endParaRPr lang="ru-RU"/>
           </a:p>
@@ -8100,7 +8160,7 @@
           <a:p>
             <a:fld id="{72EF3BA8-1F21-4C74-9DAC-BEB07A8E56ED}" type="datetimeFigureOut">
               <a:rPr lang="ru-RU" smtClean="0"/>
-              <a:t>18.05.2022</a:t>
+              <a:t>19.05.2022</a:t>
             </a:fld>
             <a:endParaRPr lang="ru-RU"/>
           </a:p>
@@ -8352,7 +8412,7 @@
           <a:p>
             <a:fld id="{72EF3BA8-1F21-4C74-9DAC-BEB07A8E56ED}" type="datetimeFigureOut">
               <a:rPr lang="ru-RU" smtClean="0"/>
-              <a:t>18.05.2022</a:t>
+              <a:t>19.05.2022</a:t>
             </a:fld>
             <a:endParaRPr lang="ru-RU"/>
           </a:p>
@@ -8563,7 +8623,7 @@
           <a:p>
             <a:fld id="{72EF3BA8-1F21-4C74-9DAC-BEB07A8E56ED}" type="datetimeFigureOut">
               <a:rPr lang="ru-RU" smtClean="0"/>
-              <a:t>18.05.2022</a:t>
+              <a:t>19.05.2022</a:t>
             </a:fld>
             <a:endParaRPr lang="ru-RU"/>
           </a:p>
@@ -9058,6 +9118,83 @@
           <a:lstStyle/>
           <a:p>
             <a:r>
+              <a:rPr lang="en-US" dirty="0" smtClean="0"/>
+              <a:t> </a:t>
+            </a:r>
+            <a:endParaRPr lang="ru-RU" dirty="0"/>
+          </a:p>
+        </p:txBody>
+      </p:sp>
+      <p:pic>
+        <p:nvPicPr>
+          <p:cNvPr id="4" name="Рисунок 3"/>
+          <p:cNvPicPr>
+            <a:picLocks noChangeAspect="1"/>
+          </p:cNvPicPr>
+          <p:nvPr/>
+        </p:nvPicPr>
+        <p:blipFill>
+          <a:blip r:embed="rId2"/>
+          <a:stretch>
+            <a:fillRect/>
+          </a:stretch>
+        </p:blipFill>
+        <p:spPr>
+          <a:xfrm>
+            <a:off x="2938462" y="371475"/>
+            <a:ext cx="6315075" cy="6115050"/>
+          </a:xfrm>
+          <a:prstGeom prst="rect">
+            <a:avLst/>
+          </a:prstGeom>
+        </p:spPr>
+      </p:pic>
+    </p:spTree>
+    <p:extLst>
+      <p:ext uri="{BB962C8B-B14F-4D97-AF65-F5344CB8AC3E}">
+        <p14:creationId xmlns:p14="http://schemas.microsoft.com/office/powerpoint/2010/main" val="3322085838"/>
+      </p:ext>
+    </p:extLst>
+  </p:cSld>
+  <p:clrMapOvr>
+    <a:masterClrMapping/>
+  </p:clrMapOvr>
+</p:sld>
+</file>
+
+<file path=ppt/slides/slide3.xml><?xml version="1.0" encoding="utf-8"?>
+<p:sld xmlns:a="http://schemas.openxmlformats.org/drawingml/2006/main" xmlns:r="http://schemas.openxmlformats.org/officeDocument/2006/relationships" xmlns:p="http://schemas.openxmlformats.org/presentationml/2006/main">
+  <p:cSld>
+    <p:spTree>
+      <p:nvGrpSpPr>
+        <p:cNvPr id="1" name=""/>
+        <p:cNvGrpSpPr/>
+        <p:nvPr/>
+      </p:nvGrpSpPr>
+      <p:grpSpPr>
+        <a:xfrm>
+          <a:off x="0" y="0"/>
+          <a:ext cx="0" cy="0"/>
+          <a:chOff x="0" y="0"/>
+          <a:chExt cx="0" cy="0"/>
+        </a:xfrm>
+      </p:grpSpPr>
+      <p:sp>
+        <p:nvSpPr>
+          <p:cNvPr id="2" name="Заголовок 1"/>
+          <p:cNvSpPr>
+            <a:spLocks noGrp="1"/>
+          </p:cNvSpPr>
+          <p:nvPr>
+            <p:ph type="title"/>
+          </p:nvPr>
+        </p:nvSpPr>
+        <p:spPr/>
+        <p:txBody>
+          <a:bodyPr/>
+          <a:lstStyle/>
+          <a:p>
+            <a:r>
               <a:rPr lang="kk-KZ" dirty="0"/>
               <a:t>   </a:t>
             </a:r>
@@ -9204,7 +9341,7 @@
 </p:sld>
 </file>
 
-<file path=ppt/slides/slide3.xml><?xml version="1.0" encoding="utf-8"?>
+<file path=ppt/slides/slide4.xml><?xml version="1.0" encoding="utf-8"?>
 <p:sld xmlns:a="http://schemas.openxmlformats.org/drawingml/2006/main" xmlns:r="http://schemas.openxmlformats.org/officeDocument/2006/relationships" xmlns:p="http://schemas.openxmlformats.org/presentationml/2006/main">
   <p:cSld>
     <p:spTree>
